--- a/Day 1/Introduction to Machine Learning.pptx
+++ b/Day 1/Introduction to Machine Learning.pptx
@@ -32,8 +32,11 @@
     <p:sldId id="281" r:id="rId26"/>
     <p:sldId id="282" r:id="rId27"/>
     <p:sldId id="283" r:id="rId28"/>
-    <p:sldId id="284" r:id="rId29"/>
-    <p:sldId id="285" r:id="rId30"/>
+    <p:sldId id="287" r:id="rId29"/>
+    <p:sldId id="288" r:id="rId30"/>
+    <p:sldId id="289" r:id="rId31"/>
+    <p:sldId id="284" r:id="rId32"/>
+    <p:sldId id="285" r:id="rId33"/>
   </p:sldIdLst>
   <p:sldSz cx="12192000" cy="6858000"/>
   <p:notesSz cx="6858000" cy="9144000"/>
@@ -7189,6 +7192,927 @@
     <dgm:txLinClrLst/>
     <dgm:txFillClrLst meth="repeat">
       <a:schemeClr val="bg1"/>
+    </dgm:txFillClrLst>
+    <dgm:txEffectClrLst/>
+  </dgm:styleLbl>
+</dgm:colorsDef>
+</file>
+
+<file path=ppt/diagrams/colors9.xml><?xml version="1.0" encoding="utf-8"?>
+<dgm:colorsDef xmlns:dgm="http://schemas.openxmlformats.org/drawingml/2006/diagram" xmlns:a="http://schemas.openxmlformats.org/drawingml/2006/main" uniqueId="urn:microsoft.com/office/officeart/2018/5/colors/Iconchunking_neutralbg_colorful1">
+  <dgm:title val=""/>
+  <dgm:desc val=""/>
+  <dgm:catLst>
+    <dgm:cat type="colorful" pri="10100"/>
+  </dgm:catLst>
+  <dgm:styleLbl name="node0">
+    <dgm:fillClrLst meth="repeat">
+      <a:schemeClr val="accent1"/>
+    </dgm:fillClrLst>
+    <dgm:linClrLst meth="repeat">
+      <a:schemeClr val="lt1"/>
+    </dgm:linClrLst>
+    <dgm:effectClrLst/>
+    <dgm:txLinClrLst/>
+    <dgm:txFillClrLst/>
+    <dgm:txEffectClrLst/>
+  </dgm:styleLbl>
+  <dgm:styleLbl name="node1">
+    <dgm:fillClrLst meth="repeat">
+      <a:schemeClr val="accent2"/>
+      <a:schemeClr val="accent3"/>
+      <a:schemeClr val="accent4"/>
+      <a:schemeClr val="accent5"/>
+      <a:schemeClr val="accent6"/>
+    </dgm:fillClrLst>
+    <dgm:linClrLst meth="repeat">
+      <a:schemeClr val="lt1">
+        <a:alpha val="0"/>
+      </a:schemeClr>
+    </dgm:linClrLst>
+    <dgm:effectClrLst/>
+    <dgm:txLinClrLst/>
+    <dgm:txFillClrLst/>
+    <dgm:txEffectClrLst/>
+  </dgm:styleLbl>
+  <dgm:styleLbl name="alignNode1">
+    <dgm:fillClrLst meth="repeat">
+      <a:schemeClr val="accent2"/>
+      <a:schemeClr val="accent3"/>
+      <a:schemeClr val="accent4"/>
+      <a:schemeClr val="accent5"/>
+      <a:schemeClr val="accent6"/>
+    </dgm:fillClrLst>
+    <dgm:linClrLst meth="repeat">
+      <a:schemeClr val="accent2"/>
+      <a:schemeClr val="accent3"/>
+      <a:schemeClr val="accent4"/>
+      <a:schemeClr val="accent5"/>
+      <a:schemeClr val="accent6"/>
+    </dgm:linClrLst>
+    <dgm:effectClrLst/>
+    <dgm:txLinClrLst/>
+    <dgm:txFillClrLst/>
+    <dgm:txEffectClrLst/>
+  </dgm:styleLbl>
+  <dgm:styleLbl name="lnNode1">
+    <dgm:fillClrLst meth="repeat">
+      <a:schemeClr val="accent2"/>
+      <a:schemeClr val="accent3"/>
+      <a:schemeClr val="accent4"/>
+      <a:schemeClr val="accent5"/>
+      <a:schemeClr val="accent6"/>
+    </dgm:fillClrLst>
+    <dgm:linClrLst meth="repeat">
+      <a:schemeClr val="lt1"/>
+    </dgm:linClrLst>
+    <dgm:effectClrLst/>
+    <dgm:txLinClrLst/>
+    <dgm:txFillClrLst/>
+    <dgm:txEffectClrLst/>
+  </dgm:styleLbl>
+  <dgm:styleLbl name="vennNode1">
+    <dgm:fillClrLst meth="repeat">
+      <a:schemeClr val="accent2">
+        <a:alpha val="50000"/>
+      </a:schemeClr>
+      <a:schemeClr val="accent3">
+        <a:alpha val="50000"/>
+      </a:schemeClr>
+      <a:schemeClr val="accent4">
+        <a:alpha val="50000"/>
+      </a:schemeClr>
+      <a:schemeClr val="accent5">
+        <a:alpha val="50000"/>
+      </a:schemeClr>
+      <a:schemeClr val="accent6">
+        <a:alpha val="50000"/>
+      </a:schemeClr>
+    </dgm:fillClrLst>
+    <dgm:linClrLst meth="repeat">
+      <a:schemeClr val="lt1"/>
+    </dgm:linClrLst>
+    <dgm:effectClrLst/>
+    <dgm:txLinClrLst/>
+    <dgm:txFillClrLst/>
+    <dgm:txEffectClrLst/>
+  </dgm:styleLbl>
+  <dgm:styleLbl name="node2">
+    <dgm:fillClrLst>
+      <a:schemeClr val="accent2"/>
+    </dgm:fillClrLst>
+    <dgm:linClrLst meth="repeat">
+      <a:schemeClr val="lt1"/>
+    </dgm:linClrLst>
+    <dgm:effectClrLst/>
+    <dgm:txLinClrLst/>
+    <dgm:txFillClrLst/>
+    <dgm:txEffectClrLst/>
+  </dgm:styleLbl>
+  <dgm:styleLbl name="node3">
+    <dgm:fillClrLst>
+      <a:schemeClr val="accent3"/>
+    </dgm:fillClrLst>
+    <dgm:linClrLst meth="repeat">
+      <a:schemeClr val="lt1"/>
+    </dgm:linClrLst>
+    <dgm:effectClrLst/>
+    <dgm:txLinClrLst/>
+    <dgm:txFillClrLst/>
+    <dgm:txEffectClrLst/>
+  </dgm:styleLbl>
+  <dgm:styleLbl name="node4">
+    <dgm:fillClrLst>
+      <a:schemeClr val="accent4"/>
+    </dgm:fillClrLst>
+    <dgm:linClrLst meth="repeat">
+      <a:schemeClr val="lt1"/>
+    </dgm:linClrLst>
+    <dgm:effectClrLst/>
+    <dgm:txLinClrLst/>
+    <dgm:txFillClrLst/>
+    <dgm:txEffectClrLst/>
+  </dgm:styleLbl>
+  <dgm:styleLbl name="fgImgPlace1">
+    <dgm:fillClrLst meth="repeat">
+      <a:schemeClr val="accent2">
+        <a:tint val="50000"/>
+      </a:schemeClr>
+      <a:schemeClr val="accent3">
+        <a:tint val="50000"/>
+      </a:schemeClr>
+      <a:schemeClr val="accent4">
+        <a:tint val="50000"/>
+      </a:schemeClr>
+      <a:schemeClr val="accent5">
+        <a:tint val="50000"/>
+      </a:schemeClr>
+      <a:schemeClr val="accent6">
+        <a:tint val="50000"/>
+      </a:schemeClr>
+    </dgm:fillClrLst>
+    <dgm:linClrLst meth="repeat">
+      <a:schemeClr val="lt1"/>
+    </dgm:linClrLst>
+    <dgm:effectClrLst/>
+    <dgm:txLinClrLst/>
+    <dgm:txFillClrLst meth="repeat">
+      <a:schemeClr val="lt1"/>
+    </dgm:txFillClrLst>
+    <dgm:txEffectClrLst/>
+  </dgm:styleLbl>
+  <dgm:styleLbl name="alignImgPlace1">
+    <dgm:fillClrLst>
+      <a:schemeClr val="accent1">
+        <a:tint val="50000"/>
+      </a:schemeClr>
+      <a:schemeClr val="accent2">
+        <a:tint val="20000"/>
+      </a:schemeClr>
+    </dgm:fillClrLst>
+    <dgm:linClrLst meth="repeat">
+      <a:schemeClr val="lt1"/>
+    </dgm:linClrLst>
+    <dgm:effectClrLst/>
+    <dgm:txLinClrLst/>
+    <dgm:txFillClrLst meth="repeat">
+      <a:schemeClr val="lt1"/>
+    </dgm:txFillClrLst>
+    <dgm:txEffectClrLst/>
+  </dgm:styleLbl>
+  <dgm:styleLbl name="bgImgPlace1">
+    <dgm:fillClrLst>
+      <a:schemeClr val="accent1">
+        <a:tint val="50000"/>
+      </a:schemeClr>
+      <a:schemeClr val="accent2">
+        <a:tint val="20000"/>
+      </a:schemeClr>
+    </dgm:fillClrLst>
+    <dgm:linClrLst meth="repeat">
+      <a:schemeClr val="lt1"/>
+    </dgm:linClrLst>
+    <dgm:effectClrLst/>
+    <dgm:txLinClrLst/>
+    <dgm:txFillClrLst meth="repeat">
+      <a:schemeClr val="lt1"/>
+    </dgm:txFillClrLst>
+    <dgm:txEffectClrLst/>
+  </dgm:styleLbl>
+  <dgm:styleLbl name="sibTrans2D1">
+    <dgm:fillClrLst meth="repeat">
+      <a:schemeClr val="accent2"/>
+      <a:schemeClr val="accent3"/>
+      <a:schemeClr val="accent4"/>
+      <a:schemeClr val="accent5"/>
+      <a:schemeClr val="accent6"/>
+    </dgm:fillClrLst>
+    <dgm:linClrLst meth="cycle">
+      <a:schemeClr val="lt1"/>
+    </dgm:linClrLst>
+    <dgm:effectClrLst/>
+    <dgm:txLinClrLst/>
+    <dgm:txFillClrLst/>
+    <dgm:txEffectClrLst/>
+  </dgm:styleLbl>
+  <dgm:styleLbl name="fgSibTrans2D1">
+    <dgm:fillClrLst meth="repeat">
+      <a:schemeClr val="accent2"/>
+      <a:schemeClr val="accent3"/>
+      <a:schemeClr val="accent4"/>
+      <a:schemeClr val="accent5"/>
+      <a:schemeClr val="accent6"/>
+    </dgm:fillClrLst>
+    <dgm:linClrLst meth="cycle">
+      <a:schemeClr val="lt1"/>
+    </dgm:linClrLst>
+    <dgm:effectClrLst/>
+    <dgm:txLinClrLst/>
+    <dgm:txFillClrLst meth="repeat">
+      <a:schemeClr val="lt1"/>
+    </dgm:txFillClrLst>
+    <dgm:txEffectClrLst/>
+  </dgm:styleLbl>
+  <dgm:styleLbl name="bgSibTrans2D1">
+    <dgm:fillClrLst meth="repeat">
+      <a:schemeClr val="accent2"/>
+      <a:schemeClr val="accent3"/>
+      <a:schemeClr val="accent4"/>
+      <a:schemeClr val="accent5"/>
+      <a:schemeClr val="accent6"/>
+    </dgm:fillClrLst>
+    <dgm:linClrLst meth="cycle">
+      <a:schemeClr val="lt1"/>
+    </dgm:linClrLst>
+    <dgm:effectClrLst/>
+    <dgm:txLinClrLst/>
+    <dgm:txFillClrLst meth="repeat">
+      <a:schemeClr val="lt1"/>
+    </dgm:txFillClrLst>
+    <dgm:txEffectClrLst/>
+  </dgm:styleLbl>
+  <dgm:styleLbl name="sibTrans1D1">
+    <dgm:fillClrLst meth="repeat">
+      <a:schemeClr val="accent2"/>
+      <a:schemeClr val="accent3"/>
+      <a:schemeClr val="accent4"/>
+      <a:schemeClr val="accent5"/>
+      <a:schemeClr val="accent6"/>
+    </dgm:fillClrLst>
+    <dgm:linClrLst meth="repeat">
+      <a:schemeClr val="accent2"/>
+      <a:schemeClr val="accent3"/>
+      <a:schemeClr val="accent4"/>
+      <a:schemeClr val="accent5"/>
+      <a:schemeClr val="accent6"/>
+    </dgm:linClrLst>
+    <dgm:effectClrLst/>
+    <dgm:txLinClrLst/>
+    <dgm:txFillClrLst meth="repeat">
+      <a:schemeClr val="tx1"/>
+    </dgm:txFillClrLst>
+    <dgm:txEffectClrLst/>
+  </dgm:styleLbl>
+  <dgm:styleLbl name="callout">
+    <dgm:fillClrLst meth="repeat">
+      <a:schemeClr val="accent2"/>
+    </dgm:fillClrLst>
+    <dgm:linClrLst meth="repeat">
+      <a:schemeClr val="accent2">
+        <a:tint val="50000"/>
+      </a:schemeClr>
+    </dgm:linClrLst>
+    <dgm:effectClrLst/>
+    <dgm:txLinClrLst/>
+    <dgm:txFillClrLst meth="repeat">
+      <a:schemeClr val="tx1"/>
+    </dgm:txFillClrLst>
+    <dgm:txEffectClrLst/>
+  </dgm:styleLbl>
+  <dgm:styleLbl name="asst0">
+    <dgm:fillClrLst meth="repeat">
+      <a:schemeClr val="accent1"/>
+    </dgm:fillClrLst>
+    <dgm:linClrLst meth="repeat">
+      <a:schemeClr val="lt1"/>
+    </dgm:linClrLst>
+    <dgm:effectClrLst/>
+    <dgm:txLinClrLst/>
+    <dgm:txFillClrLst/>
+    <dgm:txEffectClrLst/>
+  </dgm:styleLbl>
+  <dgm:styleLbl name="asst1">
+    <dgm:fillClrLst meth="repeat">
+      <a:schemeClr val="accent2"/>
+    </dgm:fillClrLst>
+    <dgm:linClrLst meth="repeat">
+      <a:schemeClr val="lt1"/>
+    </dgm:linClrLst>
+    <dgm:effectClrLst/>
+    <dgm:txLinClrLst/>
+    <dgm:txFillClrLst/>
+    <dgm:txEffectClrLst/>
+  </dgm:styleLbl>
+  <dgm:styleLbl name="asst2">
+    <dgm:fillClrLst>
+      <a:schemeClr val="accent3"/>
+    </dgm:fillClrLst>
+    <dgm:linClrLst meth="repeat">
+      <a:schemeClr val="lt1"/>
+    </dgm:linClrLst>
+    <dgm:effectClrLst/>
+    <dgm:txLinClrLst/>
+    <dgm:txFillClrLst/>
+    <dgm:txEffectClrLst/>
+  </dgm:styleLbl>
+  <dgm:styleLbl name="asst3">
+    <dgm:fillClrLst>
+      <a:schemeClr val="accent4"/>
+    </dgm:fillClrLst>
+    <dgm:linClrLst meth="repeat">
+      <a:schemeClr val="lt1"/>
+    </dgm:linClrLst>
+    <dgm:effectClrLst/>
+    <dgm:txLinClrLst/>
+    <dgm:txFillClrLst/>
+    <dgm:txEffectClrLst/>
+  </dgm:styleLbl>
+  <dgm:styleLbl name="asst4">
+    <dgm:fillClrLst>
+      <a:schemeClr val="accent5"/>
+    </dgm:fillClrLst>
+    <dgm:linClrLst meth="repeat">
+      <a:schemeClr val="lt1"/>
+    </dgm:linClrLst>
+    <dgm:effectClrLst/>
+    <dgm:txLinClrLst/>
+    <dgm:txFillClrLst/>
+    <dgm:txEffectClrLst/>
+  </dgm:styleLbl>
+  <dgm:styleLbl name="parChTrans2D1">
+    <dgm:fillClrLst meth="repeat">
+      <a:schemeClr val="accent2"/>
+    </dgm:fillClrLst>
+    <dgm:linClrLst meth="repeat">
+      <a:schemeClr val="lt1"/>
+    </dgm:linClrLst>
+    <dgm:effectClrLst/>
+    <dgm:txLinClrLst/>
+    <dgm:txFillClrLst meth="repeat">
+      <a:schemeClr val="lt1"/>
+    </dgm:txFillClrLst>
+    <dgm:txEffectClrLst/>
+  </dgm:styleLbl>
+  <dgm:styleLbl name="parChTrans2D2">
+    <dgm:fillClrLst meth="repeat">
+      <a:schemeClr val="accent3"/>
+    </dgm:fillClrLst>
+    <dgm:linClrLst meth="repeat">
+      <a:schemeClr val="lt1"/>
+    </dgm:linClrLst>
+    <dgm:effectClrLst/>
+    <dgm:txLinClrLst/>
+    <dgm:txFillClrLst/>
+    <dgm:txEffectClrLst/>
+  </dgm:styleLbl>
+  <dgm:styleLbl name="parChTrans2D3">
+    <dgm:fillClrLst meth="repeat">
+      <a:schemeClr val="accent4"/>
+    </dgm:fillClrLst>
+    <dgm:linClrLst meth="repeat">
+      <a:schemeClr val="lt1"/>
+    </dgm:linClrLst>
+    <dgm:effectClrLst/>
+    <dgm:txLinClrLst/>
+    <dgm:txFillClrLst/>
+    <dgm:txEffectClrLst/>
+  </dgm:styleLbl>
+  <dgm:styleLbl name="parChTrans2D4">
+    <dgm:fillClrLst meth="repeat">
+      <a:schemeClr val="accent5"/>
+    </dgm:fillClrLst>
+    <dgm:linClrLst meth="repeat">
+      <a:schemeClr val="lt1"/>
+    </dgm:linClrLst>
+    <dgm:effectClrLst/>
+    <dgm:txLinClrLst/>
+    <dgm:txFillClrLst meth="repeat">
+      <a:schemeClr val="lt1"/>
+    </dgm:txFillClrLst>
+    <dgm:txEffectClrLst/>
+  </dgm:styleLbl>
+  <dgm:styleLbl name="parChTrans1D1">
+    <dgm:fillClrLst meth="repeat">
+      <a:schemeClr val="accent2"/>
+    </dgm:fillClrLst>
+    <dgm:linClrLst meth="repeat">
+      <a:schemeClr val="accent1"/>
+    </dgm:linClrLst>
+    <dgm:effectClrLst/>
+    <dgm:txLinClrLst/>
+    <dgm:txFillClrLst meth="repeat">
+      <a:schemeClr val="tx1"/>
+    </dgm:txFillClrLst>
+    <dgm:txEffectClrLst/>
+  </dgm:styleLbl>
+  <dgm:styleLbl name="parChTrans1D2">
+    <dgm:fillClrLst meth="repeat">
+      <a:schemeClr val="accent3">
+        <a:tint val="90000"/>
+      </a:schemeClr>
+    </dgm:fillClrLst>
+    <dgm:linClrLst meth="repeat">
+      <a:schemeClr val="accent2"/>
+    </dgm:linClrLst>
+    <dgm:effectClrLst/>
+    <dgm:txLinClrLst/>
+    <dgm:txFillClrLst meth="repeat">
+      <a:schemeClr val="tx1"/>
+    </dgm:txFillClrLst>
+    <dgm:txEffectClrLst/>
+  </dgm:styleLbl>
+  <dgm:styleLbl name="parChTrans1D3">
+    <dgm:fillClrLst meth="repeat">
+      <a:schemeClr val="accent4">
+        <a:tint val="70000"/>
+      </a:schemeClr>
+    </dgm:fillClrLst>
+    <dgm:linClrLst meth="repeat">
+      <a:schemeClr val="accent3"/>
+    </dgm:linClrLst>
+    <dgm:effectClrLst/>
+    <dgm:txLinClrLst/>
+    <dgm:txFillClrLst meth="repeat">
+      <a:schemeClr val="tx1"/>
+    </dgm:txFillClrLst>
+    <dgm:txEffectClrLst/>
+  </dgm:styleLbl>
+  <dgm:styleLbl name="parChTrans1D4">
+    <dgm:fillClrLst meth="repeat">
+      <a:schemeClr val="accent5">
+        <a:tint val="50000"/>
+      </a:schemeClr>
+    </dgm:fillClrLst>
+    <dgm:linClrLst meth="repeat">
+      <a:schemeClr val="accent4"/>
+    </dgm:linClrLst>
+    <dgm:effectClrLst/>
+    <dgm:txLinClrLst/>
+    <dgm:txFillClrLst meth="repeat">
+      <a:schemeClr val="tx1"/>
+    </dgm:txFillClrLst>
+    <dgm:txEffectClrLst/>
+  </dgm:styleLbl>
+  <dgm:styleLbl name="fgAcc1">
+    <dgm:fillClrLst meth="repeat">
+      <a:schemeClr val="lt1">
+        <a:alpha val="90000"/>
+      </a:schemeClr>
+    </dgm:fillClrLst>
+    <dgm:linClrLst meth="repeat">
+      <a:schemeClr val="accent2"/>
+      <a:schemeClr val="accent3"/>
+      <a:schemeClr val="accent4"/>
+      <a:schemeClr val="accent5"/>
+      <a:schemeClr val="accent6"/>
+    </dgm:linClrLst>
+    <dgm:effectClrLst/>
+    <dgm:txLinClrLst/>
+    <dgm:txFillClrLst meth="repeat">
+      <a:schemeClr val="dk1"/>
+    </dgm:txFillClrLst>
+    <dgm:txEffectClrLst/>
+  </dgm:styleLbl>
+  <dgm:styleLbl name="conFgAcc1">
+    <dgm:fillClrLst meth="repeat">
+      <a:schemeClr val="lt1">
+        <a:alpha val="90000"/>
+      </a:schemeClr>
+    </dgm:fillClrLst>
+    <dgm:linClrLst meth="repeat">
+      <a:schemeClr val="accent2"/>
+      <a:schemeClr val="accent3"/>
+      <a:schemeClr val="accent4"/>
+      <a:schemeClr val="accent5"/>
+      <a:schemeClr val="accent6"/>
+    </dgm:linClrLst>
+    <dgm:effectClrLst/>
+    <dgm:txLinClrLst/>
+    <dgm:txFillClrLst meth="repeat">
+      <a:schemeClr val="dk1"/>
+    </dgm:txFillClrLst>
+    <dgm:txEffectClrLst/>
+  </dgm:styleLbl>
+  <dgm:styleLbl name="alignAcc1">
+    <dgm:fillClrLst meth="repeat">
+      <a:schemeClr val="lt1">
+        <a:alpha val="90000"/>
+      </a:schemeClr>
+    </dgm:fillClrLst>
+    <dgm:linClrLst meth="repeat">
+      <a:schemeClr val="accent2"/>
+      <a:schemeClr val="accent3"/>
+      <a:schemeClr val="accent4"/>
+      <a:schemeClr val="accent5"/>
+      <a:schemeClr val="accent6"/>
+    </dgm:linClrLst>
+    <dgm:effectClrLst/>
+    <dgm:txLinClrLst/>
+    <dgm:txFillClrLst meth="repeat">
+      <a:schemeClr val="dk1"/>
+    </dgm:txFillClrLst>
+    <dgm:txEffectClrLst/>
+  </dgm:styleLbl>
+  <dgm:styleLbl name="trAlignAcc1">
+    <dgm:fillClrLst meth="repeat">
+      <a:schemeClr val="lt1">
+        <a:alpha val="40000"/>
+      </a:schemeClr>
+    </dgm:fillClrLst>
+    <dgm:linClrLst meth="repeat">
+      <a:schemeClr val="accent1"/>
+    </dgm:linClrLst>
+    <dgm:effectClrLst/>
+    <dgm:txLinClrLst/>
+    <dgm:txFillClrLst meth="repeat">
+      <a:schemeClr val="dk1"/>
+    </dgm:txFillClrLst>
+    <dgm:txEffectClrLst/>
+  </dgm:styleLbl>
+  <dgm:styleLbl name="bgAcc1">
+    <dgm:fillClrLst meth="repeat">
+      <a:schemeClr val="lt1">
+        <a:alpha val="90000"/>
+      </a:schemeClr>
+    </dgm:fillClrLst>
+    <dgm:linClrLst meth="repeat">
+      <a:schemeClr val="accent2"/>
+      <a:schemeClr val="accent3"/>
+      <a:schemeClr val="accent4"/>
+      <a:schemeClr val="accent5"/>
+      <a:schemeClr val="accent6"/>
+    </dgm:linClrLst>
+    <dgm:effectClrLst/>
+    <dgm:txLinClrLst/>
+    <dgm:txFillClrLst meth="repeat">
+      <a:schemeClr val="dk1"/>
+    </dgm:txFillClrLst>
+    <dgm:txEffectClrLst/>
+  </dgm:styleLbl>
+  <dgm:styleLbl name="solidFgAcc1">
+    <dgm:fillClrLst meth="repeat">
+      <a:schemeClr val="lt1"/>
+    </dgm:fillClrLst>
+    <dgm:linClrLst meth="repeat">
+      <a:schemeClr val="accent2"/>
+      <a:schemeClr val="accent3"/>
+      <a:schemeClr val="accent4"/>
+      <a:schemeClr val="accent5"/>
+      <a:schemeClr val="accent6"/>
+    </dgm:linClrLst>
+    <dgm:effectClrLst/>
+    <dgm:txLinClrLst/>
+    <dgm:txFillClrLst meth="repeat">
+      <a:schemeClr val="dk1"/>
+    </dgm:txFillClrLst>
+    <dgm:txEffectClrLst/>
+  </dgm:styleLbl>
+  <dgm:styleLbl name="solidAlignAcc1">
+    <dgm:fillClrLst meth="repeat">
+      <a:schemeClr val="lt1"/>
+    </dgm:fillClrLst>
+    <dgm:linClrLst meth="repeat">
+      <a:schemeClr val="accent2"/>
+      <a:schemeClr val="accent3"/>
+      <a:schemeClr val="accent4"/>
+      <a:schemeClr val="accent5"/>
+      <a:schemeClr val="accent6"/>
+    </dgm:linClrLst>
+    <dgm:effectClrLst/>
+    <dgm:txLinClrLst/>
+    <dgm:txFillClrLst meth="repeat">
+      <a:schemeClr val="dk1"/>
+    </dgm:txFillClrLst>
+    <dgm:txEffectClrLst/>
+  </dgm:styleLbl>
+  <dgm:styleLbl name="solidBgAcc1">
+    <dgm:fillClrLst meth="repeat">
+      <a:schemeClr val="lt1"/>
+    </dgm:fillClrLst>
+    <dgm:linClrLst meth="repeat">
+      <a:schemeClr val="accent2"/>
+      <a:schemeClr val="accent3"/>
+      <a:schemeClr val="accent4"/>
+      <a:schemeClr val="accent5"/>
+      <a:schemeClr val="accent6"/>
+    </dgm:linClrLst>
+    <dgm:effectClrLst/>
+    <dgm:txLinClrLst/>
+    <dgm:txFillClrLst meth="repeat">
+      <a:schemeClr val="dk1"/>
+    </dgm:txFillClrLst>
+    <dgm:txEffectClrLst/>
+  </dgm:styleLbl>
+  <dgm:styleLbl name="fgAccFollowNode1">
+    <dgm:fillClrLst meth="repeat">
+      <a:schemeClr val="accent2">
+        <a:tint val="40000"/>
+        <a:alpha val="90000"/>
+      </a:schemeClr>
+      <a:schemeClr val="accent3">
+        <a:tint val="40000"/>
+        <a:alpha val="90000"/>
+      </a:schemeClr>
+      <a:schemeClr val="accent4">
+        <a:tint val="40000"/>
+        <a:alpha val="90000"/>
+      </a:schemeClr>
+      <a:schemeClr val="accent5">
+        <a:tint val="40000"/>
+        <a:alpha val="90000"/>
+      </a:schemeClr>
+      <a:schemeClr val="accent6">
+        <a:tint val="40000"/>
+        <a:alpha val="90000"/>
+      </a:schemeClr>
+    </dgm:fillClrLst>
+    <dgm:linClrLst meth="repeat">
+      <a:schemeClr val="accent2">
+        <a:tint val="40000"/>
+        <a:alpha val="90000"/>
+      </a:schemeClr>
+      <a:schemeClr val="accent3">
+        <a:tint val="40000"/>
+        <a:alpha val="90000"/>
+      </a:schemeClr>
+      <a:schemeClr val="accent4">
+        <a:tint val="40000"/>
+        <a:alpha val="90000"/>
+      </a:schemeClr>
+      <a:schemeClr val="accent5">
+        <a:tint val="40000"/>
+        <a:alpha val="90000"/>
+      </a:schemeClr>
+      <a:schemeClr val="accent6">
+        <a:tint val="40000"/>
+        <a:alpha val="90000"/>
+      </a:schemeClr>
+    </dgm:linClrLst>
+    <dgm:effectClrLst/>
+    <dgm:txLinClrLst/>
+    <dgm:txFillClrLst meth="repeat">
+      <a:schemeClr val="dk1"/>
+    </dgm:txFillClrLst>
+    <dgm:txEffectClrLst/>
+  </dgm:styleLbl>
+  <dgm:styleLbl name="alignAccFollowNode1">
+    <dgm:fillClrLst meth="repeat">
+      <a:schemeClr val="accent2">
+        <a:tint val="40000"/>
+        <a:alpha val="90000"/>
+      </a:schemeClr>
+      <a:schemeClr val="accent3">
+        <a:tint val="40000"/>
+        <a:alpha val="90000"/>
+      </a:schemeClr>
+      <a:schemeClr val="accent4">
+        <a:tint val="40000"/>
+        <a:alpha val="90000"/>
+      </a:schemeClr>
+      <a:schemeClr val="accent5">
+        <a:tint val="40000"/>
+        <a:alpha val="90000"/>
+      </a:schemeClr>
+      <a:schemeClr val="accent6">
+        <a:tint val="40000"/>
+        <a:alpha val="90000"/>
+      </a:schemeClr>
+    </dgm:fillClrLst>
+    <dgm:linClrLst meth="repeat">
+      <a:schemeClr val="accent2">
+        <a:tint val="40000"/>
+        <a:alpha val="90000"/>
+      </a:schemeClr>
+      <a:schemeClr val="accent3">
+        <a:tint val="40000"/>
+        <a:alpha val="90000"/>
+      </a:schemeClr>
+      <a:schemeClr val="accent4">
+        <a:tint val="40000"/>
+        <a:alpha val="90000"/>
+      </a:schemeClr>
+      <a:schemeClr val="accent5">
+        <a:tint val="40000"/>
+        <a:alpha val="90000"/>
+      </a:schemeClr>
+      <a:schemeClr val="accent6">
+        <a:tint val="40000"/>
+        <a:alpha val="90000"/>
+      </a:schemeClr>
+    </dgm:linClrLst>
+    <dgm:effectClrLst/>
+    <dgm:txLinClrLst/>
+    <dgm:txFillClrLst meth="repeat">
+      <a:schemeClr val="dk1"/>
+    </dgm:txFillClrLst>
+    <dgm:txEffectClrLst/>
+  </dgm:styleLbl>
+  <dgm:styleLbl name="bgAccFollowNode1">
+    <dgm:fillClrLst meth="repeat">
+      <a:schemeClr val="accent2">
+        <a:tint val="40000"/>
+        <a:alpha val="90000"/>
+      </a:schemeClr>
+      <a:schemeClr val="accent3">
+        <a:tint val="40000"/>
+        <a:alpha val="90000"/>
+      </a:schemeClr>
+      <a:schemeClr val="accent4">
+        <a:tint val="40000"/>
+        <a:alpha val="90000"/>
+      </a:schemeClr>
+      <a:schemeClr val="accent5">
+        <a:tint val="40000"/>
+        <a:alpha val="90000"/>
+      </a:schemeClr>
+      <a:schemeClr val="accent6">
+        <a:tint val="40000"/>
+        <a:alpha val="90000"/>
+      </a:schemeClr>
+    </dgm:fillClrLst>
+    <dgm:linClrLst meth="repeat">
+      <a:schemeClr val="accent2">
+        <a:tint val="40000"/>
+        <a:alpha val="90000"/>
+      </a:schemeClr>
+      <a:schemeClr val="accent3">
+        <a:tint val="40000"/>
+        <a:alpha val="90000"/>
+      </a:schemeClr>
+      <a:schemeClr val="accent4">
+        <a:tint val="40000"/>
+        <a:alpha val="90000"/>
+      </a:schemeClr>
+      <a:schemeClr val="accent5">
+        <a:tint val="40000"/>
+        <a:alpha val="90000"/>
+      </a:schemeClr>
+      <a:schemeClr val="accent6">
+        <a:tint val="40000"/>
+        <a:alpha val="90000"/>
+      </a:schemeClr>
+    </dgm:linClrLst>
+    <dgm:effectClrLst/>
+    <dgm:txLinClrLst/>
+    <dgm:txFillClrLst meth="repeat">
+      <a:schemeClr val="dk1"/>
+    </dgm:txFillClrLst>
+    <dgm:txEffectClrLst/>
+  </dgm:styleLbl>
+  <dgm:styleLbl name="fgAcc0">
+    <dgm:fillClrLst meth="repeat">
+      <a:schemeClr val="lt1">
+        <a:alpha val="90000"/>
+      </a:schemeClr>
+    </dgm:fillClrLst>
+    <dgm:linClrLst>
+      <a:schemeClr val="accent1"/>
+    </dgm:linClrLst>
+    <dgm:effectClrLst/>
+    <dgm:txLinClrLst/>
+    <dgm:txFillClrLst meth="repeat">
+      <a:schemeClr val="dk1"/>
+    </dgm:txFillClrLst>
+    <dgm:txEffectClrLst/>
+  </dgm:styleLbl>
+  <dgm:styleLbl name="fgAcc2">
+    <dgm:fillClrLst meth="repeat">
+      <a:schemeClr val="lt1">
+        <a:alpha val="90000"/>
+      </a:schemeClr>
+    </dgm:fillClrLst>
+    <dgm:linClrLst>
+      <a:schemeClr val="accent2"/>
+    </dgm:linClrLst>
+    <dgm:effectClrLst/>
+    <dgm:txLinClrLst/>
+    <dgm:txFillClrLst meth="repeat">
+      <a:schemeClr val="dk1"/>
+    </dgm:txFillClrLst>
+    <dgm:txEffectClrLst/>
+  </dgm:styleLbl>
+  <dgm:styleLbl name="fgAcc3">
+    <dgm:fillClrLst meth="repeat">
+      <a:schemeClr val="lt1">
+        <a:alpha val="90000"/>
+      </a:schemeClr>
+    </dgm:fillClrLst>
+    <dgm:linClrLst>
+      <a:schemeClr val="accent3"/>
+    </dgm:linClrLst>
+    <dgm:effectClrLst/>
+    <dgm:txLinClrLst/>
+    <dgm:txFillClrLst meth="repeat">
+      <a:schemeClr val="dk1"/>
+    </dgm:txFillClrLst>
+    <dgm:txEffectClrLst/>
+  </dgm:styleLbl>
+  <dgm:styleLbl name="fgAcc4">
+    <dgm:fillClrLst meth="repeat">
+      <a:schemeClr val="lt1">
+        <a:alpha val="90000"/>
+      </a:schemeClr>
+    </dgm:fillClrLst>
+    <dgm:linClrLst>
+      <a:schemeClr val="accent4"/>
+    </dgm:linClrLst>
+    <dgm:effectClrLst/>
+    <dgm:txLinClrLst/>
+    <dgm:txFillClrLst meth="repeat">
+      <a:schemeClr val="dk1"/>
+    </dgm:txFillClrLst>
+    <dgm:txEffectClrLst/>
+  </dgm:styleLbl>
+  <dgm:styleLbl name="bgShp">
+    <dgm:fillClrLst meth="repeat">
+      <a:schemeClr val="bg1">
+        <a:lumMod val="95000"/>
+      </a:schemeClr>
+    </dgm:fillClrLst>
+    <dgm:linClrLst meth="repeat">
+      <a:schemeClr val="dk1"/>
+    </dgm:linClrLst>
+    <dgm:effectClrLst/>
+    <dgm:txLinClrLst/>
+    <dgm:txFillClrLst meth="repeat">
+      <a:schemeClr val="dk1"/>
+    </dgm:txFillClrLst>
+    <dgm:txEffectClrLst/>
+  </dgm:styleLbl>
+  <dgm:styleLbl name="dkBgShp">
+    <dgm:fillClrLst meth="repeat">
+      <a:schemeClr val="accent2">
+        <a:shade val="90000"/>
+      </a:schemeClr>
+    </dgm:fillClrLst>
+    <dgm:linClrLst meth="repeat">
+      <a:schemeClr val="dk1"/>
+    </dgm:linClrLst>
+    <dgm:effectClrLst/>
+    <dgm:txLinClrLst/>
+    <dgm:txFillClrLst meth="repeat">
+      <a:schemeClr val="lt1"/>
+    </dgm:txFillClrLst>
+    <dgm:txEffectClrLst/>
+  </dgm:styleLbl>
+  <dgm:styleLbl name="trBgShp">
+    <dgm:fillClrLst meth="repeat">
+      <a:schemeClr val="accent1">
+        <a:tint val="50000"/>
+        <a:alpha val="40000"/>
+      </a:schemeClr>
+    </dgm:fillClrLst>
+    <dgm:linClrLst meth="repeat">
+      <a:schemeClr val="accent2"/>
+    </dgm:linClrLst>
+    <dgm:effectClrLst/>
+    <dgm:txLinClrLst/>
+    <dgm:txFillClrLst meth="repeat">
+      <a:schemeClr val="lt1"/>
+    </dgm:txFillClrLst>
+    <dgm:txEffectClrLst/>
+  </dgm:styleLbl>
+  <dgm:styleLbl name="fgShp">
+    <dgm:fillClrLst meth="repeat">
+      <a:schemeClr val="accent2">
+        <a:tint val="40000"/>
+      </a:schemeClr>
+    </dgm:fillClrLst>
+    <dgm:linClrLst meth="repeat">
+      <a:schemeClr val="lt1"/>
+    </dgm:linClrLst>
+    <dgm:effectClrLst/>
+    <dgm:txLinClrLst/>
+    <dgm:txFillClrLst meth="repeat">
+      <a:schemeClr val="dk1"/>
+    </dgm:txFillClrLst>
+    <dgm:txEffectClrLst/>
+  </dgm:styleLbl>
+  <dgm:styleLbl name="revTx">
+    <dgm:fillClrLst meth="repeat">
+      <a:schemeClr val="lt1">
+        <a:alpha val="0"/>
+      </a:schemeClr>
+    </dgm:fillClrLst>
+    <dgm:linClrLst meth="repeat">
+      <a:schemeClr val="dk1">
+        <a:alpha val="0"/>
+      </a:schemeClr>
+    </dgm:linClrLst>
+    <dgm:effectClrLst/>
+    <dgm:txLinClrLst/>
+    <dgm:txFillClrLst meth="repeat">
+      <a:schemeClr val="tx1"/>
     </dgm:txFillClrLst>
     <dgm:txEffectClrLst/>
   </dgm:styleLbl>
@@ -10299,6 +11223,446 @@
     <dgm:cxn modelId="{D599F2C5-32CF-4FB9-952B-18C368A0FF6E}" type="presParOf" srcId="{A4541CFD-CE88-4044-94A8-083A38BC334D}" destId="{642AD138-C40E-4D98-B191-87EE9570F52B}" srcOrd="1" destOrd="0" presId="urn:microsoft.com/office/officeart/2018/2/layout/IconVerticalSolidList"/>
     <dgm:cxn modelId="{9770738A-081B-4EC0-9BAE-713A796315F9}" type="presParOf" srcId="{A4541CFD-CE88-4044-94A8-083A38BC334D}" destId="{BDB39445-E324-466B-B39F-3B00D70284A9}" srcOrd="2" destOrd="0" presId="urn:microsoft.com/office/officeart/2018/2/layout/IconVerticalSolidList"/>
     <dgm:cxn modelId="{F11311E2-B8FA-4A05-BD69-23BF08C827CB}" type="presParOf" srcId="{A4541CFD-CE88-4044-94A8-083A38BC334D}" destId="{5F512AC9-B7C7-44CB-B6B0-6E68136BC99D}" srcOrd="3" destOrd="0" presId="urn:microsoft.com/office/officeart/2018/2/layout/IconVerticalSolidList"/>
+  </dgm:cxnLst>
+  <dgm:bg/>
+  <dgm:whole/>
+  <dgm:extLst>
+    <a:ext uri="http://schemas.microsoft.com/office/drawing/2008/diagram">
+      <dsp:dataModelExt xmlns:dsp="http://schemas.microsoft.com/office/drawing/2008/diagram" relId="rId6" minVer="http://schemas.openxmlformats.org/drawingml/2006/diagram"/>
+    </a:ext>
+  </dgm:extLst>
+</dgm:dataModel>
+</file>
+
+<file path=ppt/diagrams/data9.xml><?xml version="1.0" encoding="utf-8"?>
+<dgm:dataModel xmlns:dgm="http://schemas.openxmlformats.org/drawingml/2006/diagram" xmlns:a="http://schemas.openxmlformats.org/drawingml/2006/main">
+  <dgm:ptLst>
+    <dgm:pt modelId="{B0982513-DE37-45DB-A2C4-9CADCDF7B540}" type="doc">
+      <dgm:prSet loTypeId="urn:microsoft.com/office/officeart/2018/2/layout/IconVerticalSolidList" loCatId="icon" qsTypeId="urn:microsoft.com/office/officeart/2005/8/quickstyle/simple1" qsCatId="simple" csTypeId="urn:microsoft.com/office/officeart/2018/5/colors/Iconchunking_neutralbg_colorful1" csCatId="colorful" phldr="1"/>
+      <dgm:spPr/>
+      <dgm:t>
+        <a:bodyPr/>
+        <a:lstStyle/>
+        <a:p>
+          <a:endParaRPr lang="en-US"/>
+        </a:p>
+      </dgm:t>
+    </dgm:pt>
+    <dgm:pt modelId="{59D6EB7D-132E-403F-AB58-5361E11BDCD8}">
+      <dgm:prSet/>
+      <dgm:spPr/>
+      <dgm:t>
+        <a:bodyPr/>
+        <a:lstStyle/>
+        <a:p>
+          <a:pPr>
+            <a:lnSpc>
+              <a:spcPct val="100000"/>
+            </a:lnSpc>
+          </a:pPr>
+          <a:r>
+            <a:rPr lang="en-US"/>
+            <a:t>A better option is to split your data into two sets: the training set and the test set. </a:t>
+          </a:r>
+        </a:p>
+      </dgm:t>
+    </dgm:pt>
+    <dgm:pt modelId="{B5E73BC6-8482-4134-B1AC-FD3B386CA8D7}" type="parTrans" cxnId="{39BF99FF-F23D-460C-9D06-A0F5C541D250}">
+      <dgm:prSet/>
+      <dgm:spPr/>
+      <dgm:t>
+        <a:bodyPr/>
+        <a:lstStyle/>
+        <a:p>
+          <a:endParaRPr lang="en-US"/>
+        </a:p>
+      </dgm:t>
+    </dgm:pt>
+    <dgm:pt modelId="{6879A594-DE8A-408E-AECB-85D5128DC327}" type="sibTrans" cxnId="{39BF99FF-F23D-460C-9D06-A0F5C541D250}">
+      <dgm:prSet/>
+      <dgm:spPr/>
+      <dgm:t>
+        <a:bodyPr/>
+        <a:lstStyle/>
+        <a:p>
+          <a:endParaRPr lang="en-US"/>
+        </a:p>
+      </dgm:t>
+    </dgm:pt>
+    <dgm:pt modelId="{7C3E991D-F399-4A70-B84C-8A8683B4D1A5}">
+      <dgm:prSet/>
+      <dgm:spPr/>
+      <dgm:t>
+        <a:bodyPr/>
+        <a:lstStyle/>
+        <a:p>
+          <a:pPr>
+            <a:lnSpc>
+              <a:spcPct val="100000"/>
+            </a:lnSpc>
+          </a:pPr>
+          <a:r>
+            <a:rPr lang="en-US"/>
+            <a:t>You train your model using the training set, and you test it using the test set. </a:t>
+          </a:r>
+        </a:p>
+      </dgm:t>
+    </dgm:pt>
+    <dgm:pt modelId="{E918751A-A405-4278-8709-7609D6B13BB5}" type="parTrans" cxnId="{7D7852DF-762F-4C99-A8F4-86248E3537A1}">
+      <dgm:prSet/>
+      <dgm:spPr/>
+      <dgm:t>
+        <a:bodyPr/>
+        <a:lstStyle/>
+        <a:p>
+          <a:endParaRPr lang="en-US"/>
+        </a:p>
+      </dgm:t>
+    </dgm:pt>
+    <dgm:pt modelId="{31C94CE0-6244-44A3-AC57-B9FFA39ADFFD}" type="sibTrans" cxnId="{7D7852DF-762F-4C99-A8F4-86248E3537A1}">
+      <dgm:prSet/>
+      <dgm:spPr/>
+      <dgm:t>
+        <a:bodyPr/>
+        <a:lstStyle/>
+        <a:p>
+          <a:endParaRPr lang="en-US"/>
+        </a:p>
+      </dgm:t>
+    </dgm:pt>
+    <dgm:pt modelId="{EF075510-AC9B-4737-95D3-E6D1F3B69904}">
+      <dgm:prSet/>
+      <dgm:spPr/>
+      <dgm:t>
+        <a:bodyPr/>
+        <a:lstStyle/>
+        <a:p>
+          <a:pPr>
+            <a:lnSpc>
+              <a:spcPct val="100000"/>
+            </a:lnSpc>
+          </a:pPr>
+          <a:r>
+            <a:rPr lang="en-US"/>
+            <a:t>The accuracy on the Test set value tells you how well your model will perform on instances it has never seen before</a:t>
+          </a:r>
+        </a:p>
+      </dgm:t>
+    </dgm:pt>
+    <dgm:pt modelId="{F6F56BDB-359B-468D-9C67-D1AAF2BC6E5D}" type="parTrans" cxnId="{9B668ABD-448B-4FF0-A7B5-2BB7F925B741}">
+      <dgm:prSet/>
+      <dgm:spPr/>
+      <dgm:t>
+        <a:bodyPr/>
+        <a:lstStyle/>
+        <a:p>
+          <a:endParaRPr lang="en-US"/>
+        </a:p>
+      </dgm:t>
+    </dgm:pt>
+    <dgm:pt modelId="{EE88A654-5E0A-4E15-A1BD-CB26A21336B6}" type="sibTrans" cxnId="{9B668ABD-448B-4FF0-A7B5-2BB7F925B741}">
+      <dgm:prSet/>
+      <dgm:spPr/>
+      <dgm:t>
+        <a:bodyPr/>
+        <a:lstStyle/>
+        <a:p>
+          <a:endParaRPr lang="en-US"/>
+        </a:p>
+      </dgm:t>
+    </dgm:pt>
+    <dgm:pt modelId="{BFD45E04-EADF-4C7C-A8CC-A2328AF39EAC}">
+      <dgm:prSet/>
+      <dgm:spPr/>
+      <dgm:t>
+        <a:bodyPr/>
+        <a:lstStyle/>
+        <a:p>
+          <a:pPr>
+            <a:lnSpc>
+              <a:spcPct val="100000"/>
+            </a:lnSpc>
+          </a:pPr>
+          <a:r>
+            <a:rPr lang="en-US"/>
+            <a:t>It is common to use 80% of the data for training and 20% for testing. </a:t>
+          </a:r>
+        </a:p>
+      </dgm:t>
+    </dgm:pt>
+    <dgm:pt modelId="{A8DDEE6F-C377-477E-8849-B3C2D628C2EC}" type="parTrans" cxnId="{3DD697B3-B8D4-4867-9234-0FAD7BA250A8}">
+      <dgm:prSet/>
+      <dgm:spPr/>
+      <dgm:t>
+        <a:bodyPr/>
+        <a:lstStyle/>
+        <a:p>
+          <a:endParaRPr lang="en-US"/>
+        </a:p>
+      </dgm:t>
+    </dgm:pt>
+    <dgm:pt modelId="{5E595240-87F2-4F53-87B4-D68DDA5E611A}" type="sibTrans" cxnId="{3DD697B3-B8D4-4867-9234-0FAD7BA250A8}">
+      <dgm:prSet/>
+      <dgm:spPr/>
+      <dgm:t>
+        <a:bodyPr/>
+        <a:lstStyle/>
+        <a:p>
+          <a:endParaRPr lang="en-US"/>
+        </a:p>
+      </dgm:t>
+    </dgm:pt>
+    <dgm:pt modelId="{25AF373F-46B9-4B87-AB33-22C35C3B5AD6}" type="pres">
+      <dgm:prSet presAssocID="{B0982513-DE37-45DB-A2C4-9CADCDF7B540}" presName="root" presStyleCnt="0">
+        <dgm:presLayoutVars>
+          <dgm:dir/>
+          <dgm:resizeHandles val="exact"/>
+        </dgm:presLayoutVars>
+      </dgm:prSet>
+      <dgm:spPr/>
+    </dgm:pt>
+    <dgm:pt modelId="{D7161426-6271-4C15-B299-AC721F04FD0B}" type="pres">
+      <dgm:prSet presAssocID="{59D6EB7D-132E-403F-AB58-5361E11BDCD8}" presName="compNode" presStyleCnt="0"/>
+      <dgm:spPr/>
+    </dgm:pt>
+    <dgm:pt modelId="{019BFCA3-906A-4A3E-8FC4-DB9EF91F9385}" type="pres">
+      <dgm:prSet presAssocID="{59D6EB7D-132E-403F-AB58-5361E11BDCD8}" presName="bgRect" presStyleLbl="bgShp" presStyleIdx="0" presStyleCnt="4"/>
+      <dgm:spPr/>
+    </dgm:pt>
+    <dgm:pt modelId="{F7D3568D-74CD-4096-9285-34742413D1D9}" type="pres">
+      <dgm:prSet presAssocID="{59D6EB7D-132E-403F-AB58-5361E11BDCD8}" presName="iconRect" presStyleLbl="node1" presStyleIdx="0" presStyleCnt="4"/>
+      <dgm:spPr>
+        <a:blipFill>
+          <a:blip xmlns:r="http://schemas.openxmlformats.org/officeDocument/2006/relationships" r:embed="rId1">
+            <a:extLst>
+              <a:ext uri="{28A0092B-C50C-407E-A947-70E740481C1C}">
+                <a14:useLocalDpi xmlns:a14="http://schemas.microsoft.com/office/drawing/2010/main" val="0"/>
+              </a:ext>
+              <a:ext uri="{96DAC541-7B7A-43D3-8B79-37D633B846F1}">
+                <asvg:svgBlip xmlns:asvg="http://schemas.microsoft.com/office/drawing/2016/SVG/main" r:embed="rId2"/>
+              </a:ext>
+            </a:extLst>
+          </a:blip>
+          <a:stretch>
+            <a:fillRect/>
+          </a:stretch>
+        </a:blipFill>
+        <a:ln>
+          <a:noFill/>
+        </a:ln>
+      </dgm:spPr>
+      <dgm:extLst>
+        <a:ext uri="{E40237B7-FDA0-4F09-8148-C483321AD2D9}">
+          <dgm14:cNvPr xmlns:dgm14="http://schemas.microsoft.com/office/drawing/2010/diagram" id="0" name="" descr="Table"/>
+        </a:ext>
+      </dgm:extLst>
+    </dgm:pt>
+    <dgm:pt modelId="{CAE4CDDA-C5E5-47AF-9C4B-DC64A6D70B67}" type="pres">
+      <dgm:prSet presAssocID="{59D6EB7D-132E-403F-AB58-5361E11BDCD8}" presName="spaceRect" presStyleCnt="0"/>
+      <dgm:spPr/>
+    </dgm:pt>
+    <dgm:pt modelId="{D33D4166-ABE1-40F0-80B8-79D3022989D0}" type="pres">
+      <dgm:prSet presAssocID="{59D6EB7D-132E-403F-AB58-5361E11BDCD8}" presName="parTx" presStyleLbl="revTx" presStyleIdx="0" presStyleCnt="4">
+        <dgm:presLayoutVars>
+          <dgm:chMax val="0"/>
+          <dgm:chPref val="0"/>
+        </dgm:presLayoutVars>
+      </dgm:prSet>
+      <dgm:spPr/>
+    </dgm:pt>
+    <dgm:pt modelId="{FB501280-6C2E-4488-81F1-4C4B995BF168}" type="pres">
+      <dgm:prSet presAssocID="{6879A594-DE8A-408E-AECB-85D5128DC327}" presName="sibTrans" presStyleCnt="0"/>
+      <dgm:spPr/>
+    </dgm:pt>
+    <dgm:pt modelId="{979776D1-EA57-43AC-8574-22C76F0C6434}" type="pres">
+      <dgm:prSet presAssocID="{7C3E991D-F399-4A70-B84C-8A8683B4D1A5}" presName="compNode" presStyleCnt="0"/>
+      <dgm:spPr/>
+    </dgm:pt>
+    <dgm:pt modelId="{57D89A78-64F2-447D-AB8E-53D016C280D8}" type="pres">
+      <dgm:prSet presAssocID="{7C3E991D-F399-4A70-B84C-8A8683B4D1A5}" presName="bgRect" presStyleLbl="bgShp" presStyleIdx="1" presStyleCnt="4"/>
+      <dgm:spPr/>
+    </dgm:pt>
+    <dgm:pt modelId="{8209D760-CFBC-494E-A534-D358C6CDC279}" type="pres">
+      <dgm:prSet presAssocID="{7C3E991D-F399-4A70-B84C-8A8683B4D1A5}" presName="iconRect" presStyleLbl="node1" presStyleIdx="1" presStyleCnt="4"/>
+      <dgm:spPr>
+        <a:blipFill>
+          <a:blip xmlns:r="http://schemas.openxmlformats.org/officeDocument/2006/relationships" r:embed="rId3">
+            <a:extLst>
+              <a:ext uri="{28A0092B-C50C-407E-A947-70E740481C1C}">
+                <a14:useLocalDpi xmlns:a14="http://schemas.microsoft.com/office/drawing/2010/main" val="0"/>
+              </a:ext>
+              <a:ext uri="{96DAC541-7B7A-43D3-8B79-37D633B846F1}">
+                <asvg:svgBlip xmlns:asvg="http://schemas.microsoft.com/office/drawing/2016/SVG/main" r:embed="rId4"/>
+              </a:ext>
+            </a:extLst>
+          </a:blip>
+          <a:stretch>
+            <a:fillRect/>
+          </a:stretch>
+        </a:blipFill>
+        <a:ln>
+          <a:noFill/>
+        </a:ln>
+      </dgm:spPr>
+      <dgm:extLst>
+        <a:ext uri="{E40237B7-FDA0-4F09-8148-C483321AD2D9}">
+          <dgm14:cNvPr xmlns:dgm14="http://schemas.microsoft.com/office/drawing/2010/diagram" id="0" name="" descr="Train"/>
+        </a:ext>
+      </dgm:extLst>
+    </dgm:pt>
+    <dgm:pt modelId="{78A047B8-CC94-418C-9036-D23D3026431B}" type="pres">
+      <dgm:prSet presAssocID="{7C3E991D-F399-4A70-B84C-8A8683B4D1A5}" presName="spaceRect" presStyleCnt="0"/>
+      <dgm:spPr/>
+    </dgm:pt>
+    <dgm:pt modelId="{D7F676BF-25AC-49E8-85E4-B3EF77A528E5}" type="pres">
+      <dgm:prSet presAssocID="{7C3E991D-F399-4A70-B84C-8A8683B4D1A5}" presName="parTx" presStyleLbl="revTx" presStyleIdx="1" presStyleCnt="4">
+        <dgm:presLayoutVars>
+          <dgm:chMax val="0"/>
+          <dgm:chPref val="0"/>
+        </dgm:presLayoutVars>
+      </dgm:prSet>
+      <dgm:spPr/>
+    </dgm:pt>
+    <dgm:pt modelId="{6E506D4E-DEF1-4360-97F2-3F35948A6880}" type="pres">
+      <dgm:prSet presAssocID="{31C94CE0-6244-44A3-AC57-B9FFA39ADFFD}" presName="sibTrans" presStyleCnt="0"/>
+      <dgm:spPr/>
+    </dgm:pt>
+    <dgm:pt modelId="{4B7179AD-0C8B-4312-B02D-290D713F630C}" type="pres">
+      <dgm:prSet presAssocID="{EF075510-AC9B-4737-95D3-E6D1F3B69904}" presName="compNode" presStyleCnt="0"/>
+      <dgm:spPr/>
+    </dgm:pt>
+    <dgm:pt modelId="{533A8EA5-7B71-4852-9C8A-6D0F1A024183}" type="pres">
+      <dgm:prSet presAssocID="{EF075510-AC9B-4737-95D3-E6D1F3B69904}" presName="bgRect" presStyleLbl="bgShp" presStyleIdx="2" presStyleCnt="4"/>
+      <dgm:spPr/>
+    </dgm:pt>
+    <dgm:pt modelId="{F0BEE0BB-961B-4B5C-A51F-5154EC782366}" type="pres">
+      <dgm:prSet presAssocID="{EF075510-AC9B-4737-95D3-E6D1F3B69904}" presName="iconRect" presStyleLbl="node1" presStyleIdx="2" presStyleCnt="4"/>
+      <dgm:spPr>
+        <a:blipFill>
+          <a:blip xmlns:r="http://schemas.openxmlformats.org/officeDocument/2006/relationships" r:embed="rId5">
+            <a:extLst>
+              <a:ext uri="{28A0092B-C50C-407E-A947-70E740481C1C}">
+                <a14:useLocalDpi xmlns:a14="http://schemas.microsoft.com/office/drawing/2010/main" val="0"/>
+              </a:ext>
+              <a:ext uri="{96DAC541-7B7A-43D3-8B79-37D633B846F1}">
+                <asvg:svgBlip xmlns:asvg="http://schemas.microsoft.com/office/drawing/2016/SVG/main" r:embed="rId6"/>
+              </a:ext>
+            </a:extLst>
+          </a:blip>
+          <a:stretch>
+            <a:fillRect/>
+          </a:stretch>
+        </a:blipFill>
+        <a:ln>
+          <a:noFill/>
+        </a:ln>
+      </dgm:spPr>
+      <dgm:extLst>
+        <a:ext uri="{E40237B7-FDA0-4F09-8148-C483321AD2D9}">
+          <dgm14:cNvPr xmlns:dgm14="http://schemas.microsoft.com/office/drawing/2010/diagram" id="0" name="" descr="Presentation with Checklist"/>
+        </a:ext>
+      </dgm:extLst>
+    </dgm:pt>
+    <dgm:pt modelId="{68A767EE-242A-4BA4-8589-ADAE20695B16}" type="pres">
+      <dgm:prSet presAssocID="{EF075510-AC9B-4737-95D3-E6D1F3B69904}" presName="spaceRect" presStyleCnt="0"/>
+      <dgm:spPr/>
+    </dgm:pt>
+    <dgm:pt modelId="{EBAD9E70-057E-483A-96E6-09F05E1316A2}" type="pres">
+      <dgm:prSet presAssocID="{EF075510-AC9B-4737-95D3-E6D1F3B69904}" presName="parTx" presStyleLbl="revTx" presStyleIdx="2" presStyleCnt="4">
+        <dgm:presLayoutVars>
+          <dgm:chMax val="0"/>
+          <dgm:chPref val="0"/>
+        </dgm:presLayoutVars>
+      </dgm:prSet>
+      <dgm:spPr/>
+    </dgm:pt>
+    <dgm:pt modelId="{0801F42C-3A88-4815-A590-43F3E5C84E67}" type="pres">
+      <dgm:prSet presAssocID="{EE88A654-5E0A-4E15-A1BD-CB26A21336B6}" presName="sibTrans" presStyleCnt="0"/>
+      <dgm:spPr/>
+    </dgm:pt>
+    <dgm:pt modelId="{D0AF2FEB-2484-4D73-9FB6-CAA5A9A57650}" type="pres">
+      <dgm:prSet presAssocID="{BFD45E04-EADF-4C7C-A8CC-A2328AF39EAC}" presName="compNode" presStyleCnt="0"/>
+      <dgm:spPr/>
+    </dgm:pt>
+    <dgm:pt modelId="{DA4AA859-CF22-4E15-973E-258F41054017}" type="pres">
+      <dgm:prSet presAssocID="{BFD45E04-EADF-4C7C-A8CC-A2328AF39EAC}" presName="bgRect" presStyleLbl="bgShp" presStyleIdx="3" presStyleCnt="4"/>
+      <dgm:spPr/>
+    </dgm:pt>
+    <dgm:pt modelId="{619DD815-3086-4BAD-B1A7-41C7CCAFCCF2}" type="pres">
+      <dgm:prSet presAssocID="{BFD45E04-EADF-4C7C-A8CC-A2328AF39EAC}" presName="iconRect" presStyleLbl="node1" presStyleIdx="3" presStyleCnt="4"/>
+      <dgm:spPr>
+        <a:blipFill>
+          <a:blip xmlns:r="http://schemas.openxmlformats.org/officeDocument/2006/relationships" r:embed="rId7">
+            <a:extLst>
+              <a:ext uri="{28A0092B-C50C-407E-A947-70E740481C1C}">
+                <a14:useLocalDpi xmlns:a14="http://schemas.microsoft.com/office/drawing/2010/main" val="0"/>
+              </a:ext>
+              <a:ext uri="{96DAC541-7B7A-43D3-8B79-37D633B846F1}">
+                <asvg:svgBlip xmlns:asvg="http://schemas.microsoft.com/office/drawing/2016/SVG/main" r:embed="rId8"/>
+              </a:ext>
+            </a:extLst>
+          </a:blip>
+          <a:stretch>
+            <a:fillRect/>
+          </a:stretch>
+        </a:blipFill>
+        <a:ln>
+          <a:noFill/>
+        </a:ln>
+      </dgm:spPr>
+      <dgm:extLst>
+        <a:ext uri="{E40237B7-FDA0-4F09-8148-C483321AD2D9}">
+          <dgm14:cNvPr xmlns:dgm14="http://schemas.microsoft.com/office/drawing/2010/diagram" id="0" name="" descr="Programmer"/>
+        </a:ext>
+      </dgm:extLst>
+    </dgm:pt>
+    <dgm:pt modelId="{9DA79FC6-5E74-4322-8915-2D0443E15AB4}" type="pres">
+      <dgm:prSet presAssocID="{BFD45E04-EADF-4C7C-A8CC-A2328AF39EAC}" presName="spaceRect" presStyleCnt="0"/>
+      <dgm:spPr/>
+    </dgm:pt>
+    <dgm:pt modelId="{35BFF2BE-58E0-47C7-8E41-6CDEB37FB2E9}" type="pres">
+      <dgm:prSet presAssocID="{BFD45E04-EADF-4C7C-A8CC-A2328AF39EAC}" presName="parTx" presStyleLbl="revTx" presStyleIdx="3" presStyleCnt="4">
+        <dgm:presLayoutVars>
+          <dgm:chMax val="0"/>
+          <dgm:chPref val="0"/>
+        </dgm:presLayoutVars>
+      </dgm:prSet>
+      <dgm:spPr/>
+    </dgm:pt>
+  </dgm:ptLst>
+  <dgm:cxnLst>
+    <dgm:cxn modelId="{2CC8A13D-DAD6-4E85-A4A8-104EB7F6ED2D}" type="presOf" srcId="{59D6EB7D-132E-403F-AB58-5361E11BDCD8}" destId="{D33D4166-ABE1-40F0-80B8-79D3022989D0}" srcOrd="0" destOrd="0" presId="urn:microsoft.com/office/officeart/2018/2/layout/IconVerticalSolidList"/>
+    <dgm:cxn modelId="{228C6B50-9DE3-4293-A5C4-EF0245F4721F}" type="presOf" srcId="{7C3E991D-F399-4A70-B84C-8A8683B4D1A5}" destId="{D7F676BF-25AC-49E8-85E4-B3EF77A528E5}" srcOrd="0" destOrd="0" presId="urn:microsoft.com/office/officeart/2018/2/layout/IconVerticalSolidList"/>
+    <dgm:cxn modelId="{0C8DBE56-4D58-4FF0-9D21-848B27CDCAAC}" type="presOf" srcId="{B0982513-DE37-45DB-A2C4-9CADCDF7B540}" destId="{25AF373F-46B9-4B87-AB33-22C35C3B5AD6}" srcOrd="0" destOrd="0" presId="urn:microsoft.com/office/officeart/2018/2/layout/IconVerticalSolidList"/>
+    <dgm:cxn modelId="{AF97CA7D-5988-46E6-A0A5-BFC33B58BAD7}" type="presOf" srcId="{EF075510-AC9B-4737-95D3-E6D1F3B69904}" destId="{EBAD9E70-057E-483A-96E6-09F05E1316A2}" srcOrd="0" destOrd="0" presId="urn:microsoft.com/office/officeart/2018/2/layout/IconVerticalSolidList"/>
+    <dgm:cxn modelId="{3DD697B3-B8D4-4867-9234-0FAD7BA250A8}" srcId="{B0982513-DE37-45DB-A2C4-9CADCDF7B540}" destId="{BFD45E04-EADF-4C7C-A8CC-A2328AF39EAC}" srcOrd="3" destOrd="0" parTransId="{A8DDEE6F-C377-477E-8849-B3C2D628C2EC}" sibTransId="{5E595240-87F2-4F53-87B4-D68DDA5E611A}"/>
+    <dgm:cxn modelId="{9B668ABD-448B-4FF0-A7B5-2BB7F925B741}" srcId="{B0982513-DE37-45DB-A2C4-9CADCDF7B540}" destId="{EF075510-AC9B-4737-95D3-E6D1F3B69904}" srcOrd="2" destOrd="0" parTransId="{F6F56BDB-359B-468D-9C67-D1AAF2BC6E5D}" sibTransId="{EE88A654-5E0A-4E15-A1BD-CB26A21336B6}"/>
+    <dgm:cxn modelId="{7D7852DF-762F-4C99-A8F4-86248E3537A1}" srcId="{B0982513-DE37-45DB-A2C4-9CADCDF7B540}" destId="{7C3E991D-F399-4A70-B84C-8A8683B4D1A5}" srcOrd="1" destOrd="0" parTransId="{E918751A-A405-4278-8709-7609D6B13BB5}" sibTransId="{31C94CE0-6244-44A3-AC57-B9FFA39ADFFD}"/>
+    <dgm:cxn modelId="{A1587BEC-971A-49C8-9D4C-78723A191315}" type="presOf" srcId="{BFD45E04-EADF-4C7C-A8CC-A2328AF39EAC}" destId="{35BFF2BE-58E0-47C7-8E41-6CDEB37FB2E9}" srcOrd="0" destOrd="0" presId="urn:microsoft.com/office/officeart/2018/2/layout/IconVerticalSolidList"/>
+    <dgm:cxn modelId="{39BF99FF-F23D-460C-9D06-A0F5C541D250}" srcId="{B0982513-DE37-45DB-A2C4-9CADCDF7B540}" destId="{59D6EB7D-132E-403F-AB58-5361E11BDCD8}" srcOrd="0" destOrd="0" parTransId="{B5E73BC6-8482-4134-B1AC-FD3B386CA8D7}" sibTransId="{6879A594-DE8A-408E-AECB-85D5128DC327}"/>
+    <dgm:cxn modelId="{19A8E3EB-0B74-4E88-9CF1-CB2BBEDA1B8A}" type="presParOf" srcId="{25AF373F-46B9-4B87-AB33-22C35C3B5AD6}" destId="{D7161426-6271-4C15-B299-AC721F04FD0B}" srcOrd="0" destOrd="0" presId="urn:microsoft.com/office/officeart/2018/2/layout/IconVerticalSolidList"/>
+    <dgm:cxn modelId="{D886F013-9E14-45AB-98CA-09394BA22D29}" type="presParOf" srcId="{D7161426-6271-4C15-B299-AC721F04FD0B}" destId="{019BFCA3-906A-4A3E-8FC4-DB9EF91F9385}" srcOrd="0" destOrd="0" presId="urn:microsoft.com/office/officeart/2018/2/layout/IconVerticalSolidList"/>
+    <dgm:cxn modelId="{3AAE1BF4-23A3-4216-8DF9-53545AD8FA0D}" type="presParOf" srcId="{D7161426-6271-4C15-B299-AC721F04FD0B}" destId="{F7D3568D-74CD-4096-9285-34742413D1D9}" srcOrd="1" destOrd="0" presId="urn:microsoft.com/office/officeart/2018/2/layout/IconVerticalSolidList"/>
+    <dgm:cxn modelId="{B87A2B7E-5F98-4343-BA79-517FCC59F98E}" type="presParOf" srcId="{D7161426-6271-4C15-B299-AC721F04FD0B}" destId="{CAE4CDDA-C5E5-47AF-9C4B-DC64A6D70B67}" srcOrd="2" destOrd="0" presId="urn:microsoft.com/office/officeart/2018/2/layout/IconVerticalSolidList"/>
+    <dgm:cxn modelId="{DDBAE2FE-9A25-4042-BBF4-7BD7F10343BF}" type="presParOf" srcId="{D7161426-6271-4C15-B299-AC721F04FD0B}" destId="{D33D4166-ABE1-40F0-80B8-79D3022989D0}" srcOrd="3" destOrd="0" presId="urn:microsoft.com/office/officeart/2018/2/layout/IconVerticalSolidList"/>
+    <dgm:cxn modelId="{AD954563-D074-4D10-8A4A-7500F89C496E}" type="presParOf" srcId="{25AF373F-46B9-4B87-AB33-22C35C3B5AD6}" destId="{FB501280-6C2E-4488-81F1-4C4B995BF168}" srcOrd="1" destOrd="0" presId="urn:microsoft.com/office/officeart/2018/2/layout/IconVerticalSolidList"/>
+    <dgm:cxn modelId="{2BFAFD66-1E49-4765-8A99-1B87F9A0A1C2}" type="presParOf" srcId="{25AF373F-46B9-4B87-AB33-22C35C3B5AD6}" destId="{979776D1-EA57-43AC-8574-22C76F0C6434}" srcOrd="2" destOrd="0" presId="urn:microsoft.com/office/officeart/2018/2/layout/IconVerticalSolidList"/>
+    <dgm:cxn modelId="{698225B3-D85A-4F5B-AB0A-50DCD8C5B3B9}" type="presParOf" srcId="{979776D1-EA57-43AC-8574-22C76F0C6434}" destId="{57D89A78-64F2-447D-AB8E-53D016C280D8}" srcOrd="0" destOrd="0" presId="urn:microsoft.com/office/officeart/2018/2/layout/IconVerticalSolidList"/>
+    <dgm:cxn modelId="{0D33CB01-155D-4725-AD7D-C92502D67C8D}" type="presParOf" srcId="{979776D1-EA57-43AC-8574-22C76F0C6434}" destId="{8209D760-CFBC-494E-A534-D358C6CDC279}" srcOrd="1" destOrd="0" presId="urn:microsoft.com/office/officeart/2018/2/layout/IconVerticalSolidList"/>
+    <dgm:cxn modelId="{88F0393F-6222-48B0-9166-21AE3B57858B}" type="presParOf" srcId="{979776D1-EA57-43AC-8574-22C76F0C6434}" destId="{78A047B8-CC94-418C-9036-D23D3026431B}" srcOrd="2" destOrd="0" presId="urn:microsoft.com/office/officeart/2018/2/layout/IconVerticalSolidList"/>
+    <dgm:cxn modelId="{6F2AC3D7-911D-4B58-B466-E3C0A32C11FE}" type="presParOf" srcId="{979776D1-EA57-43AC-8574-22C76F0C6434}" destId="{D7F676BF-25AC-49E8-85E4-B3EF77A528E5}" srcOrd="3" destOrd="0" presId="urn:microsoft.com/office/officeart/2018/2/layout/IconVerticalSolidList"/>
+    <dgm:cxn modelId="{3E438569-1923-481D-8A92-91DAE328B5B9}" type="presParOf" srcId="{25AF373F-46B9-4B87-AB33-22C35C3B5AD6}" destId="{6E506D4E-DEF1-4360-97F2-3F35948A6880}" srcOrd="3" destOrd="0" presId="urn:microsoft.com/office/officeart/2018/2/layout/IconVerticalSolidList"/>
+    <dgm:cxn modelId="{5D80954F-FE4A-4D42-9E9B-4F296B2A198F}" type="presParOf" srcId="{25AF373F-46B9-4B87-AB33-22C35C3B5AD6}" destId="{4B7179AD-0C8B-4312-B02D-290D713F630C}" srcOrd="4" destOrd="0" presId="urn:microsoft.com/office/officeart/2018/2/layout/IconVerticalSolidList"/>
+    <dgm:cxn modelId="{931C951C-99E7-4C53-A1DB-D782889AC385}" type="presParOf" srcId="{4B7179AD-0C8B-4312-B02D-290D713F630C}" destId="{533A8EA5-7B71-4852-9C8A-6D0F1A024183}" srcOrd="0" destOrd="0" presId="urn:microsoft.com/office/officeart/2018/2/layout/IconVerticalSolidList"/>
+    <dgm:cxn modelId="{C95E92E1-9E17-4AFF-B780-669DC03B0A1A}" type="presParOf" srcId="{4B7179AD-0C8B-4312-B02D-290D713F630C}" destId="{F0BEE0BB-961B-4B5C-A51F-5154EC782366}" srcOrd="1" destOrd="0" presId="urn:microsoft.com/office/officeart/2018/2/layout/IconVerticalSolidList"/>
+    <dgm:cxn modelId="{5AC49F58-3A19-491F-BA75-1C8771B887F1}" type="presParOf" srcId="{4B7179AD-0C8B-4312-B02D-290D713F630C}" destId="{68A767EE-242A-4BA4-8589-ADAE20695B16}" srcOrd="2" destOrd="0" presId="urn:microsoft.com/office/officeart/2018/2/layout/IconVerticalSolidList"/>
+    <dgm:cxn modelId="{000D754C-3301-4B45-BBC0-DD21D625C7A4}" type="presParOf" srcId="{4B7179AD-0C8B-4312-B02D-290D713F630C}" destId="{EBAD9E70-057E-483A-96E6-09F05E1316A2}" srcOrd="3" destOrd="0" presId="urn:microsoft.com/office/officeart/2018/2/layout/IconVerticalSolidList"/>
+    <dgm:cxn modelId="{0EA4EA31-B426-4B9D-903A-A631C7D79A0B}" type="presParOf" srcId="{25AF373F-46B9-4B87-AB33-22C35C3B5AD6}" destId="{0801F42C-3A88-4815-A590-43F3E5C84E67}" srcOrd="5" destOrd="0" presId="urn:microsoft.com/office/officeart/2018/2/layout/IconVerticalSolidList"/>
+    <dgm:cxn modelId="{72FE2952-D451-4966-82F7-0C0740E91B3A}" type="presParOf" srcId="{25AF373F-46B9-4B87-AB33-22C35C3B5AD6}" destId="{D0AF2FEB-2484-4D73-9FB6-CAA5A9A57650}" srcOrd="6" destOrd="0" presId="urn:microsoft.com/office/officeart/2018/2/layout/IconVerticalSolidList"/>
+    <dgm:cxn modelId="{EE548578-3FB0-4FB6-9E34-7A636BCAFC8E}" type="presParOf" srcId="{D0AF2FEB-2484-4D73-9FB6-CAA5A9A57650}" destId="{DA4AA859-CF22-4E15-973E-258F41054017}" srcOrd="0" destOrd="0" presId="urn:microsoft.com/office/officeart/2018/2/layout/IconVerticalSolidList"/>
+    <dgm:cxn modelId="{7E5B8E61-9EDE-41D4-8C1C-A6F9D881F470}" type="presParOf" srcId="{D0AF2FEB-2484-4D73-9FB6-CAA5A9A57650}" destId="{619DD815-3086-4BAD-B1A7-41C7CCAFCCF2}" srcOrd="1" destOrd="0" presId="urn:microsoft.com/office/officeart/2018/2/layout/IconVerticalSolidList"/>
+    <dgm:cxn modelId="{89BF96AD-FCCC-4D98-9839-4FA245E25EFB}" type="presParOf" srcId="{D0AF2FEB-2484-4D73-9FB6-CAA5A9A57650}" destId="{9DA79FC6-5E74-4322-8915-2D0443E15AB4}" srcOrd="2" destOrd="0" presId="urn:microsoft.com/office/officeart/2018/2/layout/IconVerticalSolidList"/>
+    <dgm:cxn modelId="{D8507F46-408B-4E01-8F77-5DAE60B45CE5}" type="presParOf" srcId="{D0AF2FEB-2484-4D73-9FB6-CAA5A9A57650}" destId="{35BFF2BE-58E0-47C7-8E41-6CDEB37FB2E9}" srcOrd="3" destOrd="0" presId="urn:microsoft.com/office/officeart/2018/2/layout/IconVerticalSolidList"/>
   </dgm:cxnLst>
   <dgm:bg/>
   <dgm:whole/>
@@ -14911,6 +16275,626 @@
       <dsp:txXfrm>
         <a:off x="1339618" y="4351700"/>
         <a:ext cx="5024605" cy="1159843"/>
+      </dsp:txXfrm>
+    </dsp:sp>
+  </dsp:spTree>
+</dsp:drawing>
+</file>
+
+<file path=ppt/diagrams/drawing9.xml><?xml version="1.0" encoding="utf-8"?>
+<dsp:drawing xmlns:dgm="http://schemas.openxmlformats.org/drawingml/2006/diagram" xmlns:dsp="http://schemas.microsoft.com/office/drawing/2008/diagram" xmlns:a="http://schemas.openxmlformats.org/drawingml/2006/main">
+  <dsp:spTree>
+    <dsp:nvGrpSpPr>
+      <dsp:cNvPr id="0" name=""/>
+      <dsp:cNvGrpSpPr/>
+    </dsp:nvGrpSpPr>
+    <dsp:grpSpPr/>
+    <dsp:sp modelId="{019BFCA3-906A-4A3E-8FC4-DB9EF91F9385}">
+      <dsp:nvSpPr>
+        <dsp:cNvPr id="0" name=""/>
+        <dsp:cNvSpPr/>
+      </dsp:nvSpPr>
+      <dsp:spPr>
+        <a:xfrm>
+          <a:off x="0" y="1902"/>
+          <a:ext cx="10506456" cy="964450"/>
+        </a:xfrm>
+        <a:prstGeom prst="roundRect">
+          <a:avLst>
+            <a:gd name="adj" fmla="val 10000"/>
+          </a:avLst>
+        </a:prstGeom>
+        <a:solidFill>
+          <a:schemeClr val="bg1">
+            <a:lumMod val="95000"/>
+            <a:hueOff val="0"/>
+            <a:satOff val="0"/>
+            <a:lumOff val="0"/>
+            <a:alphaOff val="0"/>
+          </a:schemeClr>
+        </a:solidFill>
+        <a:ln>
+          <a:noFill/>
+        </a:ln>
+        <a:effectLst/>
+      </dsp:spPr>
+      <dsp:style>
+        <a:lnRef idx="0">
+          <a:scrgbClr r="0" g="0" b="0"/>
+        </a:lnRef>
+        <a:fillRef idx="1">
+          <a:scrgbClr r="0" g="0" b="0"/>
+        </a:fillRef>
+        <a:effectRef idx="0">
+          <a:scrgbClr r="0" g="0" b="0"/>
+        </a:effectRef>
+        <a:fontRef idx="minor"/>
+      </dsp:style>
+    </dsp:sp>
+    <dsp:sp modelId="{F7D3568D-74CD-4096-9285-34742413D1D9}">
+      <dsp:nvSpPr>
+        <dsp:cNvPr id="0" name=""/>
+        <dsp:cNvSpPr/>
+      </dsp:nvSpPr>
+      <dsp:spPr>
+        <a:xfrm>
+          <a:off x="291746" y="218904"/>
+          <a:ext cx="530447" cy="530447"/>
+        </a:xfrm>
+        <a:prstGeom prst="rect">
+          <a:avLst/>
+        </a:prstGeom>
+        <a:blipFill>
+          <a:blip xmlns:r="http://schemas.openxmlformats.org/officeDocument/2006/relationships" r:embed="rId1">
+            <a:extLst>
+              <a:ext uri="{28A0092B-C50C-407E-A947-70E740481C1C}">
+                <a14:useLocalDpi xmlns:a14="http://schemas.microsoft.com/office/drawing/2010/main" val="0"/>
+              </a:ext>
+              <a:ext uri="{96DAC541-7B7A-43D3-8B79-37D633B846F1}">
+                <asvg:svgBlip xmlns:asvg="http://schemas.microsoft.com/office/drawing/2016/SVG/main" r:embed="rId2"/>
+              </a:ext>
+            </a:extLst>
+          </a:blip>
+          <a:stretch>
+            <a:fillRect/>
+          </a:stretch>
+        </a:blipFill>
+        <a:ln w="12700" cap="flat" cmpd="sng" algn="ctr">
+          <a:noFill/>
+          <a:prstDash val="solid"/>
+          <a:miter lim="800000"/>
+        </a:ln>
+        <a:effectLst/>
+      </dsp:spPr>
+      <dsp:style>
+        <a:lnRef idx="2">
+          <a:scrgbClr r="0" g="0" b="0"/>
+        </a:lnRef>
+        <a:fillRef idx="1">
+          <a:scrgbClr r="0" g="0" b="0"/>
+        </a:fillRef>
+        <a:effectRef idx="0">
+          <a:scrgbClr r="0" g="0" b="0"/>
+        </a:effectRef>
+        <a:fontRef idx="minor">
+          <a:schemeClr val="lt1"/>
+        </a:fontRef>
+      </dsp:style>
+    </dsp:sp>
+    <dsp:sp modelId="{D33D4166-ABE1-40F0-80B8-79D3022989D0}">
+      <dsp:nvSpPr>
+        <dsp:cNvPr id="0" name=""/>
+        <dsp:cNvSpPr/>
+      </dsp:nvSpPr>
+      <dsp:spPr>
+        <a:xfrm>
+          <a:off x="1113940" y="1902"/>
+          <a:ext cx="9392515" cy="964450"/>
+        </a:xfrm>
+        <a:prstGeom prst="rect">
+          <a:avLst/>
+        </a:prstGeom>
+        <a:noFill/>
+        <a:ln>
+          <a:noFill/>
+        </a:ln>
+        <a:effectLst/>
+      </dsp:spPr>
+      <dsp:style>
+        <a:lnRef idx="0">
+          <a:scrgbClr r="0" g="0" b="0"/>
+        </a:lnRef>
+        <a:fillRef idx="0">
+          <a:scrgbClr r="0" g="0" b="0"/>
+        </a:fillRef>
+        <a:effectRef idx="0">
+          <a:scrgbClr r="0" g="0" b="0"/>
+        </a:effectRef>
+        <a:fontRef idx="minor"/>
+      </dsp:style>
+      <dsp:txBody>
+        <a:bodyPr spcFirstLastPara="0" vert="horz" wrap="square" lIns="102071" tIns="102071" rIns="102071" bIns="102071" numCol="1" spcCol="1270" anchor="ctr" anchorCtr="0">
+          <a:noAutofit/>
+        </a:bodyPr>
+        <a:lstStyle/>
+        <a:p>
+          <a:pPr marL="0" lvl="0" indent="0" algn="l" defTabSz="977900">
+            <a:lnSpc>
+              <a:spcPct val="100000"/>
+            </a:lnSpc>
+            <a:spcBef>
+              <a:spcPct val="0"/>
+            </a:spcBef>
+            <a:spcAft>
+              <a:spcPct val="35000"/>
+            </a:spcAft>
+            <a:buNone/>
+          </a:pPr>
+          <a:r>
+            <a:rPr lang="en-US" sz="2200" kern="1200"/>
+            <a:t>A better option is to split your data into two sets: the training set and the test set. </a:t>
+          </a:r>
+        </a:p>
+      </dsp:txBody>
+      <dsp:txXfrm>
+        <a:off x="1113940" y="1902"/>
+        <a:ext cx="9392515" cy="964450"/>
+      </dsp:txXfrm>
+    </dsp:sp>
+    <dsp:sp modelId="{57D89A78-64F2-447D-AB8E-53D016C280D8}">
+      <dsp:nvSpPr>
+        <dsp:cNvPr id="0" name=""/>
+        <dsp:cNvSpPr/>
+      </dsp:nvSpPr>
+      <dsp:spPr>
+        <a:xfrm>
+          <a:off x="0" y="1207466"/>
+          <a:ext cx="10506456" cy="964450"/>
+        </a:xfrm>
+        <a:prstGeom prst="roundRect">
+          <a:avLst>
+            <a:gd name="adj" fmla="val 10000"/>
+          </a:avLst>
+        </a:prstGeom>
+        <a:solidFill>
+          <a:schemeClr val="bg1">
+            <a:lumMod val="95000"/>
+            <a:hueOff val="0"/>
+            <a:satOff val="0"/>
+            <a:lumOff val="0"/>
+            <a:alphaOff val="0"/>
+          </a:schemeClr>
+        </a:solidFill>
+        <a:ln>
+          <a:noFill/>
+        </a:ln>
+        <a:effectLst/>
+      </dsp:spPr>
+      <dsp:style>
+        <a:lnRef idx="0">
+          <a:scrgbClr r="0" g="0" b="0"/>
+        </a:lnRef>
+        <a:fillRef idx="1">
+          <a:scrgbClr r="0" g="0" b="0"/>
+        </a:fillRef>
+        <a:effectRef idx="0">
+          <a:scrgbClr r="0" g="0" b="0"/>
+        </a:effectRef>
+        <a:fontRef idx="minor"/>
+      </dsp:style>
+    </dsp:sp>
+    <dsp:sp modelId="{8209D760-CFBC-494E-A534-D358C6CDC279}">
+      <dsp:nvSpPr>
+        <dsp:cNvPr id="0" name=""/>
+        <dsp:cNvSpPr/>
+      </dsp:nvSpPr>
+      <dsp:spPr>
+        <a:xfrm>
+          <a:off x="291746" y="1424467"/>
+          <a:ext cx="530447" cy="530447"/>
+        </a:xfrm>
+        <a:prstGeom prst="rect">
+          <a:avLst/>
+        </a:prstGeom>
+        <a:blipFill>
+          <a:blip xmlns:r="http://schemas.openxmlformats.org/officeDocument/2006/relationships" r:embed="rId3">
+            <a:extLst>
+              <a:ext uri="{28A0092B-C50C-407E-A947-70E740481C1C}">
+                <a14:useLocalDpi xmlns:a14="http://schemas.microsoft.com/office/drawing/2010/main" val="0"/>
+              </a:ext>
+              <a:ext uri="{96DAC541-7B7A-43D3-8B79-37D633B846F1}">
+                <asvg:svgBlip xmlns:asvg="http://schemas.microsoft.com/office/drawing/2016/SVG/main" r:embed="rId4"/>
+              </a:ext>
+            </a:extLst>
+          </a:blip>
+          <a:stretch>
+            <a:fillRect/>
+          </a:stretch>
+        </a:blipFill>
+        <a:ln w="12700" cap="flat" cmpd="sng" algn="ctr">
+          <a:noFill/>
+          <a:prstDash val="solid"/>
+          <a:miter lim="800000"/>
+        </a:ln>
+        <a:effectLst/>
+      </dsp:spPr>
+      <dsp:style>
+        <a:lnRef idx="2">
+          <a:scrgbClr r="0" g="0" b="0"/>
+        </a:lnRef>
+        <a:fillRef idx="1">
+          <a:scrgbClr r="0" g="0" b="0"/>
+        </a:fillRef>
+        <a:effectRef idx="0">
+          <a:scrgbClr r="0" g="0" b="0"/>
+        </a:effectRef>
+        <a:fontRef idx="minor">
+          <a:schemeClr val="lt1"/>
+        </a:fontRef>
+      </dsp:style>
+    </dsp:sp>
+    <dsp:sp modelId="{D7F676BF-25AC-49E8-85E4-B3EF77A528E5}">
+      <dsp:nvSpPr>
+        <dsp:cNvPr id="0" name=""/>
+        <dsp:cNvSpPr/>
+      </dsp:nvSpPr>
+      <dsp:spPr>
+        <a:xfrm>
+          <a:off x="1113940" y="1207466"/>
+          <a:ext cx="9392515" cy="964450"/>
+        </a:xfrm>
+        <a:prstGeom prst="rect">
+          <a:avLst/>
+        </a:prstGeom>
+        <a:noFill/>
+        <a:ln>
+          <a:noFill/>
+        </a:ln>
+        <a:effectLst/>
+      </dsp:spPr>
+      <dsp:style>
+        <a:lnRef idx="0">
+          <a:scrgbClr r="0" g="0" b="0"/>
+        </a:lnRef>
+        <a:fillRef idx="0">
+          <a:scrgbClr r="0" g="0" b="0"/>
+        </a:fillRef>
+        <a:effectRef idx="0">
+          <a:scrgbClr r="0" g="0" b="0"/>
+        </a:effectRef>
+        <a:fontRef idx="minor"/>
+      </dsp:style>
+      <dsp:txBody>
+        <a:bodyPr spcFirstLastPara="0" vert="horz" wrap="square" lIns="102071" tIns="102071" rIns="102071" bIns="102071" numCol="1" spcCol="1270" anchor="ctr" anchorCtr="0">
+          <a:noAutofit/>
+        </a:bodyPr>
+        <a:lstStyle/>
+        <a:p>
+          <a:pPr marL="0" lvl="0" indent="0" algn="l" defTabSz="977900">
+            <a:lnSpc>
+              <a:spcPct val="100000"/>
+            </a:lnSpc>
+            <a:spcBef>
+              <a:spcPct val="0"/>
+            </a:spcBef>
+            <a:spcAft>
+              <a:spcPct val="35000"/>
+            </a:spcAft>
+            <a:buNone/>
+          </a:pPr>
+          <a:r>
+            <a:rPr lang="en-US" sz="2200" kern="1200"/>
+            <a:t>You train your model using the training set, and you test it using the test set. </a:t>
+          </a:r>
+        </a:p>
+      </dsp:txBody>
+      <dsp:txXfrm>
+        <a:off x="1113940" y="1207466"/>
+        <a:ext cx="9392515" cy="964450"/>
+      </dsp:txXfrm>
+    </dsp:sp>
+    <dsp:sp modelId="{533A8EA5-7B71-4852-9C8A-6D0F1A024183}">
+      <dsp:nvSpPr>
+        <dsp:cNvPr id="0" name=""/>
+        <dsp:cNvSpPr/>
+      </dsp:nvSpPr>
+      <dsp:spPr>
+        <a:xfrm>
+          <a:off x="0" y="2413029"/>
+          <a:ext cx="10506456" cy="964450"/>
+        </a:xfrm>
+        <a:prstGeom prst="roundRect">
+          <a:avLst>
+            <a:gd name="adj" fmla="val 10000"/>
+          </a:avLst>
+        </a:prstGeom>
+        <a:solidFill>
+          <a:schemeClr val="bg1">
+            <a:lumMod val="95000"/>
+            <a:hueOff val="0"/>
+            <a:satOff val="0"/>
+            <a:lumOff val="0"/>
+            <a:alphaOff val="0"/>
+          </a:schemeClr>
+        </a:solidFill>
+        <a:ln>
+          <a:noFill/>
+        </a:ln>
+        <a:effectLst/>
+      </dsp:spPr>
+      <dsp:style>
+        <a:lnRef idx="0">
+          <a:scrgbClr r="0" g="0" b="0"/>
+        </a:lnRef>
+        <a:fillRef idx="1">
+          <a:scrgbClr r="0" g="0" b="0"/>
+        </a:fillRef>
+        <a:effectRef idx="0">
+          <a:scrgbClr r="0" g="0" b="0"/>
+        </a:effectRef>
+        <a:fontRef idx="minor"/>
+      </dsp:style>
+    </dsp:sp>
+    <dsp:sp modelId="{F0BEE0BB-961B-4B5C-A51F-5154EC782366}">
+      <dsp:nvSpPr>
+        <dsp:cNvPr id="0" name=""/>
+        <dsp:cNvSpPr/>
+      </dsp:nvSpPr>
+      <dsp:spPr>
+        <a:xfrm>
+          <a:off x="291746" y="2630030"/>
+          <a:ext cx="530447" cy="530447"/>
+        </a:xfrm>
+        <a:prstGeom prst="rect">
+          <a:avLst/>
+        </a:prstGeom>
+        <a:blipFill>
+          <a:blip xmlns:r="http://schemas.openxmlformats.org/officeDocument/2006/relationships" r:embed="rId5">
+            <a:extLst>
+              <a:ext uri="{28A0092B-C50C-407E-A947-70E740481C1C}">
+                <a14:useLocalDpi xmlns:a14="http://schemas.microsoft.com/office/drawing/2010/main" val="0"/>
+              </a:ext>
+              <a:ext uri="{96DAC541-7B7A-43D3-8B79-37D633B846F1}">
+                <asvg:svgBlip xmlns:asvg="http://schemas.microsoft.com/office/drawing/2016/SVG/main" r:embed="rId6"/>
+              </a:ext>
+            </a:extLst>
+          </a:blip>
+          <a:stretch>
+            <a:fillRect/>
+          </a:stretch>
+        </a:blipFill>
+        <a:ln w="12700" cap="flat" cmpd="sng" algn="ctr">
+          <a:noFill/>
+          <a:prstDash val="solid"/>
+          <a:miter lim="800000"/>
+        </a:ln>
+        <a:effectLst/>
+      </dsp:spPr>
+      <dsp:style>
+        <a:lnRef idx="2">
+          <a:scrgbClr r="0" g="0" b="0"/>
+        </a:lnRef>
+        <a:fillRef idx="1">
+          <a:scrgbClr r="0" g="0" b="0"/>
+        </a:fillRef>
+        <a:effectRef idx="0">
+          <a:scrgbClr r="0" g="0" b="0"/>
+        </a:effectRef>
+        <a:fontRef idx="minor">
+          <a:schemeClr val="lt1"/>
+        </a:fontRef>
+      </dsp:style>
+    </dsp:sp>
+    <dsp:sp modelId="{EBAD9E70-057E-483A-96E6-09F05E1316A2}">
+      <dsp:nvSpPr>
+        <dsp:cNvPr id="0" name=""/>
+        <dsp:cNvSpPr/>
+      </dsp:nvSpPr>
+      <dsp:spPr>
+        <a:xfrm>
+          <a:off x="1113940" y="2413029"/>
+          <a:ext cx="9392515" cy="964450"/>
+        </a:xfrm>
+        <a:prstGeom prst="rect">
+          <a:avLst/>
+        </a:prstGeom>
+        <a:noFill/>
+        <a:ln>
+          <a:noFill/>
+        </a:ln>
+        <a:effectLst/>
+      </dsp:spPr>
+      <dsp:style>
+        <a:lnRef idx="0">
+          <a:scrgbClr r="0" g="0" b="0"/>
+        </a:lnRef>
+        <a:fillRef idx="0">
+          <a:scrgbClr r="0" g="0" b="0"/>
+        </a:fillRef>
+        <a:effectRef idx="0">
+          <a:scrgbClr r="0" g="0" b="0"/>
+        </a:effectRef>
+        <a:fontRef idx="minor"/>
+      </dsp:style>
+      <dsp:txBody>
+        <a:bodyPr spcFirstLastPara="0" vert="horz" wrap="square" lIns="102071" tIns="102071" rIns="102071" bIns="102071" numCol="1" spcCol="1270" anchor="ctr" anchorCtr="0">
+          <a:noAutofit/>
+        </a:bodyPr>
+        <a:lstStyle/>
+        <a:p>
+          <a:pPr marL="0" lvl="0" indent="0" algn="l" defTabSz="977900">
+            <a:lnSpc>
+              <a:spcPct val="100000"/>
+            </a:lnSpc>
+            <a:spcBef>
+              <a:spcPct val="0"/>
+            </a:spcBef>
+            <a:spcAft>
+              <a:spcPct val="35000"/>
+            </a:spcAft>
+            <a:buNone/>
+          </a:pPr>
+          <a:r>
+            <a:rPr lang="en-US" sz="2200" kern="1200"/>
+            <a:t>The accuracy on the Test set value tells you how well your model will perform on instances it has never seen before</a:t>
+          </a:r>
+        </a:p>
+      </dsp:txBody>
+      <dsp:txXfrm>
+        <a:off x="1113940" y="2413029"/>
+        <a:ext cx="9392515" cy="964450"/>
+      </dsp:txXfrm>
+    </dsp:sp>
+    <dsp:sp modelId="{DA4AA859-CF22-4E15-973E-258F41054017}">
+      <dsp:nvSpPr>
+        <dsp:cNvPr id="0" name=""/>
+        <dsp:cNvSpPr/>
+      </dsp:nvSpPr>
+      <dsp:spPr>
+        <a:xfrm>
+          <a:off x="0" y="3618592"/>
+          <a:ext cx="10506456" cy="964450"/>
+        </a:xfrm>
+        <a:prstGeom prst="roundRect">
+          <a:avLst>
+            <a:gd name="adj" fmla="val 10000"/>
+          </a:avLst>
+        </a:prstGeom>
+        <a:solidFill>
+          <a:schemeClr val="bg1">
+            <a:lumMod val="95000"/>
+            <a:hueOff val="0"/>
+            <a:satOff val="0"/>
+            <a:lumOff val="0"/>
+            <a:alphaOff val="0"/>
+          </a:schemeClr>
+        </a:solidFill>
+        <a:ln>
+          <a:noFill/>
+        </a:ln>
+        <a:effectLst/>
+      </dsp:spPr>
+      <dsp:style>
+        <a:lnRef idx="0">
+          <a:scrgbClr r="0" g="0" b="0"/>
+        </a:lnRef>
+        <a:fillRef idx="1">
+          <a:scrgbClr r="0" g="0" b="0"/>
+        </a:fillRef>
+        <a:effectRef idx="0">
+          <a:scrgbClr r="0" g="0" b="0"/>
+        </a:effectRef>
+        <a:fontRef idx="minor"/>
+      </dsp:style>
+    </dsp:sp>
+    <dsp:sp modelId="{619DD815-3086-4BAD-B1A7-41C7CCAFCCF2}">
+      <dsp:nvSpPr>
+        <dsp:cNvPr id="0" name=""/>
+        <dsp:cNvSpPr/>
+      </dsp:nvSpPr>
+      <dsp:spPr>
+        <a:xfrm>
+          <a:off x="291746" y="3835593"/>
+          <a:ext cx="530447" cy="530447"/>
+        </a:xfrm>
+        <a:prstGeom prst="rect">
+          <a:avLst/>
+        </a:prstGeom>
+        <a:blipFill>
+          <a:blip xmlns:r="http://schemas.openxmlformats.org/officeDocument/2006/relationships" r:embed="rId7">
+            <a:extLst>
+              <a:ext uri="{28A0092B-C50C-407E-A947-70E740481C1C}">
+                <a14:useLocalDpi xmlns:a14="http://schemas.microsoft.com/office/drawing/2010/main" val="0"/>
+              </a:ext>
+              <a:ext uri="{96DAC541-7B7A-43D3-8B79-37D633B846F1}">
+                <asvg:svgBlip xmlns:asvg="http://schemas.microsoft.com/office/drawing/2016/SVG/main" r:embed="rId8"/>
+              </a:ext>
+            </a:extLst>
+          </a:blip>
+          <a:stretch>
+            <a:fillRect/>
+          </a:stretch>
+        </a:blipFill>
+        <a:ln w="12700" cap="flat" cmpd="sng" algn="ctr">
+          <a:noFill/>
+          <a:prstDash val="solid"/>
+          <a:miter lim="800000"/>
+        </a:ln>
+        <a:effectLst/>
+      </dsp:spPr>
+      <dsp:style>
+        <a:lnRef idx="2">
+          <a:scrgbClr r="0" g="0" b="0"/>
+        </a:lnRef>
+        <a:fillRef idx="1">
+          <a:scrgbClr r="0" g="0" b="0"/>
+        </a:fillRef>
+        <a:effectRef idx="0">
+          <a:scrgbClr r="0" g="0" b="0"/>
+        </a:effectRef>
+        <a:fontRef idx="minor">
+          <a:schemeClr val="lt1"/>
+        </a:fontRef>
+      </dsp:style>
+    </dsp:sp>
+    <dsp:sp modelId="{35BFF2BE-58E0-47C7-8E41-6CDEB37FB2E9}">
+      <dsp:nvSpPr>
+        <dsp:cNvPr id="0" name=""/>
+        <dsp:cNvSpPr/>
+      </dsp:nvSpPr>
+      <dsp:spPr>
+        <a:xfrm>
+          <a:off x="1113940" y="3618592"/>
+          <a:ext cx="9392515" cy="964450"/>
+        </a:xfrm>
+        <a:prstGeom prst="rect">
+          <a:avLst/>
+        </a:prstGeom>
+        <a:noFill/>
+        <a:ln>
+          <a:noFill/>
+        </a:ln>
+        <a:effectLst/>
+      </dsp:spPr>
+      <dsp:style>
+        <a:lnRef idx="0">
+          <a:scrgbClr r="0" g="0" b="0"/>
+        </a:lnRef>
+        <a:fillRef idx="0">
+          <a:scrgbClr r="0" g="0" b="0"/>
+        </a:fillRef>
+        <a:effectRef idx="0">
+          <a:scrgbClr r="0" g="0" b="0"/>
+        </a:effectRef>
+        <a:fontRef idx="minor"/>
+      </dsp:style>
+      <dsp:txBody>
+        <a:bodyPr spcFirstLastPara="0" vert="horz" wrap="square" lIns="102071" tIns="102071" rIns="102071" bIns="102071" numCol="1" spcCol="1270" anchor="ctr" anchorCtr="0">
+          <a:noAutofit/>
+        </a:bodyPr>
+        <a:lstStyle/>
+        <a:p>
+          <a:pPr marL="0" lvl="0" indent="0" algn="l" defTabSz="977900">
+            <a:lnSpc>
+              <a:spcPct val="100000"/>
+            </a:lnSpc>
+            <a:spcBef>
+              <a:spcPct val="0"/>
+            </a:spcBef>
+            <a:spcAft>
+              <a:spcPct val="35000"/>
+            </a:spcAft>
+            <a:buNone/>
+          </a:pPr>
+          <a:r>
+            <a:rPr lang="en-US" sz="2200" kern="1200"/>
+            <a:t>It is common to use 80% of the data for training and 20% for testing. </a:t>
+          </a:r>
+        </a:p>
+      </dsp:txBody>
+      <dsp:txXfrm>
+        <a:off x="1113940" y="3618592"/>
+        <a:ext cx="9392515" cy="964450"/>
       </dsp:txXfrm>
     </dsp:sp>
   </dsp:spTree>
@@ -17094,6 +19078,300 @@
 </dgm:layoutDef>
 </file>
 
+<file path=ppt/diagrams/layout9.xml><?xml version="1.0" encoding="utf-8"?>
+<dgm:layoutDef xmlns:dgm="http://schemas.openxmlformats.org/drawingml/2006/diagram" xmlns:a="http://schemas.openxmlformats.org/drawingml/2006/main" uniqueId="urn:microsoft.com/office/officeart/2018/2/layout/IconVerticalSolidList">
+  <dgm:title val="Icon Vertical Solid List"/>
+  <dgm:desc val="Use to show a series of visuals from top to bottom with Level 1 or Level 1 and Level 2 text grouped in a shape. Works best with icons or small pictures with lengthier descriptions."/>
+  <dgm:catLst>
+    <dgm:cat type="icon" pri="500"/>
+  </dgm:catLst>
+  <dgm:sampData useDef="1">
+    <dgm:dataModel>
+      <dgm:ptLst/>
+      <dgm:bg/>
+      <dgm:whole/>
+    </dgm:dataModel>
+  </dgm:sampData>
+  <dgm:styleData useDef="1">
+    <dgm:dataModel>
+      <dgm:ptLst/>
+      <dgm:bg/>
+      <dgm:whole/>
+    </dgm:dataModel>
+  </dgm:styleData>
+  <dgm:clrData useDef="1">
+    <dgm:dataModel>
+      <dgm:ptLst/>
+      <dgm:bg/>
+      <dgm:whole/>
+    </dgm:dataModel>
+  </dgm:clrData>
+  <dgm:layoutNode name="root">
+    <dgm:varLst>
+      <dgm:dir/>
+      <dgm:resizeHandles val="exact"/>
+    </dgm:varLst>
+    <dgm:choose name="Name0">
+      <dgm:if name="Name1" axis="self" func="var" arg="dir" op="equ" val="norm">
+        <dgm:alg type="lin">
+          <dgm:param type="linDir" val="fromT"/>
+          <dgm:param type="nodeHorzAlign" val="l"/>
+        </dgm:alg>
+      </dgm:if>
+      <dgm:else name="Name2">
+        <dgm:alg type="lin">
+          <dgm:param type="linDir" val="fromT"/>
+          <dgm:param type="nodeHorzAlign" val="r"/>
+        </dgm:alg>
+      </dgm:else>
+    </dgm:choose>
+    <dgm:shape xmlns:r="http://schemas.openxmlformats.org/officeDocument/2006/relationships" r:blip="">
+      <dgm:adjLst/>
+    </dgm:shape>
+    <dgm:presOf/>
+    <dgm:choose name="Name3">
+      <dgm:if name="Name4" axis="ch" ptType="node" func="cnt" op="lte" val="3">
+        <dgm:constrLst>
+          <dgm:constr type="h" for="ch" forName="compNode" refType="h" fact="0.3"/>
+          <dgm:constr type="w" for="ch" forName="compNode" refType="w"/>
+          <dgm:constr type="h" for="ch" forName="sibTrans" refType="h" refFor="ch" refForName="compNode" fact="0.25"/>
+          <dgm:constr type="primFontSz" for="des" forName="parTx" val="25"/>
+          <dgm:constr type="primFontSz" for="des" forName="desTx" refType="primFontSz" refFor="des" refForName="parTx" op="lte" fact="0.75"/>
+          <dgm:constr type="h" for="des" forName="compNode" op="equ"/>
+          <dgm:constr type="h" for="des" forName="bgRect" op="equ"/>
+          <dgm:constr type="h" for="des" forName="iconRect" op="equ"/>
+          <dgm:constr type="w" for="des" forName="iconRect" op="equ"/>
+          <dgm:constr type="h" for="des" forName="spaceRect" op="equ"/>
+          <dgm:constr type="h" for="des" forName="parTx" op="equ"/>
+          <dgm:constr type="h" for="des" forName="desTx" op="equ"/>
+        </dgm:constrLst>
+      </dgm:if>
+      <dgm:if name="Name5" axis="ch" ptType="node" func="cnt" op="lte" val="4">
+        <dgm:constrLst>
+          <dgm:constr type="h" for="ch" forName="compNode" refType="h" fact="0.3"/>
+          <dgm:constr type="w" for="ch" forName="compNode" refType="w"/>
+          <dgm:constr type="h" for="ch" forName="sibTrans" refType="h" refFor="ch" refForName="compNode" fact="0.25"/>
+          <dgm:constr type="primFontSz" for="des" forName="parTx" val="22"/>
+          <dgm:constr type="primFontSz" for="des" forName="desTx" refType="primFontSz" refFor="des" refForName="parTx" op="lte" fact="0.75"/>
+          <dgm:constr type="h" for="des" forName="compNode" op="equ"/>
+          <dgm:constr type="h" for="des" forName="bgRect" op="equ"/>
+          <dgm:constr type="h" for="des" forName="iconRect" op="equ"/>
+          <dgm:constr type="w" for="des" forName="iconRect" op="equ"/>
+          <dgm:constr type="h" for="des" forName="spaceRect" op="equ"/>
+          <dgm:constr type="h" for="des" forName="parTx" op="equ"/>
+          <dgm:constr type="h" for="des" forName="desTx" op="equ"/>
+        </dgm:constrLst>
+      </dgm:if>
+      <dgm:if name="Name6" axis="ch" ptType="node" func="cnt" op="lte" val="6">
+        <dgm:constrLst>
+          <dgm:constr type="h" for="ch" forName="compNode" refType="h" fact="0.3"/>
+          <dgm:constr type="w" for="ch" forName="compNode" refType="w"/>
+          <dgm:constr type="h" for="ch" forName="sibTrans" refType="h" refFor="ch" refForName="compNode" fact="0.25"/>
+          <dgm:constr type="primFontSz" for="des" forName="parTx" val="19"/>
+          <dgm:constr type="primFontSz" for="des" forName="desTx" refType="primFontSz" refFor="des" refForName="parTx" op="lte" fact="0.75"/>
+          <dgm:constr type="h" for="des" forName="compNode" op="equ"/>
+          <dgm:constr type="h" for="des" forName="bgRect" op="equ"/>
+          <dgm:constr type="h" for="des" forName="iconRect" op="equ"/>
+          <dgm:constr type="w" for="des" forName="iconRect" op="equ"/>
+          <dgm:constr type="h" for="des" forName="spaceRect" op="equ"/>
+          <dgm:constr type="h" for="des" forName="parTx" op="equ"/>
+          <dgm:constr type="h" for="des" forName="desTx" op="equ"/>
+        </dgm:constrLst>
+      </dgm:if>
+      <dgm:else name="Name7">
+        <dgm:constrLst>
+          <dgm:constr type="h" for="ch" forName="compNode" refType="h" fact="0.3"/>
+          <dgm:constr type="w" for="ch" forName="compNode" refType="w"/>
+          <dgm:constr type="h" for="ch" forName="sibTrans" refType="h" refFor="ch" refForName="compNode" fact="0.25"/>
+          <dgm:constr type="primFontSz" for="des" forName="parTx" val="16"/>
+          <dgm:constr type="primFontSz" for="des" forName="desTx" refType="primFontSz" refFor="des" refForName="parTx" op="lte" fact="0.75"/>
+          <dgm:constr type="h" for="des" forName="compNode" op="equ"/>
+          <dgm:constr type="h" for="des" forName="bgRect" op="equ"/>
+          <dgm:constr type="h" for="des" forName="iconRect" op="equ"/>
+          <dgm:constr type="w" for="des" forName="iconRect" op="equ"/>
+          <dgm:constr type="h" for="des" forName="spaceRect" op="equ"/>
+          <dgm:constr type="h" for="des" forName="parTx" op="equ"/>
+          <dgm:constr type="h" for="des" forName="desTx" op="equ"/>
+        </dgm:constrLst>
+      </dgm:else>
+    </dgm:choose>
+    <dgm:ruleLst>
+      <dgm:rule type="h" for="ch" forName="compNode" val="0" fact="NaN" max="NaN"/>
+    </dgm:ruleLst>
+    <dgm:forEach name="Name8" axis="ch" ptType="node">
+      <dgm:layoutNode name="compNode">
+        <dgm:alg type="composite"/>
+        <dgm:shape xmlns:r="http://schemas.openxmlformats.org/officeDocument/2006/relationships" r:blip="">
+          <dgm:adjLst/>
+        </dgm:shape>
+        <dgm:presOf axis="self"/>
+        <dgm:choose name="Name9">
+          <dgm:if name="Name10" axis="ch" ptType="node" func="cnt" op="gte" val="1">
+            <dgm:constrLst>
+              <dgm:constr type="w" for="ch" forName="bgRect" refType="w"/>
+              <dgm:constr type="h" for="ch" forName="bgRect" refType="h"/>
+              <dgm:constr type="l" for="ch" forName="bgRect"/>
+              <dgm:constr type="t" for="ch" forName="bgRect"/>
+              <dgm:constr type="h" for="ch" forName="iconRect" refType="h" fact="0.55"/>
+              <dgm:constr type="w" for="ch" forName="iconRect" refType="h" refFor="ch" refForName="iconRect"/>
+              <dgm:constr type="l" for="ch" forName="iconRect" refType="h" refFor="ch" refForName="iconRect" fact="0.55"/>
+              <dgm:constr type="ctrY" for="ch" forName="iconRect" refType="ctrY" refFor="ch" refForName="bgRect"/>
+              <dgm:constr type="w" for="ch" forName="spaceRect" refType="l" refFor="ch" refForName="iconRect"/>
+              <dgm:constr type="h" for="ch" forName="spaceRect" refType="h"/>
+              <dgm:constr type="l" for="ch" forName="spaceRect" refType="r" refFor="ch" refForName="iconRect"/>
+              <dgm:constr type="t" for="ch" forName="spaceRect"/>
+              <dgm:constr type="w" for="ch" forName="parTx" refType="w" fact="0.45"/>
+              <dgm:constr type="h" for="ch" forName="parTx" refType="h"/>
+              <dgm:constr type="l" for="ch" forName="parTx" refType="r" refFor="ch" refForName="spaceRect"/>
+              <dgm:constr type="t" for="ch" forName="parTx"/>
+              <dgm:constr type="h" for="ch" forName="desTx" refType="h"/>
+              <dgm:constr type="l" for="ch" forName="desTx" refType="r" refFor="ch" refForName="parTx"/>
+              <dgm:constr type="t" for="ch" forName="desTx"/>
+            </dgm:constrLst>
+          </dgm:if>
+          <dgm:else name="Name11">
+            <dgm:constrLst>
+              <dgm:constr type="w" for="ch" forName="bgRect" refType="w"/>
+              <dgm:constr type="h" for="ch" forName="bgRect" refType="h"/>
+              <dgm:constr type="l" for="ch" forName="bgRect"/>
+              <dgm:constr type="t" for="ch" forName="bgRect"/>
+              <dgm:constr type="h" for="ch" forName="iconRect" refType="h" fact="0.55"/>
+              <dgm:constr type="w" for="ch" forName="iconRect" refType="h" refFor="ch" refForName="iconRect"/>
+              <dgm:constr type="l" for="ch" forName="iconRect" refType="h" refFor="ch" refForName="iconRect" fact="0.55"/>
+              <dgm:constr type="ctrY" for="ch" forName="iconRect" refType="ctrY" refFor="ch" refForName="bgRect"/>
+              <dgm:constr type="w" for="ch" forName="spaceRect" refType="l" refFor="ch" refForName="iconRect"/>
+              <dgm:constr type="h" for="ch" forName="spaceRect" refType="h"/>
+              <dgm:constr type="l" for="ch" forName="spaceRect" refType="r" refFor="ch" refForName="iconRect"/>
+              <dgm:constr type="t" for="ch" forName="spaceRect"/>
+              <dgm:constr type="h" for="ch" forName="parTx" refType="h"/>
+              <dgm:constr type="l" for="ch" forName="parTx" refType="r" refFor="ch" refForName="spaceRect"/>
+              <dgm:constr type="t" for="ch" forName="parTx"/>
+            </dgm:constrLst>
+          </dgm:else>
+        </dgm:choose>
+        <dgm:ruleLst>
+          <dgm:rule type="h" val="INF" fact="NaN" max="NaN"/>
+        </dgm:ruleLst>
+        <dgm:layoutNode name="bgRect" styleLbl="bgShp">
+          <dgm:alg type="sp"/>
+          <dgm:shape xmlns:r="http://schemas.openxmlformats.org/officeDocument/2006/relationships" type="roundRect" r:blip="">
+            <dgm:adjLst>
+              <dgm:adj idx="1" val="0.1"/>
+            </dgm:adjLst>
+          </dgm:shape>
+          <dgm:presOf/>
+          <dgm:constrLst/>
+          <dgm:ruleLst/>
+        </dgm:layoutNode>
+        <dgm:layoutNode name="iconRect" styleLbl="node1">
+          <dgm:alg type="sp"/>
+          <dgm:shape xmlns:r="http://schemas.openxmlformats.org/officeDocument/2006/relationships" type="rect" r:blip="" blipPhldr="1">
+            <dgm:adjLst/>
+          </dgm:shape>
+          <dgm:presOf/>
+          <dgm:constrLst/>
+          <dgm:ruleLst/>
+        </dgm:layoutNode>
+        <dgm:layoutNode name="spaceRect">
+          <dgm:alg type="sp"/>
+          <dgm:shape xmlns:r="http://schemas.openxmlformats.org/officeDocument/2006/relationships" r:blip="">
+            <dgm:adjLst/>
+          </dgm:shape>
+          <dgm:presOf/>
+          <dgm:constrLst/>
+          <dgm:ruleLst/>
+        </dgm:layoutNode>
+        <dgm:layoutNode name="parTx" styleLbl="revTx">
+          <dgm:varLst>
+            <dgm:chMax val="0"/>
+            <dgm:chPref val="0"/>
+          </dgm:varLst>
+          <dgm:alg type="tx">
+            <dgm:param type="txAnchorVert" val="mid"/>
+            <dgm:param type="parTxLTRAlign" val="l"/>
+            <dgm:param type="shpTxLTRAlignCh" val="l"/>
+            <dgm:param type="parTxRTLAlign" val="r"/>
+            <dgm:param type="shpTxRTLAlignCh" val="r"/>
+          </dgm:alg>
+          <dgm:shape xmlns:r="http://schemas.openxmlformats.org/officeDocument/2006/relationships" type="rect" r:blip="">
+            <dgm:adjLst/>
+          </dgm:shape>
+          <dgm:presOf axis="self" ptType="node"/>
+          <dgm:constrLst>
+            <dgm:constr type="lMarg" refType="h" fact="0.3"/>
+            <dgm:constr type="rMarg" refType="h" fact="0.3"/>
+            <dgm:constr type="tMarg" refType="h" fact="0.3"/>
+            <dgm:constr type="bMarg" refType="h" fact="0.3"/>
+          </dgm:constrLst>
+          <dgm:ruleLst>
+            <dgm:rule type="primFontSz" val="14" fact="NaN" max="NaN"/>
+            <dgm:rule type="h" val="INF" fact="NaN" max="NaN"/>
+          </dgm:ruleLst>
+        </dgm:layoutNode>
+        <dgm:choose name="Name12">
+          <dgm:if name="Name13" axis="ch" ptType="node" func="cnt" op="gte" val="1">
+            <dgm:layoutNode name="desTx" styleLbl="revTx">
+              <dgm:varLst/>
+              <dgm:alg type="tx">
+                <dgm:param type="txAnchorVertCh" val="mid"/>
+                <dgm:param type="parTxLTRAlign" val="l"/>
+                <dgm:param type="shpTxLTRAlignCh" val="l"/>
+                <dgm:param type="parTxRTLAlign" val="r"/>
+                <dgm:param type="shpTxRTLAlignCh" val="r"/>
+                <dgm:param type="stBulletLvl" val="0"/>
+              </dgm:alg>
+              <dgm:shape xmlns:r="http://schemas.openxmlformats.org/officeDocument/2006/relationships" type="rect" r:blip="">
+                <dgm:adjLst/>
+              </dgm:shape>
+              <dgm:presOf axis="des" ptType="node"/>
+              <dgm:constrLst>
+                <dgm:constr type="primFontSz" val="18"/>
+                <dgm:constr type="secFontSz" refType="primFontSz"/>
+                <dgm:constr type="lMarg" refType="h" fact="0.3"/>
+                <dgm:constr type="rMarg" refType="h" fact="0.3"/>
+                <dgm:constr type="tMarg" refType="h" fact="0.3"/>
+                <dgm:constr type="bMarg" refType="h" fact="0.3"/>
+              </dgm:constrLst>
+              <dgm:ruleLst>
+                <dgm:rule type="primFontSz" val="11" fact="NaN" max="NaN"/>
+              </dgm:ruleLst>
+            </dgm:layoutNode>
+          </dgm:if>
+          <dgm:else name="Name14"/>
+        </dgm:choose>
+      </dgm:layoutNode>
+      <dgm:forEach name="Name15" axis="followSib" ptType="sibTrans" cnt="1">
+        <dgm:layoutNode name="sibTrans">
+          <dgm:alg type="sp"/>
+          <dgm:shape xmlns:r="http://schemas.openxmlformats.org/officeDocument/2006/relationships" r:blip="">
+            <dgm:adjLst/>
+          </dgm:shape>
+          <dgm:presOf axis="self"/>
+          <dgm:constrLst/>
+          <dgm:ruleLst/>
+        </dgm:layoutNode>
+      </dgm:forEach>
+    </dgm:forEach>
+  </dgm:layoutNode>
+  <dgm:extLst>
+    <a:ext uri="{68A01E43-0DF5-4B5B-8FA6-DAF915123BFB}">
+      <dgm1612:lstStyle xmlns:dgm1612="http://schemas.microsoft.com/office/drawing/2016/12/diagram">
+        <a:lvl1pPr>
+          <a:lnSpc>
+            <a:spcPct val="100000"/>
+          </a:lnSpc>
+        </a:lvl1pPr>
+        <a:lvl2pPr>
+          <a:lnSpc>
+            <a:spcPct val="100000"/>
+          </a:lnSpc>
+        </a:lvl2pPr>
+      </dgm1612:lstStyle>
+    </a:ext>
+  </dgm:extLst>
+</dgm:layoutDef>
+</file>
+
 <file path=ppt/diagrams/quickStyle1.xml><?xml version="1.0" encoding="utf-8"?>
 <dgm:styleDef xmlns:dgm="http://schemas.openxmlformats.org/drawingml/2006/diagram" xmlns:a="http://schemas.openxmlformats.org/drawingml/2006/main" uniqueId="urn:microsoft.com/office/officeart/2005/8/quickstyle/simple1">
   <dgm:title val=""/>
@@ -24333,6 +26611,1040 @@
 </file>
 
 <file path=ppt/diagrams/quickStyle8.xml><?xml version="1.0" encoding="utf-8"?>
+<dgm:styleDef xmlns:dgm="http://schemas.openxmlformats.org/drawingml/2006/diagram" xmlns:a="http://schemas.openxmlformats.org/drawingml/2006/main" uniqueId="urn:microsoft.com/office/officeart/2005/8/quickstyle/simple1">
+  <dgm:title val=""/>
+  <dgm:desc val=""/>
+  <dgm:catLst>
+    <dgm:cat type="simple" pri="10100"/>
+  </dgm:catLst>
+  <dgm:scene3d>
+    <a:camera prst="orthographicFront"/>
+    <a:lightRig rig="threePt" dir="t"/>
+  </dgm:scene3d>
+  <dgm:styleLbl name="node0">
+    <dgm:scene3d>
+      <a:camera prst="orthographicFront"/>
+      <a:lightRig rig="threePt" dir="t"/>
+    </dgm:scene3d>
+    <dgm:sp3d/>
+    <dgm:txPr/>
+    <dgm:style>
+      <a:lnRef idx="2">
+        <a:scrgbClr r="0" g="0" b="0"/>
+      </a:lnRef>
+      <a:fillRef idx="1">
+        <a:scrgbClr r="0" g="0" b="0"/>
+      </a:fillRef>
+      <a:effectRef idx="0">
+        <a:scrgbClr r="0" g="0" b="0"/>
+      </a:effectRef>
+      <a:fontRef idx="minor">
+        <a:schemeClr val="lt1"/>
+      </a:fontRef>
+    </dgm:style>
+  </dgm:styleLbl>
+  <dgm:styleLbl name="lnNode1">
+    <dgm:scene3d>
+      <a:camera prst="orthographicFront"/>
+      <a:lightRig rig="threePt" dir="t"/>
+    </dgm:scene3d>
+    <dgm:sp3d/>
+    <dgm:txPr/>
+    <dgm:style>
+      <a:lnRef idx="2">
+        <a:scrgbClr r="0" g="0" b="0"/>
+      </a:lnRef>
+      <a:fillRef idx="1">
+        <a:scrgbClr r="0" g="0" b="0"/>
+      </a:fillRef>
+      <a:effectRef idx="0">
+        <a:scrgbClr r="0" g="0" b="0"/>
+      </a:effectRef>
+      <a:fontRef idx="minor">
+        <a:schemeClr val="lt1"/>
+      </a:fontRef>
+    </dgm:style>
+  </dgm:styleLbl>
+  <dgm:styleLbl name="vennNode1">
+    <dgm:scene3d>
+      <a:camera prst="orthographicFront"/>
+      <a:lightRig rig="threePt" dir="t"/>
+    </dgm:scene3d>
+    <dgm:sp3d/>
+    <dgm:txPr/>
+    <dgm:style>
+      <a:lnRef idx="2">
+        <a:scrgbClr r="0" g="0" b="0"/>
+      </a:lnRef>
+      <a:fillRef idx="1">
+        <a:scrgbClr r="0" g="0" b="0"/>
+      </a:fillRef>
+      <a:effectRef idx="0">
+        <a:scrgbClr r="0" g="0" b="0"/>
+      </a:effectRef>
+      <a:fontRef idx="minor">
+        <a:schemeClr val="tx1"/>
+      </a:fontRef>
+    </dgm:style>
+  </dgm:styleLbl>
+  <dgm:styleLbl name="alignNode1">
+    <dgm:scene3d>
+      <a:camera prst="orthographicFront"/>
+      <a:lightRig rig="threePt" dir="t"/>
+    </dgm:scene3d>
+    <dgm:sp3d/>
+    <dgm:txPr/>
+    <dgm:style>
+      <a:lnRef idx="2">
+        <a:scrgbClr r="0" g="0" b="0"/>
+      </a:lnRef>
+      <a:fillRef idx="1">
+        <a:scrgbClr r="0" g="0" b="0"/>
+      </a:fillRef>
+      <a:effectRef idx="0">
+        <a:scrgbClr r="0" g="0" b="0"/>
+      </a:effectRef>
+      <a:fontRef idx="minor">
+        <a:schemeClr val="lt1"/>
+      </a:fontRef>
+    </dgm:style>
+  </dgm:styleLbl>
+  <dgm:styleLbl name="node1">
+    <dgm:scene3d>
+      <a:camera prst="orthographicFront"/>
+      <a:lightRig rig="threePt" dir="t"/>
+    </dgm:scene3d>
+    <dgm:sp3d/>
+    <dgm:txPr/>
+    <dgm:style>
+      <a:lnRef idx="2">
+        <a:scrgbClr r="0" g="0" b="0"/>
+      </a:lnRef>
+      <a:fillRef idx="1">
+        <a:scrgbClr r="0" g="0" b="0"/>
+      </a:fillRef>
+      <a:effectRef idx="0">
+        <a:scrgbClr r="0" g="0" b="0"/>
+      </a:effectRef>
+      <a:fontRef idx="minor">
+        <a:schemeClr val="lt1"/>
+      </a:fontRef>
+    </dgm:style>
+  </dgm:styleLbl>
+  <dgm:styleLbl name="node2">
+    <dgm:scene3d>
+      <a:camera prst="orthographicFront"/>
+      <a:lightRig rig="threePt" dir="t"/>
+    </dgm:scene3d>
+    <dgm:sp3d/>
+    <dgm:txPr/>
+    <dgm:style>
+      <a:lnRef idx="2">
+        <a:scrgbClr r="0" g="0" b="0"/>
+      </a:lnRef>
+      <a:fillRef idx="1">
+        <a:scrgbClr r="0" g="0" b="0"/>
+      </a:fillRef>
+      <a:effectRef idx="0">
+        <a:scrgbClr r="0" g="0" b="0"/>
+      </a:effectRef>
+      <a:fontRef idx="minor">
+        <a:schemeClr val="lt1"/>
+      </a:fontRef>
+    </dgm:style>
+  </dgm:styleLbl>
+  <dgm:styleLbl name="node3">
+    <dgm:scene3d>
+      <a:camera prst="orthographicFront"/>
+      <a:lightRig rig="threePt" dir="t"/>
+    </dgm:scene3d>
+    <dgm:sp3d/>
+    <dgm:txPr/>
+    <dgm:style>
+      <a:lnRef idx="2">
+        <a:scrgbClr r="0" g="0" b="0"/>
+      </a:lnRef>
+      <a:fillRef idx="1">
+        <a:scrgbClr r="0" g="0" b="0"/>
+      </a:fillRef>
+      <a:effectRef idx="0">
+        <a:scrgbClr r="0" g="0" b="0"/>
+      </a:effectRef>
+      <a:fontRef idx="minor">
+        <a:schemeClr val="lt1"/>
+      </a:fontRef>
+    </dgm:style>
+  </dgm:styleLbl>
+  <dgm:styleLbl name="node4">
+    <dgm:scene3d>
+      <a:camera prst="orthographicFront"/>
+      <a:lightRig rig="threePt" dir="t"/>
+    </dgm:scene3d>
+    <dgm:sp3d/>
+    <dgm:txPr/>
+    <dgm:style>
+      <a:lnRef idx="2">
+        <a:scrgbClr r="0" g="0" b="0"/>
+      </a:lnRef>
+      <a:fillRef idx="1">
+        <a:scrgbClr r="0" g="0" b="0"/>
+      </a:fillRef>
+      <a:effectRef idx="0">
+        <a:scrgbClr r="0" g="0" b="0"/>
+      </a:effectRef>
+      <a:fontRef idx="minor">
+        <a:schemeClr val="lt1"/>
+      </a:fontRef>
+    </dgm:style>
+  </dgm:styleLbl>
+  <dgm:styleLbl name="fgImgPlace1">
+    <dgm:scene3d>
+      <a:camera prst="orthographicFront"/>
+      <a:lightRig rig="threePt" dir="t"/>
+    </dgm:scene3d>
+    <dgm:sp3d/>
+    <dgm:txPr/>
+    <dgm:style>
+      <a:lnRef idx="2">
+        <a:scrgbClr r="0" g="0" b="0"/>
+      </a:lnRef>
+      <a:fillRef idx="1">
+        <a:scrgbClr r="0" g="0" b="0"/>
+      </a:fillRef>
+      <a:effectRef idx="0">
+        <a:scrgbClr r="0" g="0" b="0"/>
+      </a:effectRef>
+      <a:fontRef idx="minor"/>
+    </dgm:style>
+  </dgm:styleLbl>
+  <dgm:styleLbl name="alignImgPlace1">
+    <dgm:scene3d>
+      <a:camera prst="orthographicFront"/>
+      <a:lightRig rig="threePt" dir="t"/>
+    </dgm:scene3d>
+    <dgm:sp3d/>
+    <dgm:txPr/>
+    <dgm:style>
+      <a:lnRef idx="2">
+        <a:scrgbClr r="0" g="0" b="0"/>
+      </a:lnRef>
+      <a:fillRef idx="1">
+        <a:scrgbClr r="0" g="0" b="0"/>
+      </a:fillRef>
+      <a:effectRef idx="0">
+        <a:scrgbClr r="0" g="0" b="0"/>
+      </a:effectRef>
+      <a:fontRef idx="minor"/>
+    </dgm:style>
+  </dgm:styleLbl>
+  <dgm:styleLbl name="bgImgPlace1">
+    <dgm:scene3d>
+      <a:camera prst="orthographicFront"/>
+      <a:lightRig rig="threePt" dir="t"/>
+    </dgm:scene3d>
+    <dgm:sp3d/>
+    <dgm:txPr/>
+    <dgm:style>
+      <a:lnRef idx="2">
+        <a:scrgbClr r="0" g="0" b="0"/>
+      </a:lnRef>
+      <a:fillRef idx="1">
+        <a:scrgbClr r="0" g="0" b="0"/>
+      </a:fillRef>
+      <a:effectRef idx="0">
+        <a:scrgbClr r="0" g="0" b="0"/>
+      </a:effectRef>
+      <a:fontRef idx="minor"/>
+    </dgm:style>
+  </dgm:styleLbl>
+  <dgm:styleLbl name="sibTrans2D1">
+    <dgm:scene3d>
+      <a:camera prst="orthographicFront"/>
+      <a:lightRig rig="threePt" dir="t"/>
+    </dgm:scene3d>
+    <dgm:sp3d/>
+    <dgm:txPr/>
+    <dgm:style>
+      <a:lnRef idx="0">
+        <a:scrgbClr r="0" g="0" b="0"/>
+      </a:lnRef>
+      <a:fillRef idx="1">
+        <a:scrgbClr r="0" g="0" b="0"/>
+      </a:fillRef>
+      <a:effectRef idx="0">
+        <a:scrgbClr r="0" g="0" b="0"/>
+      </a:effectRef>
+      <a:fontRef idx="minor">
+        <a:schemeClr val="lt1"/>
+      </a:fontRef>
+    </dgm:style>
+  </dgm:styleLbl>
+  <dgm:styleLbl name="fgSibTrans2D1">
+    <dgm:scene3d>
+      <a:camera prst="orthographicFront"/>
+      <a:lightRig rig="threePt" dir="t"/>
+    </dgm:scene3d>
+    <dgm:sp3d/>
+    <dgm:txPr/>
+    <dgm:style>
+      <a:lnRef idx="0">
+        <a:scrgbClr r="0" g="0" b="0"/>
+      </a:lnRef>
+      <a:fillRef idx="1">
+        <a:scrgbClr r="0" g="0" b="0"/>
+      </a:fillRef>
+      <a:effectRef idx="0">
+        <a:scrgbClr r="0" g="0" b="0"/>
+      </a:effectRef>
+      <a:fontRef idx="minor">
+        <a:schemeClr val="lt1"/>
+      </a:fontRef>
+    </dgm:style>
+  </dgm:styleLbl>
+  <dgm:styleLbl name="bgSibTrans2D1">
+    <dgm:scene3d>
+      <a:camera prst="orthographicFront"/>
+      <a:lightRig rig="threePt" dir="t"/>
+    </dgm:scene3d>
+    <dgm:sp3d/>
+    <dgm:txPr/>
+    <dgm:style>
+      <a:lnRef idx="0">
+        <a:scrgbClr r="0" g="0" b="0"/>
+      </a:lnRef>
+      <a:fillRef idx="1">
+        <a:scrgbClr r="0" g="0" b="0"/>
+      </a:fillRef>
+      <a:effectRef idx="0">
+        <a:scrgbClr r="0" g="0" b="0"/>
+      </a:effectRef>
+      <a:fontRef idx="minor">
+        <a:schemeClr val="lt1"/>
+      </a:fontRef>
+    </dgm:style>
+  </dgm:styleLbl>
+  <dgm:styleLbl name="sibTrans1D1">
+    <dgm:scene3d>
+      <a:camera prst="orthographicFront"/>
+      <a:lightRig rig="threePt" dir="t"/>
+    </dgm:scene3d>
+    <dgm:sp3d/>
+    <dgm:txPr/>
+    <dgm:style>
+      <a:lnRef idx="1">
+        <a:scrgbClr r="0" g="0" b="0"/>
+      </a:lnRef>
+      <a:fillRef idx="0">
+        <a:scrgbClr r="0" g="0" b="0"/>
+      </a:fillRef>
+      <a:effectRef idx="0">
+        <a:scrgbClr r="0" g="0" b="0"/>
+      </a:effectRef>
+      <a:fontRef idx="minor"/>
+    </dgm:style>
+  </dgm:styleLbl>
+  <dgm:styleLbl name="callout">
+    <dgm:scene3d>
+      <a:camera prst="orthographicFront"/>
+      <a:lightRig rig="threePt" dir="t"/>
+    </dgm:scene3d>
+    <dgm:sp3d/>
+    <dgm:txPr/>
+    <dgm:style>
+      <a:lnRef idx="2">
+        <a:scrgbClr r="0" g="0" b="0"/>
+      </a:lnRef>
+      <a:fillRef idx="1">
+        <a:scrgbClr r="0" g="0" b="0"/>
+      </a:fillRef>
+      <a:effectRef idx="0">
+        <a:scrgbClr r="0" g="0" b="0"/>
+      </a:effectRef>
+      <a:fontRef idx="minor"/>
+    </dgm:style>
+  </dgm:styleLbl>
+  <dgm:styleLbl name="asst0">
+    <dgm:scene3d>
+      <a:camera prst="orthographicFront"/>
+      <a:lightRig rig="threePt" dir="t"/>
+    </dgm:scene3d>
+    <dgm:sp3d/>
+    <dgm:txPr/>
+    <dgm:style>
+      <a:lnRef idx="2">
+        <a:scrgbClr r="0" g="0" b="0"/>
+      </a:lnRef>
+      <a:fillRef idx="1">
+        <a:scrgbClr r="0" g="0" b="0"/>
+      </a:fillRef>
+      <a:effectRef idx="0">
+        <a:scrgbClr r="0" g="0" b="0"/>
+      </a:effectRef>
+      <a:fontRef idx="minor">
+        <a:schemeClr val="lt1"/>
+      </a:fontRef>
+    </dgm:style>
+  </dgm:styleLbl>
+  <dgm:styleLbl name="asst1">
+    <dgm:scene3d>
+      <a:camera prst="orthographicFront"/>
+      <a:lightRig rig="threePt" dir="t"/>
+    </dgm:scene3d>
+    <dgm:sp3d/>
+    <dgm:txPr/>
+    <dgm:style>
+      <a:lnRef idx="2">
+        <a:scrgbClr r="0" g="0" b="0"/>
+      </a:lnRef>
+      <a:fillRef idx="1">
+        <a:scrgbClr r="0" g="0" b="0"/>
+      </a:fillRef>
+      <a:effectRef idx="0">
+        <a:scrgbClr r="0" g="0" b="0"/>
+      </a:effectRef>
+      <a:fontRef idx="minor">
+        <a:schemeClr val="lt1"/>
+      </a:fontRef>
+    </dgm:style>
+  </dgm:styleLbl>
+  <dgm:styleLbl name="asst2">
+    <dgm:scene3d>
+      <a:camera prst="orthographicFront"/>
+      <a:lightRig rig="threePt" dir="t"/>
+    </dgm:scene3d>
+    <dgm:sp3d/>
+    <dgm:txPr/>
+    <dgm:style>
+      <a:lnRef idx="2">
+        <a:scrgbClr r="0" g="0" b="0"/>
+      </a:lnRef>
+      <a:fillRef idx="1">
+        <a:scrgbClr r="0" g="0" b="0"/>
+      </a:fillRef>
+      <a:effectRef idx="0">
+        <a:scrgbClr r="0" g="0" b="0"/>
+      </a:effectRef>
+      <a:fontRef idx="minor">
+        <a:schemeClr val="lt1"/>
+      </a:fontRef>
+    </dgm:style>
+  </dgm:styleLbl>
+  <dgm:styleLbl name="asst3">
+    <dgm:scene3d>
+      <a:camera prst="orthographicFront"/>
+      <a:lightRig rig="threePt" dir="t"/>
+    </dgm:scene3d>
+    <dgm:sp3d/>
+    <dgm:txPr/>
+    <dgm:style>
+      <a:lnRef idx="2">
+        <a:scrgbClr r="0" g="0" b="0"/>
+      </a:lnRef>
+      <a:fillRef idx="1">
+        <a:scrgbClr r="0" g="0" b="0"/>
+      </a:fillRef>
+      <a:effectRef idx="0">
+        <a:scrgbClr r="0" g="0" b="0"/>
+      </a:effectRef>
+      <a:fontRef idx="minor">
+        <a:schemeClr val="lt1"/>
+      </a:fontRef>
+    </dgm:style>
+  </dgm:styleLbl>
+  <dgm:styleLbl name="asst4">
+    <dgm:scene3d>
+      <a:camera prst="orthographicFront"/>
+      <a:lightRig rig="threePt" dir="t"/>
+    </dgm:scene3d>
+    <dgm:sp3d/>
+    <dgm:txPr/>
+    <dgm:style>
+      <a:lnRef idx="2">
+        <a:scrgbClr r="0" g="0" b="0"/>
+      </a:lnRef>
+      <a:fillRef idx="1">
+        <a:scrgbClr r="0" g="0" b="0"/>
+      </a:fillRef>
+      <a:effectRef idx="0">
+        <a:scrgbClr r="0" g="0" b="0"/>
+      </a:effectRef>
+      <a:fontRef idx="minor">
+        <a:schemeClr val="lt1"/>
+      </a:fontRef>
+    </dgm:style>
+  </dgm:styleLbl>
+  <dgm:styleLbl name="parChTrans2D1">
+    <dgm:scene3d>
+      <a:camera prst="orthographicFront"/>
+      <a:lightRig rig="threePt" dir="t"/>
+    </dgm:scene3d>
+    <dgm:sp3d/>
+    <dgm:txPr/>
+    <dgm:style>
+      <a:lnRef idx="2">
+        <a:scrgbClr r="0" g="0" b="0"/>
+      </a:lnRef>
+      <a:fillRef idx="1">
+        <a:scrgbClr r="0" g="0" b="0"/>
+      </a:fillRef>
+      <a:effectRef idx="0">
+        <a:scrgbClr r="0" g="0" b="0"/>
+      </a:effectRef>
+      <a:fontRef idx="minor">
+        <a:schemeClr val="lt1"/>
+      </a:fontRef>
+    </dgm:style>
+  </dgm:styleLbl>
+  <dgm:styleLbl name="parChTrans2D2">
+    <dgm:scene3d>
+      <a:camera prst="orthographicFront"/>
+      <a:lightRig rig="threePt" dir="t"/>
+    </dgm:scene3d>
+    <dgm:sp3d/>
+    <dgm:txPr/>
+    <dgm:style>
+      <a:lnRef idx="2">
+        <a:scrgbClr r="0" g="0" b="0"/>
+      </a:lnRef>
+      <a:fillRef idx="1">
+        <a:scrgbClr r="0" g="0" b="0"/>
+      </a:fillRef>
+      <a:effectRef idx="0">
+        <a:scrgbClr r="0" g="0" b="0"/>
+      </a:effectRef>
+      <a:fontRef idx="minor">
+        <a:schemeClr val="lt1"/>
+      </a:fontRef>
+    </dgm:style>
+  </dgm:styleLbl>
+  <dgm:styleLbl name="parChTrans2D3">
+    <dgm:scene3d>
+      <a:camera prst="orthographicFront"/>
+      <a:lightRig rig="threePt" dir="t"/>
+    </dgm:scene3d>
+    <dgm:sp3d/>
+    <dgm:txPr/>
+    <dgm:style>
+      <a:lnRef idx="2">
+        <a:scrgbClr r="0" g="0" b="0"/>
+      </a:lnRef>
+      <a:fillRef idx="1">
+        <a:scrgbClr r="0" g="0" b="0"/>
+      </a:fillRef>
+      <a:effectRef idx="0">
+        <a:scrgbClr r="0" g="0" b="0"/>
+      </a:effectRef>
+      <a:fontRef idx="minor">
+        <a:schemeClr val="lt1"/>
+      </a:fontRef>
+    </dgm:style>
+  </dgm:styleLbl>
+  <dgm:styleLbl name="parChTrans2D4">
+    <dgm:scene3d>
+      <a:camera prst="orthographicFront"/>
+      <a:lightRig rig="threePt" dir="t"/>
+    </dgm:scene3d>
+    <dgm:sp3d/>
+    <dgm:txPr/>
+    <dgm:style>
+      <a:lnRef idx="2">
+        <a:scrgbClr r="0" g="0" b="0"/>
+      </a:lnRef>
+      <a:fillRef idx="1">
+        <a:scrgbClr r="0" g="0" b="0"/>
+      </a:fillRef>
+      <a:effectRef idx="0">
+        <a:scrgbClr r="0" g="0" b="0"/>
+      </a:effectRef>
+      <a:fontRef idx="minor">
+        <a:schemeClr val="lt1"/>
+      </a:fontRef>
+    </dgm:style>
+  </dgm:styleLbl>
+  <dgm:styleLbl name="parChTrans1D1">
+    <dgm:scene3d>
+      <a:camera prst="orthographicFront"/>
+      <a:lightRig rig="threePt" dir="t"/>
+    </dgm:scene3d>
+    <dgm:sp3d/>
+    <dgm:txPr/>
+    <dgm:style>
+      <a:lnRef idx="2">
+        <a:scrgbClr r="0" g="0" b="0"/>
+      </a:lnRef>
+      <a:fillRef idx="0">
+        <a:scrgbClr r="0" g="0" b="0"/>
+      </a:fillRef>
+      <a:effectRef idx="0">
+        <a:scrgbClr r="0" g="0" b="0"/>
+      </a:effectRef>
+      <a:fontRef idx="minor"/>
+    </dgm:style>
+  </dgm:styleLbl>
+  <dgm:styleLbl name="parChTrans1D2">
+    <dgm:scene3d>
+      <a:camera prst="orthographicFront"/>
+      <a:lightRig rig="threePt" dir="t"/>
+    </dgm:scene3d>
+    <dgm:sp3d/>
+    <dgm:txPr/>
+    <dgm:style>
+      <a:lnRef idx="2">
+        <a:scrgbClr r="0" g="0" b="0"/>
+      </a:lnRef>
+      <a:fillRef idx="0">
+        <a:scrgbClr r="0" g="0" b="0"/>
+      </a:fillRef>
+      <a:effectRef idx="0">
+        <a:scrgbClr r="0" g="0" b="0"/>
+      </a:effectRef>
+      <a:fontRef idx="minor"/>
+    </dgm:style>
+  </dgm:styleLbl>
+  <dgm:styleLbl name="parChTrans1D3">
+    <dgm:scene3d>
+      <a:camera prst="orthographicFront"/>
+      <a:lightRig rig="threePt" dir="t"/>
+    </dgm:scene3d>
+    <dgm:sp3d/>
+    <dgm:txPr/>
+    <dgm:style>
+      <a:lnRef idx="2">
+        <a:scrgbClr r="0" g="0" b="0"/>
+      </a:lnRef>
+      <a:fillRef idx="0">
+        <a:scrgbClr r="0" g="0" b="0"/>
+      </a:fillRef>
+      <a:effectRef idx="0">
+        <a:scrgbClr r="0" g="0" b="0"/>
+      </a:effectRef>
+      <a:fontRef idx="minor"/>
+    </dgm:style>
+  </dgm:styleLbl>
+  <dgm:styleLbl name="parChTrans1D4">
+    <dgm:scene3d>
+      <a:camera prst="orthographicFront"/>
+      <a:lightRig rig="threePt" dir="t"/>
+    </dgm:scene3d>
+    <dgm:sp3d/>
+    <dgm:txPr/>
+    <dgm:style>
+      <a:lnRef idx="2">
+        <a:scrgbClr r="0" g="0" b="0"/>
+      </a:lnRef>
+      <a:fillRef idx="0">
+        <a:scrgbClr r="0" g="0" b="0"/>
+      </a:fillRef>
+      <a:effectRef idx="0">
+        <a:scrgbClr r="0" g="0" b="0"/>
+      </a:effectRef>
+      <a:fontRef idx="minor"/>
+    </dgm:style>
+  </dgm:styleLbl>
+  <dgm:styleLbl name="fgAcc1">
+    <dgm:scene3d>
+      <a:camera prst="orthographicFront"/>
+      <a:lightRig rig="threePt" dir="t"/>
+    </dgm:scene3d>
+    <dgm:sp3d/>
+    <dgm:txPr/>
+    <dgm:style>
+      <a:lnRef idx="2">
+        <a:scrgbClr r="0" g="0" b="0"/>
+      </a:lnRef>
+      <a:fillRef idx="1">
+        <a:scrgbClr r="0" g="0" b="0"/>
+      </a:fillRef>
+      <a:effectRef idx="0">
+        <a:scrgbClr r="0" g="0" b="0"/>
+      </a:effectRef>
+      <a:fontRef idx="minor"/>
+    </dgm:style>
+  </dgm:styleLbl>
+  <dgm:styleLbl name="conFgAcc1">
+    <dgm:scene3d>
+      <a:camera prst="orthographicFront"/>
+      <a:lightRig rig="threePt" dir="t"/>
+    </dgm:scene3d>
+    <dgm:sp3d/>
+    <dgm:txPr/>
+    <dgm:style>
+      <a:lnRef idx="2">
+        <a:scrgbClr r="0" g="0" b="0"/>
+      </a:lnRef>
+      <a:fillRef idx="1">
+        <a:scrgbClr r="0" g="0" b="0"/>
+      </a:fillRef>
+      <a:effectRef idx="0">
+        <a:scrgbClr r="0" g="0" b="0"/>
+      </a:effectRef>
+      <a:fontRef idx="minor"/>
+    </dgm:style>
+  </dgm:styleLbl>
+  <dgm:styleLbl name="alignAcc1">
+    <dgm:scene3d>
+      <a:camera prst="orthographicFront"/>
+      <a:lightRig rig="threePt" dir="t"/>
+    </dgm:scene3d>
+    <dgm:sp3d/>
+    <dgm:txPr/>
+    <dgm:style>
+      <a:lnRef idx="2">
+        <a:scrgbClr r="0" g="0" b="0"/>
+      </a:lnRef>
+      <a:fillRef idx="1">
+        <a:scrgbClr r="0" g="0" b="0"/>
+      </a:fillRef>
+      <a:effectRef idx="0">
+        <a:scrgbClr r="0" g="0" b="0"/>
+      </a:effectRef>
+      <a:fontRef idx="minor"/>
+    </dgm:style>
+  </dgm:styleLbl>
+  <dgm:styleLbl name="trAlignAcc1">
+    <dgm:scene3d>
+      <a:camera prst="orthographicFront"/>
+      <a:lightRig rig="threePt" dir="t"/>
+    </dgm:scene3d>
+    <dgm:sp3d/>
+    <dgm:txPr/>
+    <dgm:style>
+      <a:lnRef idx="1">
+        <a:scrgbClr r="0" g="0" b="0"/>
+      </a:lnRef>
+      <a:fillRef idx="1">
+        <a:scrgbClr r="0" g="0" b="0"/>
+      </a:fillRef>
+      <a:effectRef idx="0">
+        <a:scrgbClr r="0" g="0" b="0"/>
+      </a:effectRef>
+      <a:fontRef idx="minor"/>
+    </dgm:style>
+  </dgm:styleLbl>
+  <dgm:styleLbl name="bgAcc1">
+    <dgm:scene3d>
+      <a:camera prst="orthographicFront"/>
+      <a:lightRig rig="threePt" dir="t"/>
+    </dgm:scene3d>
+    <dgm:sp3d/>
+    <dgm:txPr/>
+    <dgm:style>
+      <a:lnRef idx="2">
+        <a:scrgbClr r="0" g="0" b="0"/>
+      </a:lnRef>
+      <a:fillRef idx="1">
+        <a:scrgbClr r="0" g="0" b="0"/>
+      </a:fillRef>
+      <a:effectRef idx="0">
+        <a:scrgbClr r="0" g="0" b="0"/>
+      </a:effectRef>
+      <a:fontRef idx="minor"/>
+    </dgm:style>
+  </dgm:styleLbl>
+  <dgm:styleLbl name="solidFgAcc1">
+    <dgm:scene3d>
+      <a:camera prst="orthographicFront"/>
+      <a:lightRig rig="threePt" dir="t"/>
+    </dgm:scene3d>
+    <dgm:sp3d/>
+    <dgm:txPr/>
+    <dgm:style>
+      <a:lnRef idx="2">
+        <a:scrgbClr r="0" g="0" b="0"/>
+      </a:lnRef>
+      <a:fillRef idx="1">
+        <a:scrgbClr r="0" g="0" b="0"/>
+      </a:fillRef>
+      <a:effectRef idx="0">
+        <a:scrgbClr r="0" g="0" b="0"/>
+      </a:effectRef>
+      <a:fontRef idx="minor"/>
+    </dgm:style>
+  </dgm:styleLbl>
+  <dgm:styleLbl name="solidAlignAcc1">
+    <dgm:scene3d>
+      <a:camera prst="orthographicFront"/>
+      <a:lightRig rig="threePt" dir="t"/>
+    </dgm:scene3d>
+    <dgm:sp3d/>
+    <dgm:txPr/>
+    <dgm:style>
+      <a:lnRef idx="2">
+        <a:scrgbClr r="0" g="0" b="0"/>
+      </a:lnRef>
+      <a:fillRef idx="1">
+        <a:scrgbClr r="0" g="0" b="0"/>
+      </a:fillRef>
+      <a:effectRef idx="0">
+        <a:scrgbClr r="0" g="0" b="0"/>
+      </a:effectRef>
+      <a:fontRef idx="minor"/>
+    </dgm:style>
+  </dgm:styleLbl>
+  <dgm:styleLbl name="solidBgAcc1">
+    <dgm:scene3d>
+      <a:camera prst="orthographicFront"/>
+      <a:lightRig rig="threePt" dir="t"/>
+    </dgm:scene3d>
+    <dgm:sp3d/>
+    <dgm:txPr/>
+    <dgm:style>
+      <a:lnRef idx="2">
+        <a:scrgbClr r="0" g="0" b="0"/>
+      </a:lnRef>
+      <a:fillRef idx="1">
+        <a:scrgbClr r="0" g="0" b="0"/>
+      </a:fillRef>
+      <a:effectRef idx="0">
+        <a:scrgbClr r="0" g="0" b="0"/>
+      </a:effectRef>
+      <a:fontRef idx="minor"/>
+    </dgm:style>
+  </dgm:styleLbl>
+  <dgm:styleLbl name="fgAccFollowNode1">
+    <dgm:scene3d>
+      <a:camera prst="orthographicFront"/>
+      <a:lightRig rig="threePt" dir="t"/>
+    </dgm:scene3d>
+    <dgm:sp3d/>
+    <dgm:txPr/>
+    <dgm:style>
+      <a:lnRef idx="2">
+        <a:scrgbClr r="0" g="0" b="0"/>
+      </a:lnRef>
+      <a:fillRef idx="1">
+        <a:scrgbClr r="0" g="0" b="0"/>
+      </a:fillRef>
+      <a:effectRef idx="0">
+        <a:scrgbClr r="0" g="0" b="0"/>
+      </a:effectRef>
+      <a:fontRef idx="minor"/>
+    </dgm:style>
+  </dgm:styleLbl>
+  <dgm:styleLbl name="alignAccFollowNode1">
+    <dgm:scene3d>
+      <a:camera prst="orthographicFront"/>
+      <a:lightRig rig="threePt" dir="t"/>
+    </dgm:scene3d>
+    <dgm:sp3d/>
+    <dgm:txPr/>
+    <dgm:style>
+      <a:lnRef idx="2">
+        <a:scrgbClr r="0" g="0" b="0"/>
+      </a:lnRef>
+      <a:fillRef idx="1">
+        <a:scrgbClr r="0" g="0" b="0"/>
+      </a:fillRef>
+      <a:effectRef idx="0">
+        <a:scrgbClr r="0" g="0" b="0"/>
+      </a:effectRef>
+      <a:fontRef idx="minor"/>
+    </dgm:style>
+  </dgm:styleLbl>
+  <dgm:styleLbl name="bgAccFollowNode1">
+    <dgm:scene3d>
+      <a:camera prst="orthographicFront"/>
+      <a:lightRig rig="threePt" dir="t"/>
+    </dgm:scene3d>
+    <dgm:sp3d/>
+    <dgm:txPr/>
+    <dgm:style>
+      <a:lnRef idx="2">
+        <a:scrgbClr r="0" g="0" b="0"/>
+      </a:lnRef>
+      <a:fillRef idx="1">
+        <a:scrgbClr r="0" g="0" b="0"/>
+      </a:fillRef>
+      <a:effectRef idx="0">
+        <a:scrgbClr r="0" g="0" b="0"/>
+      </a:effectRef>
+      <a:fontRef idx="minor"/>
+    </dgm:style>
+  </dgm:styleLbl>
+  <dgm:styleLbl name="fgAcc0">
+    <dgm:scene3d>
+      <a:camera prst="orthographicFront"/>
+      <a:lightRig rig="threePt" dir="t"/>
+    </dgm:scene3d>
+    <dgm:sp3d/>
+    <dgm:txPr/>
+    <dgm:style>
+      <a:lnRef idx="2">
+        <a:scrgbClr r="0" g="0" b="0"/>
+      </a:lnRef>
+      <a:fillRef idx="1">
+        <a:scrgbClr r="0" g="0" b="0"/>
+      </a:fillRef>
+      <a:effectRef idx="0">
+        <a:scrgbClr r="0" g="0" b="0"/>
+      </a:effectRef>
+      <a:fontRef idx="minor"/>
+    </dgm:style>
+  </dgm:styleLbl>
+  <dgm:styleLbl name="fgAcc2">
+    <dgm:scene3d>
+      <a:camera prst="orthographicFront"/>
+      <a:lightRig rig="threePt" dir="t"/>
+    </dgm:scene3d>
+    <dgm:sp3d/>
+    <dgm:txPr/>
+    <dgm:style>
+      <a:lnRef idx="2">
+        <a:scrgbClr r="0" g="0" b="0"/>
+      </a:lnRef>
+      <a:fillRef idx="1">
+        <a:scrgbClr r="0" g="0" b="0"/>
+      </a:fillRef>
+      <a:effectRef idx="0">
+        <a:scrgbClr r="0" g="0" b="0"/>
+      </a:effectRef>
+      <a:fontRef idx="minor"/>
+    </dgm:style>
+  </dgm:styleLbl>
+  <dgm:styleLbl name="fgAcc3">
+    <dgm:scene3d>
+      <a:camera prst="orthographicFront"/>
+      <a:lightRig rig="threePt" dir="t"/>
+    </dgm:scene3d>
+    <dgm:sp3d/>
+    <dgm:txPr/>
+    <dgm:style>
+      <a:lnRef idx="2">
+        <a:scrgbClr r="0" g="0" b="0"/>
+      </a:lnRef>
+      <a:fillRef idx="1">
+        <a:scrgbClr r="0" g="0" b="0"/>
+      </a:fillRef>
+      <a:effectRef idx="0">
+        <a:scrgbClr r="0" g="0" b="0"/>
+      </a:effectRef>
+      <a:fontRef idx="minor"/>
+    </dgm:style>
+  </dgm:styleLbl>
+  <dgm:styleLbl name="fgAcc4">
+    <dgm:scene3d>
+      <a:camera prst="orthographicFront"/>
+      <a:lightRig rig="threePt" dir="t"/>
+    </dgm:scene3d>
+    <dgm:sp3d/>
+    <dgm:txPr/>
+    <dgm:style>
+      <a:lnRef idx="2">
+        <a:scrgbClr r="0" g="0" b="0"/>
+      </a:lnRef>
+      <a:fillRef idx="1">
+        <a:scrgbClr r="0" g="0" b="0"/>
+      </a:fillRef>
+      <a:effectRef idx="0">
+        <a:scrgbClr r="0" g="0" b="0"/>
+      </a:effectRef>
+      <a:fontRef idx="minor"/>
+    </dgm:style>
+  </dgm:styleLbl>
+  <dgm:styleLbl name="bgShp">
+    <dgm:scene3d>
+      <a:camera prst="orthographicFront"/>
+      <a:lightRig rig="threePt" dir="t"/>
+    </dgm:scene3d>
+    <dgm:sp3d/>
+    <dgm:txPr/>
+    <dgm:style>
+      <a:lnRef idx="0">
+        <a:scrgbClr r="0" g="0" b="0"/>
+      </a:lnRef>
+      <a:fillRef idx="1">
+        <a:scrgbClr r="0" g="0" b="0"/>
+      </a:fillRef>
+      <a:effectRef idx="0">
+        <a:scrgbClr r="0" g="0" b="0"/>
+      </a:effectRef>
+      <a:fontRef idx="minor"/>
+    </dgm:style>
+  </dgm:styleLbl>
+  <dgm:styleLbl name="dkBgShp">
+    <dgm:scene3d>
+      <a:camera prst="orthographicFront"/>
+      <a:lightRig rig="threePt" dir="t"/>
+    </dgm:scene3d>
+    <dgm:sp3d/>
+    <dgm:txPr/>
+    <dgm:style>
+      <a:lnRef idx="0">
+        <a:scrgbClr r="0" g="0" b="0"/>
+      </a:lnRef>
+      <a:fillRef idx="1">
+        <a:scrgbClr r="0" g="0" b="0"/>
+      </a:fillRef>
+      <a:effectRef idx="0">
+        <a:scrgbClr r="0" g="0" b="0"/>
+      </a:effectRef>
+      <a:fontRef idx="minor"/>
+    </dgm:style>
+  </dgm:styleLbl>
+  <dgm:styleLbl name="trBgShp">
+    <dgm:scene3d>
+      <a:camera prst="orthographicFront"/>
+      <a:lightRig rig="threePt" dir="t"/>
+    </dgm:scene3d>
+    <dgm:sp3d/>
+    <dgm:txPr/>
+    <dgm:style>
+      <a:lnRef idx="0">
+        <a:scrgbClr r="0" g="0" b="0"/>
+      </a:lnRef>
+      <a:fillRef idx="1">
+        <a:scrgbClr r="0" g="0" b="0"/>
+      </a:fillRef>
+      <a:effectRef idx="0">
+        <a:scrgbClr r="0" g="0" b="0"/>
+      </a:effectRef>
+      <a:fontRef idx="minor"/>
+    </dgm:style>
+  </dgm:styleLbl>
+  <dgm:styleLbl name="fgShp">
+    <dgm:scene3d>
+      <a:camera prst="orthographicFront"/>
+      <a:lightRig rig="threePt" dir="t"/>
+    </dgm:scene3d>
+    <dgm:sp3d/>
+    <dgm:txPr/>
+    <dgm:style>
+      <a:lnRef idx="2">
+        <a:scrgbClr r="0" g="0" b="0"/>
+      </a:lnRef>
+      <a:fillRef idx="1">
+        <a:scrgbClr r="0" g="0" b="0"/>
+      </a:fillRef>
+      <a:effectRef idx="0">
+        <a:scrgbClr r="0" g="0" b="0"/>
+      </a:effectRef>
+      <a:fontRef idx="minor"/>
+    </dgm:style>
+  </dgm:styleLbl>
+  <dgm:styleLbl name="revTx">
+    <dgm:scene3d>
+      <a:camera prst="orthographicFront"/>
+      <a:lightRig rig="threePt" dir="t"/>
+    </dgm:scene3d>
+    <dgm:sp3d/>
+    <dgm:txPr/>
+    <dgm:style>
+      <a:lnRef idx="0">
+        <a:scrgbClr r="0" g="0" b="0"/>
+      </a:lnRef>
+      <a:fillRef idx="0">
+        <a:scrgbClr r="0" g="0" b="0"/>
+      </a:fillRef>
+      <a:effectRef idx="0">
+        <a:scrgbClr r="0" g="0" b="0"/>
+      </a:effectRef>
+      <a:fontRef idx="minor"/>
+    </dgm:style>
+  </dgm:styleLbl>
+</dgm:styleDef>
+</file>
+
+<file path=ppt/diagrams/quickStyle9.xml><?xml version="1.0" encoding="utf-8"?>
 <dgm:styleDef xmlns:dgm="http://schemas.openxmlformats.org/drawingml/2006/diagram" xmlns:a="http://schemas.openxmlformats.org/drawingml/2006/main" uniqueId="urn:microsoft.com/office/officeart/2005/8/quickstyle/simple1">
   <dgm:title val=""/>
   <dgm:desc val=""/>
@@ -25522,7 +28834,7 @@
           <a:p>
             <a:fld id="{02AC24A9-CCB6-4F8D-B8DB-C2F3692CFA5A}" type="datetimeFigureOut">
               <a:rPr lang="en-US" smtClean="0"/>
-              <a:t>8/26/2022</a:t>
+              <a:t>8/28/2022</a:t>
             </a:fld>
             <a:endParaRPr lang="en-US" dirty="0"/>
           </a:p>
@@ -25763,6 +29075,18 @@
   <p:clrMapOvr>
     <a:masterClrMapping/>
   </p:clrMapOvr>
+  <mc:AlternateContent xmlns:mc="http://schemas.openxmlformats.org/markup-compatibility/2006" xmlns:p14="http://schemas.microsoft.com/office/powerpoint/2010/main">
+    <mc:Choice Requires="p14">
+      <p:transition spd="med" p14:dur="700">
+        <p:fade/>
+      </p:transition>
+    </mc:Choice>
+    <mc:Fallback xmlns="">
+      <p:transition spd="med">
+        <p:fade/>
+      </p:transition>
+    </mc:Fallback>
+  </mc:AlternateContent>
 </p:sldLayout>
 </file>
 
@@ -25892,7 +29216,7 @@
           <a:p>
             <a:fld id="{02AC24A9-CCB6-4F8D-B8DB-C2F3692CFA5A}" type="datetimeFigureOut">
               <a:rPr lang="en-US" smtClean="0"/>
-              <a:t>8/26/2022</a:t>
+              <a:t>8/28/2022</a:t>
             </a:fld>
             <a:endParaRPr lang="en-US"/>
           </a:p>
@@ -25962,6 +29286,18 @@
   <p:clrMapOvr>
     <a:masterClrMapping/>
   </p:clrMapOvr>
+  <mc:AlternateContent xmlns:mc="http://schemas.openxmlformats.org/markup-compatibility/2006" xmlns:p14="http://schemas.microsoft.com/office/powerpoint/2010/main">
+    <mc:Choice Requires="p14">
+      <p:transition spd="med" p14:dur="700">
+        <p:fade/>
+      </p:transition>
+    </mc:Choice>
+    <mc:Fallback xmlns="">
+      <p:transition spd="med">
+        <p:fade/>
+      </p:transition>
+    </mc:Fallback>
+  </mc:AlternateContent>
 </p:sldLayout>
 </file>
 
@@ -26101,7 +29437,7 @@
           <a:p>
             <a:fld id="{02AC24A9-CCB6-4F8D-B8DB-C2F3692CFA5A}" type="datetimeFigureOut">
               <a:rPr lang="en-US" smtClean="0"/>
-              <a:t>8/26/2022</a:t>
+              <a:t>8/28/2022</a:t>
             </a:fld>
             <a:endParaRPr lang="en-US"/>
           </a:p>
@@ -26171,6 +29507,18 @@
   <p:clrMapOvr>
     <a:masterClrMapping/>
   </p:clrMapOvr>
+  <mc:AlternateContent xmlns:mc="http://schemas.openxmlformats.org/markup-compatibility/2006" xmlns:p14="http://schemas.microsoft.com/office/powerpoint/2010/main">
+    <mc:Choice Requires="p14">
+      <p:transition spd="med" p14:dur="700">
+        <p:fade/>
+      </p:transition>
+    </mc:Choice>
+    <mc:Fallback xmlns="">
+      <p:transition spd="med">
+        <p:fade/>
+      </p:transition>
+    </mc:Fallback>
+  </mc:AlternateContent>
 </p:sldLayout>
 </file>
 
@@ -26571,7 +29919,7 @@
           <a:p>
             <a:fld id="{02AC24A9-CCB6-4F8D-B8DB-C2F3692CFA5A}" type="datetimeFigureOut">
               <a:rPr lang="en-US" smtClean="0"/>
-              <a:t>8/26/2022</a:t>
+              <a:t>8/28/2022</a:t>
             </a:fld>
             <a:endParaRPr lang="en-US"/>
           </a:p>
@@ -26646,6 +29994,18 @@
   <p:clrMapOvr>
     <a:masterClrMapping/>
   </p:clrMapOvr>
+  <mc:AlternateContent xmlns:mc="http://schemas.openxmlformats.org/markup-compatibility/2006" xmlns:p14="http://schemas.microsoft.com/office/powerpoint/2010/main">
+    <mc:Choice Requires="p14">
+      <p:transition spd="med" p14:dur="700">
+        <p:fade/>
+      </p:transition>
+    </mc:Choice>
+    <mc:Fallback xmlns="">
+      <p:transition spd="med">
+        <p:fade/>
+      </p:transition>
+    </mc:Fallback>
+  </mc:AlternateContent>
 </p:sldLayout>
 </file>
 
@@ -27025,7 +30385,7 @@
           <a:p>
             <a:fld id="{02AC24A9-CCB6-4F8D-B8DB-C2F3692CFA5A}" type="datetimeFigureOut">
               <a:rPr lang="en-US" smtClean="0"/>
-              <a:t>8/26/2022</a:t>
+              <a:t>8/28/2022</a:t>
             </a:fld>
             <a:endParaRPr lang="en-US"/>
           </a:p>
@@ -27095,6 +30455,18 @@
   <p:clrMapOvr>
     <a:masterClrMapping/>
   </p:clrMapOvr>
+  <mc:AlternateContent xmlns:mc="http://schemas.openxmlformats.org/markup-compatibility/2006" xmlns:p14="http://schemas.microsoft.com/office/powerpoint/2010/main">
+    <mc:Choice Requires="p14">
+      <p:transition spd="med" p14:dur="700">
+        <p:fade/>
+      </p:transition>
+    </mc:Choice>
+    <mc:Fallback xmlns="">
+      <p:transition spd="med">
+        <p:fade/>
+      </p:transition>
+    </mc:Fallback>
+  </mc:AlternateContent>
 </p:sldLayout>
 </file>
 
@@ -27557,7 +30929,7 @@
           <a:p>
             <a:fld id="{02AC24A9-CCB6-4F8D-B8DB-C2F3692CFA5A}" type="datetimeFigureOut">
               <a:rPr lang="en-US" smtClean="0"/>
-              <a:t>8/26/2022</a:t>
+              <a:t>8/28/2022</a:t>
             </a:fld>
             <a:endParaRPr lang="en-US"/>
           </a:p>
@@ -27632,6 +31004,18 @@
   <p:clrMapOvr>
     <a:masterClrMapping/>
   </p:clrMapOvr>
+  <mc:AlternateContent xmlns:mc="http://schemas.openxmlformats.org/markup-compatibility/2006" xmlns:p14="http://schemas.microsoft.com/office/powerpoint/2010/main">
+    <mc:Choice Requires="p14">
+      <p:transition spd="med" p14:dur="700">
+        <p:fade/>
+      </p:transition>
+    </mc:Choice>
+    <mc:Fallback xmlns="">
+      <p:transition spd="med">
+        <p:fade/>
+      </p:transition>
+    </mc:Fallback>
+  </mc:AlternateContent>
 </p:sldLayout>
 </file>
 
@@ -28256,7 +31640,7 @@
           <a:p>
             <a:fld id="{02AC24A9-CCB6-4F8D-B8DB-C2F3692CFA5A}" type="datetimeFigureOut">
               <a:rPr lang="en-US" smtClean="0"/>
-              <a:t>8/26/2022</a:t>
+              <a:t>8/28/2022</a:t>
             </a:fld>
             <a:endParaRPr lang="en-US"/>
           </a:p>
@@ -28331,6 +31715,18 @@
   <p:clrMapOvr>
     <a:masterClrMapping/>
   </p:clrMapOvr>
+  <mc:AlternateContent xmlns:mc="http://schemas.openxmlformats.org/markup-compatibility/2006" xmlns:p14="http://schemas.microsoft.com/office/powerpoint/2010/main">
+    <mc:Choice Requires="p14">
+      <p:transition spd="med" p14:dur="700">
+        <p:fade/>
+      </p:transition>
+    </mc:Choice>
+    <mc:Fallback xmlns="">
+      <p:transition spd="med">
+        <p:fade/>
+      </p:transition>
+    </mc:Fallback>
+  </mc:AlternateContent>
 </p:sldLayout>
 </file>
 
@@ -28585,7 +31981,7 @@
           <a:p>
             <a:fld id="{02AC24A9-CCB6-4F8D-B8DB-C2F3692CFA5A}" type="datetimeFigureOut">
               <a:rPr lang="en-US" smtClean="0"/>
-              <a:t>8/26/2022</a:t>
+              <a:t>8/28/2022</a:t>
             </a:fld>
             <a:endParaRPr lang="en-US"/>
           </a:p>
@@ -28655,6 +32051,18 @@
   <p:clrMapOvr>
     <a:masterClrMapping/>
   </p:clrMapOvr>
+  <mc:AlternateContent xmlns:mc="http://schemas.openxmlformats.org/markup-compatibility/2006" xmlns:p14="http://schemas.microsoft.com/office/powerpoint/2010/main">
+    <mc:Choice Requires="p14">
+      <p:transition spd="med" p14:dur="700">
+        <p:fade/>
+      </p:transition>
+    </mc:Choice>
+    <mc:Fallback xmlns="">
+      <p:transition spd="med">
+        <p:fade/>
+      </p:transition>
+    </mc:Fallback>
+  </mc:AlternateContent>
 </p:sldLayout>
 </file>
 
@@ -28698,7 +32106,7 @@
           <a:p>
             <a:fld id="{02AC24A9-CCB6-4F8D-B8DB-C2F3692CFA5A}" type="datetimeFigureOut">
               <a:rPr lang="en-US" smtClean="0"/>
-              <a:t>8/26/2022</a:t>
+              <a:t>8/28/2022</a:t>
             </a:fld>
             <a:endParaRPr lang="en-US"/>
           </a:p>
@@ -28768,6 +32176,18 @@
   <p:clrMapOvr>
     <a:masterClrMapping/>
   </p:clrMapOvr>
+  <mc:AlternateContent xmlns:mc="http://schemas.openxmlformats.org/markup-compatibility/2006" xmlns:p14="http://schemas.microsoft.com/office/powerpoint/2010/main">
+    <mc:Choice Requires="p14">
+      <p:transition spd="med" p14:dur="700">
+        <p:fade/>
+      </p:transition>
+    </mc:Choice>
+    <mc:Fallback xmlns="">
+      <p:transition spd="med">
+        <p:fade/>
+      </p:transition>
+    </mc:Fallback>
+  </mc:AlternateContent>
 </p:sldLayout>
 </file>
 
@@ -29193,7 +32613,7 @@
           <a:p>
             <a:fld id="{02AC24A9-CCB6-4F8D-B8DB-C2F3692CFA5A}" type="datetimeFigureOut">
               <a:rPr lang="en-US" smtClean="0"/>
-              <a:t>8/26/2022</a:t>
+              <a:t>8/28/2022</a:t>
             </a:fld>
             <a:endParaRPr lang="en-US" dirty="0"/>
           </a:p>
@@ -29263,6 +32683,18 @@
   <p:clrMapOvr>
     <a:masterClrMapping/>
   </p:clrMapOvr>
+  <mc:AlternateContent xmlns:mc="http://schemas.openxmlformats.org/markup-compatibility/2006" xmlns:p14="http://schemas.microsoft.com/office/powerpoint/2010/main">
+    <mc:Choice Requires="p14">
+      <p:transition spd="med" p14:dur="700">
+        <p:fade/>
+      </p:transition>
+    </mc:Choice>
+    <mc:Fallback xmlns="">
+      <p:transition spd="med">
+        <p:fade/>
+      </p:transition>
+    </mc:Fallback>
+  </mc:AlternateContent>
 </p:sldLayout>
 </file>
 
@@ -29670,7 +33102,7 @@
           <a:p>
             <a:fld id="{02AC24A9-CCB6-4F8D-B8DB-C2F3692CFA5A}" type="datetimeFigureOut">
               <a:rPr lang="en-US" smtClean="0"/>
-              <a:t>8/26/2022</a:t>
+              <a:t>8/28/2022</a:t>
             </a:fld>
             <a:endParaRPr lang="en-US"/>
           </a:p>
@@ -29740,6 +33172,18 @@
   <p:clrMapOvr>
     <a:masterClrMapping/>
   </p:clrMapOvr>
+  <mc:AlternateContent xmlns:mc="http://schemas.openxmlformats.org/markup-compatibility/2006" xmlns:p14="http://schemas.microsoft.com/office/powerpoint/2010/main">
+    <mc:Choice Requires="p14">
+      <p:transition spd="med" p14:dur="700">
+        <p:fade/>
+      </p:transition>
+    </mc:Choice>
+    <mc:Fallback xmlns="">
+      <p:transition spd="med">
+        <p:fade/>
+      </p:transition>
+    </mc:Fallback>
+  </mc:AlternateContent>
 </p:sldLayout>
 </file>
 
@@ -29913,7 +33357,7 @@
           <a:p>
             <a:fld id="{02AC24A9-CCB6-4F8D-B8DB-C2F3692CFA5A}" type="datetimeFigureOut">
               <a:rPr lang="en-US" smtClean="0"/>
-              <a:t>8/26/2022</a:t>
+              <a:t>8/28/2022</a:t>
             </a:fld>
             <a:endParaRPr lang="en-US"/>
           </a:p>
@@ -30030,6 +33474,18 @@
     <p:sldLayoutId id="2147483678" r:id="rId10"/>
     <p:sldLayoutId id="2147483680" r:id="rId11"/>
   </p:sldLayoutIdLst>
+  <mc:AlternateContent xmlns:mc="http://schemas.openxmlformats.org/markup-compatibility/2006" xmlns:p14="http://schemas.microsoft.com/office/powerpoint/2010/main">
+    <mc:Choice Requires="p14">
+      <p:transition spd="med" p14:dur="700">
+        <p:fade/>
+      </p:transition>
+    </mc:Choice>
+    <mc:Fallback xmlns="">
+      <p:transition spd="med">
+        <p:fade/>
+      </p:transition>
+    </mc:Fallback>
+  </mc:AlternateContent>
   <p:txStyles>
     <p:titleStyle>
       <a:lvl1pPr algn="l" defTabSz="914400" rtl="0" eaLnBrk="1" latinLnBrk="0" hangingPunct="1">
@@ -30773,6 +34229,18 @@
   <p:clrMapOvr>
     <a:overrideClrMapping bg1="dk1" tx1="lt1" bg2="dk2" tx2="lt2" accent1="accent1" accent2="accent2" accent3="accent3" accent4="accent4" accent5="accent5" accent6="accent6" hlink="hlink" folHlink="folHlink"/>
   </p:clrMapOvr>
+  <mc:AlternateContent xmlns:mc="http://schemas.openxmlformats.org/markup-compatibility/2006" xmlns:p14="http://schemas.microsoft.com/office/powerpoint/2010/main">
+    <mc:Choice Requires="p14">
+      <p:transition spd="med" p14:dur="700">
+        <p:fade/>
+      </p:transition>
+    </mc:Choice>
+    <mc:Fallback xmlns="">
+      <p:transition spd="med">
+        <p:fade/>
+      </p:transition>
+    </mc:Fallback>
+  </mc:AlternateContent>
 </p:sld>
 </file>
 
@@ -31125,6 +34593,18 @@
   <p:clrMapOvr>
     <a:masterClrMapping/>
   </p:clrMapOvr>
+  <mc:AlternateContent xmlns:mc="http://schemas.openxmlformats.org/markup-compatibility/2006" xmlns:p14="http://schemas.microsoft.com/office/powerpoint/2010/main">
+    <mc:Choice Requires="p14">
+      <p:transition spd="med" p14:dur="700">
+        <p:fade/>
+      </p:transition>
+    </mc:Choice>
+    <mc:Fallback xmlns="">
+      <p:transition spd="med">
+        <p:fade/>
+      </p:transition>
+    </mc:Fallback>
+  </mc:AlternateContent>
 </p:sld>
 </file>
 
@@ -31477,6 +34957,18 @@
   <p:clrMapOvr>
     <a:masterClrMapping/>
   </p:clrMapOvr>
+  <mc:AlternateContent xmlns:mc="http://schemas.openxmlformats.org/markup-compatibility/2006" xmlns:p14="http://schemas.microsoft.com/office/powerpoint/2010/main">
+    <mc:Choice Requires="p14">
+      <p:transition spd="med" p14:dur="700">
+        <p:fade/>
+      </p:transition>
+    </mc:Choice>
+    <mc:Fallback xmlns="">
+      <p:transition spd="med">
+        <p:fade/>
+      </p:transition>
+    </mc:Fallback>
+  </mc:AlternateContent>
 </p:sld>
 </file>
 
@@ -31880,6 +35372,18 @@
   <p:clrMapOvr>
     <a:masterClrMapping/>
   </p:clrMapOvr>
+  <mc:AlternateContent xmlns:mc="http://schemas.openxmlformats.org/markup-compatibility/2006" xmlns:p14="http://schemas.microsoft.com/office/powerpoint/2010/main">
+    <mc:Choice Requires="p14">
+      <p:transition spd="med" p14:dur="700">
+        <p:fade/>
+      </p:transition>
+    </mc:Choice>
+    <mc:Fallback xmlns="">
+      <p:transition spd="med">
+        <p:fade/>
+      </p:transition>
+    </mc:Fallback>
+  </mc:AlternateContent>
 </p:sld>
 </file>
 
@@ -32475,6 +35979,18 @@
   <p:clrMapOvr>
     <a:masterClrMapping/>
   </p:clrMapOvr>
+  <mc:AlternateContent xmlns:mc="http://schemas.openxmlformats.org/markup-compatibility/2006" xmlns:p14="http://schemas.microsoft.com/office/powerpoint/2010/main">
+    <mc:Choice Requires="p14">
+      <p:transition spd="med" p14:dur="700">
+        <p:fade/>
+      </p:transition>
+    </mc:Choice>
+    <mc:Fallback xmlns="">
+      <p:transition spd="med">
+        <p:fade/>
+      </p:transition>
+    </mc:Fallback>
+  </mc:AlternateContent>
 </p:sld>
 </file>
 
@@ -32872,6 +36388,18 @@
   <p:clrMapOvr>
     <a:masterClrMapping/>
   </p:clrMapOvr>
+  <mc:AlternateContent xmlns:mc="http://schemas.openxmlformats.org/markup-compatibility/2006" xmlns:p14="http://schemas.microsoft.com/office/powerpoint/2010/main">
+    <mc:Choice Requires="p14">
+      <p:transition spd="med" p14:dur="700">
+        <p:fade/>
+      </p:transition>
+    </mc:Choice>
+    <mc:Fallback xmlns="">
+      <p:transition spd="med">
+        <p:fade/>
+      </p:transition>
+    </mc:Fallback>
+  </mc:AlternateContent>
 </p:sld>
 </file>
 
@@ -33345,6 +36873,18 @@
   <p:clrMapOvr>
     <a:masterClrMapping/>
   </p:clrMapOvr>
+  <mc:AlternateContent xmlns:mc="http://schemas.openxmlformats.org/markup-compatibility/2006" xmlns:p14="http://schemas.microsoft.com/office/powerpoint/2010/main">
+    <mc:Choice Requires="p14">
+      <p:transition spd="med" p14:dur="700">
+        <p:fade/>
+      </p:transition>
+    </mc:Choice>
+    <mc:Fallback xmlns="">
+      <p:transition spd="med">
+        <p:fade/>
+      </p:transition>
+    </mc:Fallback>
+  </mc:AlternateContent>
 </p:sld>
 </file>
 
@@ -33961,6 +37501,18 @@
   <p:clrMapOvr>
     <a:overrideClrMapping bg1="dk1" tx1="lt1" bg2="dk2" tx2="lt2" accent1="accent1" accent2="accent2" accent3="accent3" accent4="accent4" accent5="accent5" accent6="accent6" hlink="hlink" folHlink="folHlink"/>
   </p:clrMapOvr>
+  <mc:AlternateContent xmlns:mc="http://schemas.openxmlformats.org/markup-compatibility/2006" xmlns:p14="http://schemas.microsoft.com/office/powerpoint/2010/main">
+    <mc:Choice Requires="p14">
+      <p:transition spd="med" p14:dur="700">
+        <p:fade/>
+      </p:transition>
+    </mc:Choice>
+    <mc:Fallback xmlns="">
+      <p:transition spd="med">
+        <p:fade/>
+      </p:transition>
+    </mc:Fallback>
+  </mc:AlternateContent>
 </p:sld>
 </file>
 
@@ -34555,6 +38107,18 @@
   <p:clrMapOvr>
     <a:masterClrMapping/>
   </p:clrMapOvr>
+  <mc:AlternateContent xmlns:mc="http://schemas.openxmlformats.org/markup-compatibility/2006" xmlns:p14="http://schemas.microsoft.com/office/powerpoint/2010/main">
+    <mc:Choice Requires="p14">
+      <p:transition spd="med" p14:dur="700">
+        <p:fade/>
+      </p:transition>
+    </mc:Choice>
+    <mc:Fallback xmlns="">
+      <p:transition spd="med">
+        <p:fade/>
+      </p:transition>
+    </mc:Fallback>
+  </mc:AlternateContent>
 </p:sld>
 </file>
 
@@ -34960,6 +38524,18 @@
   <p:clrMapOvr>
     <a:masterClrMapping/>
   </p:clrMapOvr>
+  <mc:AlternateContent xmlns:mc="http://schemas.openxmlformats.org/markup-compatibility/2006" xmlns:p14="http://schemas.microsoft.com/office/powerpoint/2010/main">
+    <mc:Choice Requires="p14">
+      <p:transition spd="med" p14:dur="700">
+        <p:fade/>
+      </p:transition>
+    </mc:Choice>
+    <mc:Fallback xmlns="">
+      <p:transition spd="med">
+        <p:fade/>
+      </p:transition>
+    </mc:Fallback>
+  </mc:AlternateContent>
 </p:sld>
 </file>
 
@@ -35349,6 +38925,18 @@
   <p:clrMapOvr>
     <a:masterClrMapping/>
   </p:clrMapOvr>
+  <mc:AlternateContent xmlns:mc="http://schemas.openxmlformats.org/markup-compatibility/2006" xmlns:p14="http://schemas.microsoft.com/office/powerpoint/2010/main">
+    <mc:Choice Requires="p14">
+      <p:transition spd="med" p14:dur="700">
+        <p:fade/>
+      </p:transition>
+    </mc:Choice>
+    <mc:Fallback xmlns="">
+      <p:transition spd="med">
+        <p:fade/>
+      </p:transition>
+    </mc:Fallback>
+  </mc:AlternateContent>
 </p:sld>
 </file>
 
@@ -35708,6 +39296,18 @@
   <p:clrMapOvr>
     <a:masterClrMapping/>
   </p:clrMapOvr>
+  <mc:AlternateContent xmlns:mc="http://schemas.openxmlformats.org/markup-compatibility/2006" xmlns:p14="http://schemas.microsoft.com/office/powerpoint/2010/main">
+    <mc:Choice Requires="p14">
+      <p:transition spd="med" p14:dur="700">
+        <p:fade/>
+      </p:transition>
+    </mc:Choice>
+    <mc:Fallback xmlns="">
+      <p:transition spd="med">
+        <p:fade/>
+      </p:transition>
+    </mc:Fallback>
+  </mc:AlternateContent>
 </p:sld>
 </file>
 
@@ -36460,6 +40060,18 @@
   <p:clrMapOvr>
     <a:masterClrMapping/>
   </p:clrMapOvr>
+  <mc:AlternateContent xmlns:mc="http://schemas.openxmlformats.org/markup-compatibility/2006" xmlns:p14="http://schemas.microsoft.com/office/powerpoint/2010/main">
+    <mc:Choice Requires="p14">
+      <p:transition spd="med" p14:dur="700">
+        <p:fade/>
+      </p:transition>
+    </mc:Choice>
+    <mc:Fallback xmlns="">
+      <p:transition spd="med">
+        <p:fade/>
+      </p:transition>
+    </mc:Fallback>
+  </mc:AlternateContent>
 </p:sld>
 </file>
 
@@ -37092,6 +40704,18 @@
   <p:clrMapOvr>
     <a:overrideClrMapping bg1="dk1" tx1="lt1" bg2="dk2" tx2="lt2" accent1="accent1" accent2="accent2" accent3="accent3" accent4="accent4" accent5="accent5" accent6="accent6" hlink="hlink" folHlink="folHlink"/>
   </p:clrMapOvr>
+  <mc:AlternateContent xmlns:mc="http://schemas.openxmlformats.org/markup-compatibility/2006" xmlns:p14="http://schemas.microsoft.com/office/powerpoint/2010/main">
+    <mc:Choice Requires="p14">
+      <p:transition spd="med" p14:dur="700">
+        <p:fade/>
+      </p:transition>
+    </mc:Choice>
+    <mc:Fallback xmlns="">
+      <p:transition spd="med">
+        <p:fade/>
+      </p:transition>
+    </mc:Fallback>
+  </mc:AlternateContent>
 </p:sld>
 </file>
 
@@ -37686,6 +41310,18 @@
   <p:clrMapOvr>
     <a:masterClrMapping/>
   </p:clrMapOvr>
+  <mc:AlternateContent xmlns:mc="http://schemas.openxmlformats.org/markup-compatibility/2006" xmlns:p14="http://schemas.microsoft.com/office/powerpoint/2010/main">
+    <mc:Choice Requires="p14">
+      <p:transition spd="med" p14:dur="700">
+        <p:fade/>
+      </p:transition>
+    </mc:Choice>
+    <mc:Fallback xmlns="">
+      <p:transition spd="med">
+        <p:fade/>
+      </p:transition>
+    </mc:Fallback>
+  </mc:AlternateContent>
 </p:sld>
 </file>
 
@@ -38444,6 +42080,18 @@
   <p:clrMapOvr>
     <a:masterClrMapping/>
   </p:clrMapOvr>
+  <mc:AlternateContent xmlns:mc="http://schemas.openxmlformats.org/markup-compatibility/2006" xmlns:p14="http://schemas.microsoft.com/office/powerpoint/2010/main">
+    <mc:Choice Requires="p14">
+      <p:transition spd="med" p14:dur="700">
+        <p:fade/>
+      </p:transition>
+    </mc:Choice>
+    <mc:Fallback xmlns="">
+      <p:transition spd="med">
+        <p:fade/>
+      </p:transition>
+    </mc:Fallback>
+  </mc:AlternateContent>
 </p:sld>
 </file>
 
@@ -39196,6 +42844,18 @@
   <p:clrMapOvr>
     <a:masterClrMapping/>
   </p:clrMapOvr>
+  <mc:AlternateContent xmlns:mc="http://schemas.openxmlformats.org/markup-compatibility/2006" xmlns:p14="http://schemas.microsoft.com/office/powerpoint/2010/main">
+    <mc:Choice Requires="p14">
+      <p:transition spd="med" p14:dur="700">
+        <p:fade/>
+      </p:transition>
+    </mc:Choice>
+    <mc:Fallback xmlns="">
+      <p:transition spd="med">
+        <p:fade/>
+      </p:transition>
+    </mc:Fallback>
+  </mc:AlternateContent>
 </p:sld>
 </file>
 
@@ -39596,6 +43256,18 @@
   <p:clrMapOvr>
     <a:masterClrMapping/>
   </p:clrMapOvr>
+  <mc:AlternateContent xmlns:mc="http://schemas.openxmlformats.org/markup-compatibility/2006" xmlns:p14="http://schemas.microsoft.com/office/powerpoint/2010/main">
+    <mc:Choice Requires="p14">
+      <p:transition spd="med" p14:dur="700">
+        <p:fade/>
+      </p:transition>
+    </mc:Choice>
+    <mc:Fallback xmlns="">
+      <p:transition spd="med">
+        <p:fade/>
+      </p:transition>
+    </mc:Fallback>
+  </mc:AlternateContent>
 </p:sld>
 </file>
 
@@ -39994,6 +43666,18 @@
   <p:clrMapOvr>
     <a:masterClrMapping/>
   </p:clrMapOvr>
+  <mc:AlternateContent xmlns:mc="http://schemas.openxmlformats.org/markup-compatibility/2006" xmlns:p14="http://schemas.microsoft.com/office/powerpoint/2010/main">
+    <mc:Choice Requires="p14">
+      <p:transition spd="med" p14:dur="700">
+        <p:fade/>
+      </p:transition>
+    </mc:Choice>
+    <mc:Fallback xmlns="">
+      <p:transition spd="med">
+        <p:fade/>
+      </p:transition>
+    </mc:Fallback>
+  </mc:AlternateContent>
 </p:sld>
 </file>
 
@@ -40392,10 +44076,2266 @@
   <p:clrMapOvr>
     <a:masterClrMapping/>
   </p:clrMapOvr>
+  <mc:AlternateContent xmlns:mc="http://schemas.openxmlformats.org/markup-compatibility/2006" xmlns:p14="http://schemas.microsoft.com/office/powerpoint/2010/main">
+    <mc:Choice Requires="p14">
+      <p:transition spd="med" p14:dur="700">
+        <p:fade/>
+      </p:transition>
+    </mc:Choice>
+    <mc:Fallback xmlns="">
+      <p:transition spd="med">
+        <p:fade/>
+      </p:transition>
+    </mc:Fallback>
+  </mc:AlternateContent>
 </p:sld>
 </file>
 
 <file path=ppt/slides/slide28.xml><?xml version="1.0" encoding="utf-8"?>
+<p:sld xmlns:a="http://schemas.openxmlformats.org/drawingml/2006/main" xmlns:r="http://schemas.openxmlformats.org/officeDocument/2006/relationships" xmlns:p="http://schemas.openxmlformats.org/presentationml/2006/main">
+  <p:cSld>
+    <p:bg>
+      <p:bgPr>
+        <a:solidFill>
+          <a:schemeClr val="bg1"/>
+        </a:solidFill>
+        <a:effectLst/>
+      </p:bgPr>
+    </p:bg>
+    <p:spTree>
+      <p:nvGrpSpPr>
+        <p:cNvPr id="1" name=""/>
+        <p:cNvGrpSpPr/>
+        <p:nvPr/>
+      </p:nvGrpSpPr>
+      <p:grpSpPr>
+        <a:xfrm>
+          <a:off x="0" y="0"/>
+          <a:ext cx="0" cy="0"/>
+          <a:chOff x="0" y="0"/>
+          <a:chExt cx="0" cy="0"/>
+        </a:xfrm>
+      </p:grpSpPr>
+      <p:sp>
+        <p:nvSpPr>
+          <p:cNvPr id="8" name="Rectangle 7">
+            <a:extLst>
+              <a:ext uri="{FF2B5EF4-FFF2-40B4-BE49-F238E27FC236}">
+                <a16:creationId xmlns:a16="http://schemas.microsoft.com/office/drawing/2014/main" id="{8D06CE56-3881-4ADA-8CEF-D18B02C242A3}"/>
+              </a:ext>
+              <a:ext uri="{C183D7F6-B498-43B3-948B-1728B52AA6E4}">
+                <adec:decorative xmlns:adec="http://schemas.microsoft.com/office/drawing/2017/decorative" val="1"/>
+              </a:ext>
+            </a:extLst>
+          </p:cNvPr>
+          <p:cNvSpPr>
+            <a:spLocks noGrp="1" noRot="1" noChangeAspect="1" noMove="1" noResize="1" noEditPoints="1" noAdjustHandles="1" noChangeArrowheads="1" noChangeShapeType="1" noTextEdit="1"/>
+          </p:cNvSpPr>
+          <p:nvPr>
+            <p:extLst>
+              <p:ext uri="{386F3935-93C4-4BCD-93E2-E3B085C9AB24}">
+                <p16:designElem xmlns:p16="http://schemas.microsoft.com/office/powerpoint/2015/main" val="1"/>
+              </p:ext>
+            </p:extLst>
+          </p:nvPr>
+        </p:nvSpPr>
+        <p:spPr>
+          <a:xfrm rot="5400000">
+            <a:off x="857544" y="346791"/>
+            <a:ext cx="146304" cy="704088"/>
+          </a:xfrm>
+          <a:prstGeom prst="rect">
+            <a:avLst/>
+          </a:prstGeom>
+          <a:solidFill>
+            <a:schemeClr val="accent1"/>
+          </a:solidFill>
+          <a:ln>
+            <a:noFill/>
+          </a:ln>
+        </p:spPr>
+        <p:style>
+          <a:lnRef idx="2">
+            <a:schemeClr val="accent1">
+              <a:shade val="50000"/>
+            </a:schemeClr>
+          </a:lnRef>
+          <a:fillRef idx="1">
+            <a:schemeClr val="accent1"/>
+          </a:fillRef>
+          <a:effectRef idx="0">
+            <a:schemeClr val="accent1"/>
+          </a:effectRef>
+          <a:fontRef idx="minor">
+            <a:schemeClr val="lt1"/>
+          </a:fontRef>
+        </p:style>
+        <p:txBody>
+          <a:bodyPr rtlCol="0" anchor="ctr"/>
+          <a:lstStyle/>
+          <a:p>
+            <a:pPr marL="0" marR="0" lvl="0" indent="0" algn="ctr" defTabSz="914400" rtl="0" eaLnBrk="1" fontAlgn="auto" latinLnBrk="0" hangingPunct="1">
+              <a:lnSpc>
+                <a:spcPct val="100000"/>
+              </a:lnSpc>
+              <a:spcBef>
+                <a:spcPts val="0"/>
+              </a:spcBef>
+              <a:spcAft>
+                <a:spcPts val="0"/>
+              </a:spcAft>
+              <a:buClrTx/>
+              <a:buSzTx/>
+              <a:buFontTx/>
+              <a:buNone/>
+              <a:tabLst/>
+              <a:defRPr/>
+            </a:pPr>
+            <a:endParaRPr kumimoji="0" lang="en-US" sz="1800" b="0" i="0" u="none" strike="noStrike" kern="1200" cap="none" spc="0" normalizeH="0" baseline="0" noProof="0">
+              <a:ln>
+                <a:noFill/>
+              </a:ln>
+              <a:solidFill>
+                <a:prstClr val="white"/>
+              </a:solidFill>
+              <a:effectLst/>
+              <a:uLnTx/>
+              <a:uFillTx/>
+              <a:latin typeface="Calibri" panose="020F0502020204030204"/>
+              <a:ea typeface="+mn-ea"/>
+              <a:cs typeface="+mn-cs"/>
+            </a:endParaRPr>
+          </a:p>
+        </p:txBody>
+      </p:sp>
+      <p:sp>
+        <p:nvSpPr>
+          <p:cNvPr id="10" name="Rectangle 9">
+            <a:extLst>
+              <a:ext uri="{FF2B5EF4-FFF2-40B4-BE49-F238E27FC236}">
+                <a16:creationId xmlns:a16="http://schemas.microsoft.com/office/drawing/2014/main" id="{79F3C543-62EC-4433-9C93-A2CD8764E9B4}"/>
+              </a:ext>
+              <a:ext uri="{C183D7F6-B498-43B3-948B-1728B52AA6E4}">
+                <adec:decorative xmlns:adec="http://schemas.microsoft.com/office/drawing/2017/decorative" val="1"/>
+              </a:ext>
+            </a:extLst>
+          </p:cNvPr>
+          <p:cNvSpPr>
+            <a:spLocks noGrp="1" noRot="1" noChangeAspect="1" noMove="1" noResize="1" noEditPoints="1" noAdjustHandles="1" noChangeArrowheads="1" noChangeShapeType="1" noTextEdit="1"/>
+          </p:cNvSpPr>
+          <p:nvPr>
+            <p:extLst>
+              <p:ext uri="{386F3935-93C4-4BCD-93E2-E3B085C9AB24}">
+                <p16:designElem xmlns:p16="http://schemas.microsoft.com/office/powerpoint/2015/main" val="1"/>
+              </p:ext>
+            </p:extLst>
+          </p:nvPr>
+        </p:nvSpPr>
+        <p:spPr>
+          <a:xfrm flipV="1">
+            <a:off x="578652" y="4501201"/>
+            <a:ext cx="11034696" cy="18288"/>
+          </a:xfrm>
+          <a:prstGeom prst="rect">
+            <a:avLst/>
+          </a:prstGeom>
+          <a:solidFill>
+            <a:schemeClr val="tx2">
+              <a:lumMod val="25000"/>
+              <a:lumOff val="75000"/>
+            </a:schemeClr>
+          </a:solidFill>
+          <a:ln w="3175">
+            <a:noFill/>
+          </a:ln>
+          <a:effectLst/>
+        </p:spPr>
+        <p:style>
+          <a:lnRef idx="2">
+            <a:schemeClr val="accent1">
+              <a:shade val="50000"/>
+            </a:schemeClr>
+          </a:lnRef>
+          <a:fillRef idx="1">
+            <a:schemeClr val="accent1"/>
+          </a:fillRef>
+          <a:effectRef idx="0">
+            <a:schemeClr val="accent1"/>
+          </a:effectRef>
+          <a:fontRef idx="minor">
+            <a:schemeClr val="lt1"/>
+          </a:fontRef>
+        </p:style>
+        <p:txBody>
+          <a:bodyPr rtlCol="0" anchor="ctr"/>
+          <a:lstStyle/>
+          <a:p>
+            <a:pPr marL="0" marR="0" lvl="0" indent="0" algn="ctr" defTabSz="914400" rtl="0" eaLnBrk="1" fontAlgn="auto" latinLnBrk="0" hangingPunct="1">
+              <a:lnSpc>
+                <a:spcPct val="100000"/>
+              </a:lnSpc>
+              <a:spcBef>
+                <a:spcPts val="0"/>
+              </a:spcBef>
+              <a:spcAft>
+                <a:spcPts val="0"/>
+              </a:spcAft>
+              <a:buClrTx/>
+              <a:buSzTx/>
+              <a:buFontTx/>
+              <a:buNone/>
+              <a:tabLst/>
+              <a:defRPr/>
+            </a:pPr>
+            <a:endParaRPr kumimoji="0" lang="en-US" sz="1800" b="0" i="0" u="none" strike="noStrike" kern="1200" cap="none" spc="0" normalizeH="0" baseline="0" noProof="0">
+              <a:ln>
+                <a:noFill/>
+              </a:ln>
+              <a:solidFill>
+                <a:prstClr val="white"/>
+              </a:solidFill>
+              <a:effectLst/>
+              <a:uLnTx/>
+              <a:uFillTx/>
+              <a:latin typeface="Calibri" panose="020F0502020204030204"/>
+              <a:ea typeface="+mn-ea"/>
+              <a:cs typeface="+mn-cs"/>
+            </a:endParaRPr>
+          </a:p>
+        </p:txBody>
+      </p:sp>
+      <p:sp useBgFill="1">
+        <p:nvSpPr>
+          <p:cNvPr id="12" name="Rectangle 11">
+            <a:extLst>
+              <a:ext uri="{FF2B5EF4-FFF2-40B4-BE49-F238E27FC236}">
+                <a16:creationId xmlns:a16="http://schemas.microsoft.com/office/drawing/2014/main" id="{0671A8AE-40A1-4631-A6B8-581AFF065482}"/>
+              </a:ext>
+              <a:ext uri="{C183D7F6-B498-43B3-948B-1728B52AA6E4}">
+                <adec:decorative xmlns:adec="http://schemas.microsoft.com/office/drawing/2017/decorative" val="1"/>
+              </a:ext>
+            </a:extLst>
+          </p:cNvPr>
+          <p:cNvSpPr>
+            <a:spLocks noGrp="1" noRot="1" noChangeAspect="1" noMove="1" noResize="1" noEditPoints="1" noAdjustHandles="1" noChangeArrowheads="1" noChangeShapeType="1" noTextEdit="1"/>
+          </p:cNvSpPr>
+          <p:nvPr>
+            <p:extLst>
+              <p:ext uri="{386F3935-93C4-4BCD-93E2-E3B085C9AB24}">
+                <p16:designElem xmlns:p16="http://schemas.microsoft.com/office/powerpoint/2015/main" val="1"/>
+              </p:ext>
+            </p:extLst>
+          </p:nvPr>
+        </p:nvSpPr>
+        <p:spPr>
+          <a:xfrm>
+            <a:off x="0" y="0"/>
+            <a:ext cx="12192000" cy="6858000"/>
+          </a:xfrm>
+          <a:prstGeom prst="rect">
+            <a:avLst/>
+          </a:prstGeom>
+          <a:ln>
+            <a:noFill/>
+          </a:ln>
+        </p:spPr>
+        <p:style>
+          <a:lnRef idx="2">
+            <a:schemeClr val="accent1">
+              <a:shade val="50000"/>
+            </a:schemeClr>
+          </a:lnRef>
+          <a:fillRef idx="1">
+            <a:schemeClr val="accent1"/>
+          </a:fillRef>
+          <a:effectRef idx="0">
+            <a:schemeClr val="accent1"/>
+          </a:effectRef>
+          <a:fontRef idx="minor">
+            <a:schemeClr val="lt1"/>
+          </a:fontRef>
+        </p:style>
+        <p:txBody>
+          <a:bodyPr rtlCol="0" anchor="ctr"/>
+          <a:lstStyle/>
+          <a:p>
+            <a:pPr algn="ctr"/>
+            <a:endParaRPr lang="en-US"/>
+          </a:p>
+        </p:txBody>
+      </p:sp>
+      <p:pic>
+        <p:nvPicPr>
+          <p:cNvPr id="4" name="Picture 3" descr="Sample being pipetted into a petri dish">
+            <a:extLst>
+              <a:ext uri="{FF2B5EF4-FFF2-40B4-BE49-F238E27FC236}">
+                <a16:creationId xmlns:a16="http://schemas.microsoft.com/office/drawing/2014/main" id="{C199388B-F627-445C-774F-A3B27C86A402}"/>
+              </a:ext>
+            </a:extLst>
+          </p:cNvPr>
+          <p:cNvPicPr>
+            <a:picLocks noChangeAspect="1"/>
+          </p:cNvPicPr>
+          <p:nvPr/>
+        </p:nvPicPr>
+        <p:blipFill rotWithShape="1">
+          <a:blip r:embed="rId2"/>
+          <a:srcRect l="5516" r="-2" b="-2"/>
+          <a:stretch/>
+        </p:blipFill>
+        <p:spPr>
+          <a:xfrm>
+            <a:off x="3523488" y="10"/>
+            <a:ext cx="8668512" cy="6857990"/>
+          </a:xfrm>
+          <a:prstGeom prst="rect">
+            <a:avLst/>
+          </a:prstGeom>
+        </p:spPr>
+      </p:pic>
+      <p:sp>
+        <p:nvSpPr>
+          <p:cNvPr id="14" name="Rectangle 13">
+            <a:extLst>
+              <a:ext uri="{FF2B5EF4-FFF2-40B4-BE49-F238E27FC236}">
+                <a16:creationId xmlns:a16="http://schemas.microsoft.com/office/drawing/2014/main" id="{A44CD100-6267-4E62-AA64-2182A3A6A1C0}"/>
+              </a:ext>
+              <a:ext uri="{C183D7F6-B498-43B3-948B-1728B52AA6E4}">
+                <adec:decorative xmlns:adec="http://schemas.microsoft.com/office/drawing/2017/decorative" val="1"/>
+              </a:ext>
+            </a:extLst>
+          </p:cNvPr>
+          <p:cNvSpPr>
+            <a:spLocks noGrp="1" noRot="1" noChangeAspect="1" noMove="1" noResize="1" noEditPoints="1" noAdjustHandles="1" noChangeArrowheads="1" noChangeShapeType="1" noTextEdit="1"/>
+          </p:cNvSpPr>
+          <p:nvPr>
+            <p:extLst>
+              <p:ext uri="{386F3935-93C4-4BCD-93E2-E3B085C9AB24}">
+                <p16:designElem xmlns:p16="http://schemas.microsoft.com/office/powerpoint/2015/main" val="1"/>
+              </p:ext>
+            </p:extLst>
+          </p:nvPr>
+        </p:nvSpPr>
+        <p:spPr>
+          <a:xfrm>
+            <a:off x="3" y="0"/>
+            <a:ext cx="9339206" cy="6858000"/>
+          </a:xfrm>
+          <a:prstGeom prst="rect">
+            <a:avLst/>
+          </a:prstGeom>
+          <a:gradFill>
+            <a:gsLst>
+              <a:gs pos="58000">
+                <a:schemeClr val="bg1"/>
+              </a:gs>
+              <a:gs pos="33000">
+                <a:schemeClr val="bg1">
+                  <a:alpha val="64000"/>
+                </a:schemeClr>
+              </a:gs>
+              <a:gs pos="0">
+                <a:schemeClr val="bg1">
+                  <a:alpha val="0"/>
+                </a:schemeClr>
+              </a:gs>
+              <a:gs pos="100000">
+                <a:schemeClr val="bg1"/>
+              </a:gs>
+            </a:gsLst>
+            <a:lin ang="10800000" scaled="0"/>
+          </a:gradFill>
+          <a:ln>
+            <a:noFill/>
+          </a:ln>
+        </p:spPr>
+        <p:style>
+          <a:lnRef idx="2">
+            <a:schemeClr val="accent1">
+              <a:shade val="50000"/>
+            </a:schemeClr>
+          </a:lnRef>
+          <a:fillRef idx="1">
+            <a:schemeClr val="accent1"/>
+          </a:fillRef>
+          <a:effectRef idx="0">
+            <a:schemeClr val="accent1"/>
+          </a:effectRef>
+          <a:fontRef idx="minor">
+            <a:schemeClr val="lt1"/>
+          </a:fontRef>
+        </p:style>
+        <p:txBody>
+          <a:bodyPr rtlCol="0" anchor="ctr"/>
+          <a:lstStyle/>
+          <a:p>
+            <a:pPr algn="ctr"/>
+            <a:endParaRPr lang="en-US" dirty="0"/>
+          </a:p>
+        </p:txBody>
+      </p:sp>
+      <p:sp>
+        <p:nvSpPr>
+          <p:cNvPr id="2" name="Title 1">
+            <a:extLst>
+              <a:ext uri="{FF2B5EF4-FFF2-40B4-BE49-F238E27FC236}">
+                <a16:creationId xmlns:a16="http://schemas.microsoft.com/office/drawing/2014/main" id="{CF16FE88-6BC9-BF84-2ED8-180AD0842BBD}"/>
+              </a:ext>
+            </a:extLst>
+          </p:cNvPr>
+          <p:cNvSpPr>
+            <a:spLocks noGrp="1"/>
+          </p:cNvSpPr>
+          <p:nvPr>
+            <p:ph type="title"/>
+          </p:nvPr>
+        </p:nvSpPr>
+        <p:spPr>
+          <a:xfrm>
+            <a:off x="477981" y="1122363"/>
+            <a:ext cx="4023360" cy="3204134"/>
+          </a:xfrm>
+        </p:spPr>
+        <p:txBody>
+          <a:bodyPr vert="horz" lIns="91440" tIns="45720" rIns="91440" bIns="45720" rtlCol="0" anchor="b">
+            <a:normAutofit/>
+          </a:bodyPr>
+          <a:lstStyle/>
+          <a:p>
+            <a:r>
+              <a:rPr lang="en-US" sz="4800"/>
+              <a:t>Testing and Validation</a:t>
+            </a:r>
+          </a:p>
+        </p:txBody>
+      </p:sp>
+      <p:sp>
+        <p:nvSpPr>
+          <p:cNvPr id="16" name="Rectangle 15">
+            <a:extLst>
+              <a:ext uri="{FF2B5EF4-FFF2-40B4-BE49-F238E27FC236}">
+                <a16:creationId xmlns:a16="http://schemas.microsoft.com/office/drawing/2014/main" id="{AF2F604E-43BE-4DC3-B983-E071523364F8}"/>
+              </a:ext>
+              <a:ext uri="{C183D7F6-B498-43B3-948B-1728B52AA6E4}">
+                <adec:decorative xmlns:adec="http://schemas.microsoft.com/office/drawing/2017/decorative" val="1"/>
+              </a:ext>
+            </a:extLst>
+          </p:cNvPr>
+          <p:cNvSpPr>
+            <a:spLocks noGrp="1" noRot="1" noChangeAspect="1" noMove="1" noResize="1" noEditPoints="1" noAdjustHandles="1" noChangeArrowheads="1" noChangeShapeType="1" noTextEdit="1"/>
+          </p:cNvSpPr>
+          <p:nvPr>
+            <p:extLst>
+              <p:ext uri="{386F3935-93C4-4BCD-93E2-E3B085C9AB24}">
+                <p16:designElem xmlns:p16="http://schemas.microsoft.com/office/powerpoint/2015/main" val="1"/>
+              </p:ext>
+            </p:extLst>
+          </p:nvPr>
+        </p:nvSpPr>
+        <p:spPr>
+          <a:xfrm rot="5400000">
+            <a:off x="759921" y="346791"/>
+            <a:ext cx="146304" cy="704088"/>
+          </a:xfrm>
+          <a:prstGeom prst="rect">
+            <a:avLst/>
+          </a:prstGeom>
+          <a:solidFill>
+            <a:schemeClr val="accent1"/>
+          </a:solidFill>
+          <a:ln>
+            <a:noFill/>
+          </a:ln>
+        </p:spPr>
+        <p:style>
+          <a:lnRef idx="2">
+            <a:schemeClr val="accent1">
+              <a:shade val="50000"/>
+            </a:schemeClr>
+          </a:lnRef>
+          <a:fillRef idx="1">
+            <a:schemeClr val="accent1"/>
+          </a:fillRef>
+          <a:effectRef idx="0">
+            <a:schemeClr val="accent1"/>
+          </a:effectRef>
+          <a:fontRef idx="minor">
+            <a:schemeClr val="lt1"/>
+          </a:fontRef>
+        </p:style>
+        <p:txBody>
+          <a:bodyPr rtlCol="0" anchor="ctr"/>
+          <a:lstStyle/>
+          <a:p>
+            <a:pPr marL="0" marR="0" lvl="0" indent="0" algn="ctr" defTabSz="914400" rtl="0" eaLnBrk="1" fontAlgn="auto" latinLnBrk="0" hangingPunct="1">
+              <a:lnSpc>
+                <a:spcPct val="100000"/>
+              </a:lnSpc>
+              <a:spcBef>
+                <a:spcPts val="0"/>
+              </a:spcBef>
+              <a:spcAft>
+                <a:spcPts val="0"/>
+              </a:spcAft>
+              <a:buClrTx/>
+              <a:buSzTx/>
+              <a:buFontTx/>
+              <a:buNone/>
+              <a:tabLst/>
+              <a:defRPr/>
+            </a:pPr>
+            <a:endParaRPr kumimoji="0" lang="en-US" sz="1800" b="0" i="0" u="none" strike="noStrike" kern="1200" cap="none" spc="0" normalizeH="0" baseline="0" noProof="0">
+              <a:ln>
+                <a:noFill/>
+              </a:ln>
+              <a:solidFill>
+                <a:prstClr val="white"/>
+              </a:solidFill>
+              <a:effectLst/>
+              <a:uLnTx/>
+              <a:uFillTx/>
+              <a:latin typeface="Calibri" panose="020F0502020204030204"/>
+              <a:ea typeface="+mn-ea"/>
+              <a:cs typeface="+mn-cs"/>
+            </a:endParaRPr>
+          </a:p>
+        </p:txBody>
+      </p:sp>
+      <p:sp>
+        <p:nvSpPr>
+          <p:cNvPr id="18" name="Rectangle 17">
+            <a:extLst>
+              <a:ext uri="{FF2B5EF4-FFF2-40B4-BE49-F238E27FC236}">
+                <a16:creationId xmlns:a16="http://schemas.microsoft.com/office/drawing/2014/main" id="{08C9B587-E65E-4B52-B37C-ABEBB6E87928}"/>
+              </a:ext>
+              <a:ext uri="{C183D7F6-B498-43B3-948B-1728B52AA6E4}">
+                <adec:decorative xmlns:adec="http://schemas.microsoft.com/office/drawing/2017/decorative" val="1"/>
+              </a:ext>
+            </a:extLst>
+          </p:cNvPr>
+          <p:cNvSpPr>
+            <a:spLocks noGrp="1" noRot="1" noChangeAspect="1" noMove="1" noResize="1" noEditPoints="1" noAdjustHandles="1" noChangeArrowheads="1" noChangeShapeType="1" noTextEdit="1"/>
+          </p:cNvSpPr>
+          <p:nvPr>
+            <p:extLst>
+              <p:ext uri="{386F3935-93C4-4BCD-93E2-E3B085C9AB24}">
+                <p16:designElem xmlns:p16="http://schemas.microsoft.com/office/powerpoint/2015/main" val="1"/>
+              </p:ext>
+            </p:extLst>
+          </p:nvPr>
+        </p:nvSpPr>
+        <p:spPr>
+          <a:xfrm>
+            <a:off x="481029" y="4546920"/>
+            <a:ext cx="3977640" cy="18288"/>
+          </a:xfrm>
+          <a:prstGeom prst="rect">
+            <a:avLst/>
+          </a:prstGeom>
+          <a:solidFill>
+            <a:schemeClr val="tx1"/>
+          </a:solidFill>
+          <a:ln w="3175">
+            <a:noFill/>
+          </a:ln>
+          <a:effectLst/>
+        </p:spPr>
+        <p:style>
+          <a:lnRef idx="2">
+            <a:schemeClr val="accent1">
+              <a:shade val="50000"/>
+            </a:schemeClr>
+          </a:lnRef>
+          <a:fillRef idx="1">
+            <a:schemeClr val="accent1"/>
+          </a:fillRef>
+          <a:effectRef idx="0">
+            <a:schemeClr val="accent1"/>
+          </a:effectRef>
+          <a:fontRef idx="minor">
+            <a:schemeClr val="lt1"/>
+          </a:fontRef>
+        </p:style>
+        <p:txBody>
+          <a:bodyPr rtlCol="0" anchor="ctr"/>
+          <a:lstStyle/>
+          <a:p>
+            <a:pPr marL="0" marR="0" lvl="0" indent="0" algn="ctr" defTabSz="914400" rtl="0" eaLnBrk="1" fontAlgn="auto" latinLnBrk="0" hangingPunct="1">
+              <a:lnSpc>
+                <a:spcPct val="100000"/>
+              </a:lnSpc>
+              <a:spcBef>
+                <a:spcPts val="0"/>
+              </a:spcBef>
+              <a:spcAft>
+                <a:spcPts val="0"/>
+              </a:spcAft>
+              <a:buClrTx/>
+              <a:buSzTx/>
+              <a:buFontTx/>
+              <a:buNone/>
+              <a:tabLst/>
+              <a:defRPr/>
+            </a:pPr>
+            <a:endParaRPr kumimoji="0" lang="en-US" sz="1800" b="0" i="0" u="none" strike="noStrike" kern="1200" cap="none" spc="0" normalizeH="0" baseline="0" noProof="0">
+              <a:ln>
+                <a:noFill/>
+              </a:ln>
+              <a:solidFill>
+                <a:prstClr val="white"/>
+              </a:solidFill>
+              <a:effectLst/>
+              <a:uLnTx/>
+              <a:uFillTx/>
+              <a:latin typeface="Calibri" panose="020F0502020204030204"/>
+              <a:ea typeface="+mn-ea"/>
+              <a:cs typeface="+mn-cs"/>
+            </a:endParaRPr>
+          </a:p>
+        </p:txBody>
+      </p:sp>
+    </p:spTree>
+    <p:extLst>
+      <p:ext uri="{BB962C8B-B14F-4D97-AF65-F5344CB8AC3E}">
+        <p14:creationId xmlns:p14="http://schemas.microsoft.com/office/powerpoint/2010/main" val="4133169456"/>
+      </p:ext>
+    </p:extLst>
+  </p:cSld>
+  <p:clrMapOvr>
+    <a:overrideClrMapping bg1="dk1" tx1="lt1" bg2="dk2" tx2="lt2" accent1="accent1" accent2="accent2" accent3="accent3" accent4="accent4" accent5="accent5" accent6="accent6" hlink="hlink" folHlink="folHlink"/>
+  </p:clrMapOvr>
+  <mc:AlternateContent xmlns:mc="http://schemas.openxmlformats.org/markup-compatibility/2006" xmlns:p14="http://schemas.microsoft.com/office/powerpoint/2010/main">
+    <mc:Choice Requires="p14">
+      <p:transition spd="med" p14:dur="700">
+        <p:fade/>
+      </p:transition>
+    </mc:Choice>
+    <mc:Fallback xmlns="">
+      <p:transition spd="med">
+        <p:fade/>
+      </p:transition>
+    </mc:Fallback>
+  </mc:AlternateContent>
+</p:sld>
+</file>
+
+<file path=ppt/slides/slide29.xml><?xml version="1.0" encoding="utf-8"?>
+<p:sld xmlns:a="http://schemas.openxmlformats.org/drawingml/2006/main" xmlns:r="http://schemas.openxmlformats.org/officeDocument/2006/relationships" xmlns:p="http://schemas.openxmlformats.org/presentationml/2006/main">
+  <p:cSld>
+    <p:bg>
+      <p:bgPr>
+        <a:solidFill>
+          <a:schemeClr val="bg1"/>
+        </a:solidFill>
+        <a:effectLst/>
+      </p:bgPr>
+    </p:bg>
+    <p:spTree>
+      <p:nvGrpSpPr>
+        <p:cNvPr id="1" name=""/>
+        <p:cNvGrpSpPr/>
+        <p:nvPr/>
+      </p:nvGrpSpPr>
+      <p:grpSpPr>
+        <a:xfrm>
+          <a:off x="0" y="0"/>
+          <a:ext cx="0" cy="0"/>
+          <a:chOff x="0" y="0"/>
+          <a:chExt cx="0" cy="0"/>
+        </a:xfrm>
+      </p:grpSpPr>
+      <p:sp useBgFill="1">
+        <p:nvSpPr>
+          <p:cNvPr id="8" name="Rectangle 7">
+            <a:extLst>
+              <a:ext uri="{FF2B5EF4-FFF2-40B4-BE49-F238E27FC236}">
+                <a16:creationId xmlns:a16="http://schemas.microsoft.com/office/drawing/2014/main" id="{1C799903-48D5-4A31-A1A2-541072D9771E}"/>
+              </a:ext>
+              <a:ext uri="{C183D7F6-B498-43B3-948B-1728B52AA6E4}">
+                <adec:decorative xmlns:adec="http://schemas.microsoft.com/office/drawing/2017/decorative" val="1"/>
+              </a:ext>
+            </a:extLst>
+          </p:cNvPr>
+          <p:cNvSpPr>
+            <a:spLocks noGrp="1" noRot="1" noChangeAspect="1" noMove="1" noResize="1" noEditPoints="1" noAdjustHandles="1" noChangeArrowheads="1" noChangeShapeType="1" noTextEdit="1"/>
+          </p:cNvSpPr>
+          <p:nvPr>
+            <p:extLst>
+              <p:ext uri="{386F3935-93C4-4BCD-93E2-E3B085C9AB24}">
+                <p16:designElem xmlns:p16="http://schemas.microsoft.com/office/powerpoint/2015/main" val="1"/>
+              </p:ext>
+            </p:extLst>
+          </p:nvPr>
+        </p:nvSpPr>
+        <p:spPr>
+          <a:xfrm>
+            <a:off x="0" y="0"/>
+            <a:ext cx="12192002" cy="6858000"/>
+          </a:xfrm>
+          <a:prstGeom prst="rect">
+            <a:avLst/>
+          </a:prstGeom>
+          <a:ln>
+            <a:noFill/>
+          </a:ln>
+        </p:spPr>
+        <p:style>
+          <a:lnRef idx="2">
+            <a:schemeClr val="accent1">
+              <a:shade val="50000"/>
+            </a:schemeClr>
+          </a:lnRef>
+          <a:fillRef idx="1">
+            <a:schemeClr val="accent1"/>
+          </a:fillRef>
+          <a:effectRef idx="0">
+            <a:schemeClr val="accent1"/>
+          </a:effectRef>
+          <a:fontRef idx="minor">
+            <a:schemeClr val="lt1"/>
+          </a:fontRef>
+        </p:style>
+        <p:txBody>
+          <a:bodyPr rtlCol="0" anchor="ctr"/>
+          <a:lstStyle/>
+          <a:p>
+            <a:pPr algn="ctr"/>
+            <a:endParaRPr lang="en-US"/>
+          </a:p>
+        </p:txBody>
+      </p:sp>
+      <p:sp useBgFill="1">
+        <p:nvSpPr>
+          <p:cNvPr id="10" name="Freeform: Shape 9">
+            <a:extLst>
+              <a:ext uri="{FF2B5EF4-FFF2-40B4-BE49-F238E27FC236}">
+                <a16:creationId xmlns:a16="http://schemas.microsoft.com/office/drawing/2014/main" id="{8EFFF109-FC58-4FD3-BE05-9775A1310F55}"/>
+              </a:ext>
+              <a:ext uri="{C183D7F6-B498-43B3-948B-1728B52AA6E4}">
+                <adec:decorative xmlns:adec="http://schemas.microsoft.com/office/drawing/2017/decorative" val="1"/>
+              </a:ext>
+            </a:extLst>
+          </p:cNvPr>
+          <p:cNvSpPr>
+            <a:spLocks noGrp="1" noRot="1" noChangeAspect="1" noMove="1" noResize="1" noEditPoints="1" noAdjustHandles="1" noChangeArrowheads="1" noChangeShapeType="1" noTextEdit="1"/>
+          </p:cNvSpPr>
+          <p:nvPr>
+            <p:extLst>
+              <p:ext uri="{386F3935-93C4-4BCD-93E2-E3B085C9AB24}">
+                <p16:designElem xmlns:p16="http://schemas.microsoft.com/office/powerpoint/2015/main" val="1"/>
+              </p:ext>
+            </p:extLst>
+          </p:nvPr>
+        </p:nvSpPr>
+        <p:spPr>
+          <a:xfrm>
+            <a:off x="-1" y="0"/>
+            <a:ext cx="4818889" cy="6858000"/>
+          </a:xfrm>
+          <a:custGeom>
+            <a:avLst/>
+            <a:gdLst>
+              <a:gd name="connsiteX0" fmla="*/ 0 w 4818889"/>
+              <a:gd name="connsiteY0" fmla="*/ 0 h 6858000"/>
+              <a:gd name="connsiteX1" fmla="*/ 3605911 w 4818889"/>
+              <a:gd name="connsiteY1" fmla="*/ 0 h 6858000"/>
+              <a:gd name="connsiteX2" fmla="*/ 3668894 w 4818889"/>
+              <a:gd name="connsiteY2" fmla="*/ 69271 h 6858000"/>
+              <a:gd name="connsiteX3" fmla="*/ 4818889 w 4818889"/>
+              <a:gd name="connsiteY3" fmla="*/ 3429000 h 6858000"/>
+              <a:gd name="connsiteX4" fmla="*/ 3668894 w 4818889"/>
+              <a:gd name="connsiteY4" fmla="*/ 6788730 h 6858000"/>
+              <a:gd name="connsiteX5" fmla="*/ 3605911 w 4818889"/>
+              <a:gd name="connsiteY5" fmla="*/ 6858000 h 6858000"/>
+              <a:gd name="connsiteX6" fmla="*/ 0 w 4818889"/>
+              <a:gd name="connsiteY6" fmla="*/ 6858000 h 6858000"/>
+            </a:gdLst>
+            <a:ahLst/>
+            <a:cxnLst>
+              <a:cxn ang="0">
+                <a:pos x="connsiteX0" y="connsiteY0"/>
+              </a:cxn>
+              <a:cxn ang="0">
+                <a:pos x="connsiteX1" y="connsiteY1"/>
+              </a:cxn>
+              <a:cxn ang="0">
+                <a:pos x="connsiteX2" y="connsiteY2"/>
+              </a:cxn>
+              <a:cxn ang="0">
+                <a:pos x="connsiteX3" y="connsiteY3"/>
+              </a:cxn>
+              <a:cxn ang="0">
+                <a:pos x="connsiteX4" y="connsiteY4"/>
+              </a:cxn>
+              <a:cxn ang="0">
+                <a:pos x="connsiteX5" y="connsiteY5"/>
+              </a:cxn>
+              <a:cxn ang="0">
+                <a:pos x="connsiteX6" y="connsiteY6"/>
+              </a:cxn>
+            </a:cxnLst>
+            <a:rect l="l" t="t" r="r" b="b"/>
+            <a:pathLst>
+              <a:path w="4818889" h="6858000">
+                <a:moveTo>
+                  <a:pt x="0" y="0"/>
+                </a:moveTo>
+                <a:lnTo>
+                  <a:pt x="3605911" y="0"/>
+                </a:lnTo>
+                <a:lnTo>
+                  <a:pt x="3668894" y="69271"/>
+                </a:lnTo>
+                <a:cubicBezTo>
+                  <a:pt x="4379420" y="929100"/>
+                  <a:pt x="4818889" y="2116944"/>
+                  <a:pt x="4818889" y="3429000"/>
+                </a:cubicBezTo>
+                <a:cubicBezTo>
+                  <a:pt x="4818889" y="4741056"/>
+                  <a:pt x="4379420" y="5928900"/>
+                  <a:pt x="3668894" y="6788730"/>
+                </a:cubicBezTo>
+                <a:lnTo>
+                  <a:pt x="3605911" y="6858000"/>
+                </a:lnTo>
+                <a:lnTo>
+                  <a:pt x="0" y="6858000"/>
+                </a:lnTo>
+                <a:close/>
+              </a:path>
+            </a:pathLst>
+          </a:custGeom>
+          <a:ln w="9525">
+            <a:solidFill>
+              <a:schemeClr val="tx2">
+                <a:lumMod val="10000"/>
+                <a:lumOff val="90000"/>
+              </a:schemeClr>
+            </a:solidFill>
+          </a:ln>
+          <a:effectLst>
+            <a:outerShdw blurRad="50800" dist="38100" algn="l" rotWithShape="0">
+              <a:schemeClr val="bg1">
+                <a:lumMod val="85000"/>
+                <a:alpha val="30000"/>
+              </a:schemeClr>
+            </a:outerShdw>
+          </a:effectLst>
+        </p:spPr>
+        <p:style>
+          <a:lnRef idx="2">
+            <a:schemeClr val="accent1">
+              <a:shade val="50000"/>
+            </a:schemeClr>
+          </a:lnRef>
+          <a:fillRef idx="1">
+            <a:schemeClr val="accent1"/>
+          </a:fillRef>
+          <a:effectRef idx="0">
+            <a:schemeClr val="accent1"/>
+          </a:effectRef>
+          <a:fontRef idx="minor">
+            <a:schemeClr val="lt1"/>
+          </a:fontRef>
+        </p:style>
+        <p:txBody>
+          <a:bodyPr wrap="square" rtlCol="0" anchor="ctr">
+            <a:noAutofit/>
+          </a:bodyPr>
+          <a:lstStyle/>
+          <a:p>
+            <a:pPr marL="0" marR="0" lvl="0" indent="0" algn="ctr" defTabSz="914400" rtl="0" eaLnBrk="1" fontAlgn="auto" latinLnBrk="0" hangingPunct="1">
+              <a:lnSpc>
+                <a:spcPct val="100000"/>
+              </a:lnSpc>
+              <a:spcBef>
+                <a:spcPts val="0"/>
+              </a:spcBef>
+              <a:spcAft>
+                <a:spcPts val="0"/>
+              </a:spcAft>
+              <a:buClrTx/>
+              <a:buSzTx/>
+              <a:buFontTx/>
+              <a:buNone/>
+              <a:tabLst/>
+              <a:defRPr/>
+            </a:pPr>
+            <a:endParaRPr kumimoji="0" lang="en-US" sz="1800" b="0" i="0" u="none" strike="noStrike" kern="1200" cap="none" spc="0" normalizeH="0" baseline="0" noProof="0">
+              <a:ln>
+                <a:noFill/>
+              </a:ln>
+              <a:solidFill>
+                <a:prstClr val="white"/>
+              </a:solidFill>
+              <a:effectLst/>
+              <a:uLnTx/>
+              <a:uFillTx/>
+              <a:latin typeface="Calibri" panose="020F0502020204030204"/>
+              <a:ea typeface="+mn-ea"/>
+              <a:cs typeface="+mn-cs"/>
+            </a:endParaRPr>
+          </a:p>
+        </p:txBody>
+      </p:sp>
+      <p:sp useBgFill="1">
+        <p:nvSpPr>
+          <p:cNvPr id="12" name="Freeform: Shape 11">
+            <a:extLst>
+              <a:ext uri="{FF2B5EF4-FFF2-40B4-BE49-F238E27FC236}">
+                <a16:creationId xmlns:a16="http://schemas.microsoft.com/office/drawing/2014/main" id="{E1B96AD6-92A9-4273-A62B-96A1C3E0BA95}"/>
+              </a:ext>
+              <a:ext uri="{C183D7F6-B498-43B3-948B-1728B52AA6E4}">
+                <adec:decorative xmlns:adec="http://schemas.microsoft.com/office/drawing/2017/decorative" val="1"/>
+              </a:ext>
+            </a:extLst>
+          </p:cNvPr>
+          <p:cNvSpPr>
+            <a:spLocks noGrp="1" noRot="1" noChangeAspect="1" noMove="1" noResize="1" noEditPoints="1" noAdjustHandles="1" noChangeArrowheads="1" noChangeShapeType="1" noTextEdit="1"/>
+          </p:cNvSpPr>
+          <p:nvPr>
+            <p:extLst>
+              <p:ext uri="{386F3935-93C4-4BCD-93E2-E3B085C9AB24}">
+                <p16:designElem xmlns:p16="http://schemas.microsoft.com/office/powerpoint/2015/main" val="1"/>
+              </p:ext>
+            </p:extLst>
+          </p:nvPr>
+        </p:nvSpPr>
+        <p:spPr>
+          <a:xfrm>
+            <a:off x="1" y="0"/>
+            <a:ext cx="4811477" cy="6858000"/>
+          </a:xfrm>
+          <a:custGeom>
+            <a:avLst/>
+            <a:gdLst>
+              <a:gd name="connsiteX0" fmla="*/ 0 w 4811477"/>
+              <a:gd name="connsiteY0" fmla="*/ 0 h 6858000"/>
+              <a:gd name="connsiteX1" fmla="*/ 3598499 w 4811477"/>
+              <a:gd name="connsiteY1" fmla="*/ 0 h 6858000"/>
+              <a:gd name="connsiteX2" fmla="*/ 3661482 w 4811477"/>
+              <a:gd name="connsiteY2" fmla="*/ 69271 h 6858000"/>
+              <a:gd name="connsiteX3" fmla="*/ 4811477 w 4811477"/>
+              <a:gd name="connsiteY3" fmla="*/ 3429000 h 6858000"/>
+              <a:gd name="connsiteX4" fmla="*/ 3661482 w 4811477"/>
+              <a:gd name="connsiteY4" fmla="*/ 6788730 h 6858000"/>
+              <a:gd name="connsiteX5" fmla="*/ 3598499 w 4811477"/>
+              <a:gd name="connsiteY5" fmla="*/ 6858000 h 6858000"/>
+              <a:gd name="connsiteX6" fmla="*/ 0 w 4811477"/>
+              <a:gd name="connsiteY6" fmla="*/ 6858000 h 6858000"/>
+            </a:gdLst>
+            <a:ahLst/>
+            <a:cxnLst>
+              <a:cxn ang="0">
+                <a:pos x="connsiteX0" y="connsiteY0"/>
+              </a:cxn>
+              <a:cxn ang="0">
+                <a:pos x="connsiteX1" y="connsiteY1"/>
+              </a:cxn>
+              <a:cxn ang="0">
+                <a:pos x="connsiteX2" y="connsiteY2"/>
+              </a:cxn>
+              <a:cxn ang="0">
+                <a:pos x="connsiteX3" y="connsiteY3"/>
+              </a:cxn>
+              <a:cxn ang="0">
+                <a:pos x="connsiteX4" y="connsiteY4"/>
+              </a:cxn>
+              <a:cxn ang="0">
+                <a:pos x="connsiteX5" y="connsiteY5"/>
+              </a:cxn>
+              <a:cxn ang="0">
+                <a:pos x="connsiteX6" y="connsiteY6"/>
+              </a:cxn>
+            </a:cxnLst>
+            <a:rect l="l" t="t" r="r" b="b"/>
+            <a:pathLst>
+              <a:path w="4811477" h="6858000">
+                <a:moveTo>
+                  <a:pt x="0" y="0"/>
+                </a:moveTo>
+                <a:lnTo>
+                  <a:pt x="3598499" y="0"/>
+                </a:lnTo>
+                <a:lnTo>
+                  <a:pt x="3661482" y="69271"/>
+                </a:lnTo>
+                <a:cubicBezTo>
+                  <a:pt x="4372008" y="929100"/>
+                  <a:pt x="4811477" y="2116944"/>
+                  <a:pt x="4811477" y="3429000"/>
+                </a:cubicBezTo>
+                <a:cubicBezTo>
+                  <a:pt x="4811477" y="4741056"/>
+                  <a:pt x="4372008" y="5928900"/>
+                  <a:pt x="3661482" y="6788730"/>
+                </a:cubicBezTo>
+                <a:lnTo>
+                  <a:pt x="3598499" y="6858000"/>
+                </a:lnTo>
+                <a:lnTo>
+                  <a:pt x="0" y="6858000"/>
+                </a:lnTo>
+                <a:close/>
+              </a:path>
+            </a:pathLst>
+          </a:custGeom>
+          <a:ln w="9525">
+            <a:noFill/>
+          </a:ln>
+          <a:effectLst/>
+        </p:spPr>
+        <p:style>
+          <a:lnRef idx="2">
+            <a:schemeClr val="accent1">
+              <a:shade val="50000"/>
+            </a:schemeClr>
+          </a:lnRef>
+          <a:fillRef idx="1">
+            <a:schemeClr val="accent1"/>
+          </a:fillRef>
+          <a:effectRef idx="0">
+            <a:schemeClr val="accent1"/>
+          </a:effectRef>
+          <a:fontRef idx="minor">
+            <a:schemeClr val="lt1"/>
+          </a:fontRef>
+        </p:style>
+        <p:txBody>
+          <a:bodyPr wrap="square" rtlCol="0" anchor="ctr">
+            <a:noAutofit/>
+          </a:bodyPr>
+          <a:lstStyle/>
+          <a:p>
+            <a:pPr marL="0" marR="0" lvl="0" indent="0" algn="ctr" defTabSz="914400" rtl="0" eaLnBrk="1" fontAlgn="auto" latinLnBrk="0" hangingPunct="1">
+              <a:lnSpc>
+                <a:spcPct val="100000"/>
+              </a:lnSpc>
+              <a:spcBef>
+                <a:spcPts val="0"/>
+              </a:spcBef>
+              <a:spcAft>
+                <a:spcPts val="0"/>
+              </a:spcAft>
+              <a:buClrTx/>
+              <a:buSzTx/>
+              <a:buFontTx/>
+              <a:buNone/>
+              <a:tabLst/>
+              <a:defRPr/>
+            </a:pPr>
+            <a:endParaRPr kumimoji="0" lang="en-US" sz="1800" b="0" i="0" u="none" strike="noStrike" kern="1200" cap="none" spc="0" normalizeH="0" baseline="0" noProof="0">
+              <a:ln>
+                <a:noFill/>
+              </a:ln>
+              <a:solidFill>
+                <a:prstClr val="white"/>
+              </a:solidFill>
+              <a:effectLst/>
+              <a:uLnTx/>
+              <a:uFillTx/>
+              <a:latin typeface="Calibri" panose="020F0502020204030204"/>
+              <a:ea typeface="+mn-ea"/>
+              <a:cs typeface="+mn-cs"/>
+            </a:endParaRPr>
+          </a:p>
+        </p:txBody>
+      </p:sp>
+      <p:sp>
+        <p:nvSpPr>
+          <p:cNvPr id="2" name="Title 1">
+            <a:extLst>
+              <a:ext uri="{FF2B5EF4-FFF2-40B4-BE49-F238E27FC236}">
+                <a16:creationId xmlns:a16="http://schemas.microsoft.com/office/drawing/2014/main" id="{820BC68C-B546-A33A-A424-29D0559FB143}"/>
+              </a:ext>
+            </a:extLst>
+          </p:cNvPr>
+          <p:cNvSpPr>
+            <a:spLocks noGrp="1"/>
+          </p:cNvSpPr>
+          <p:nvPr>
+            <p:ph type="title"/>
+          </p:nvPr>
+        </p:nvSpPr>
+        <p:spPr>
+          <a:xfrm>
+            <a:off x="621792" y="1161288"/>
+            <a:ext cx="3602736" cy="4526280"/>
+          </a:xfrm>
+        </p:spPr>
+        <p:txBody>
+          <a:bodyPr>
+            <a:normAutofit/>
+          </a:bodyPr>
+          <a:lstStyle/>
+          <a:p>
+            <a:r>
+              <a:rPr lang="en-US"/>
+              <a:t>How do we Test Models?</a:t>
+            </a:r>
+            <a:endParaRPr lang="en-US" dirty="0"/>
+          </a:p>
+        </p:txBody>
+      </p:sp>
+      <p:sp>
+        <p:nvSpPr>
+          <p:cNvPr id="14" name="Rectangle 13">
+            <a:extLst>
+              <a:ext uri="{FF2B5EF4-FFF2-40B4-BE49-F238E27FC236}">
+                <a16:creationId xmlns:a16="http://schemas.microsoft.com/office/drawing/2014/main" id="{463EEC44-1BA3-44ED-81FC-A644B04B2A44}"/>
+              </a:ext>
+              <a:ext uri="{C183D7F6-B498-43B3-948B-1728B52AA6E4}">
+                <adec:decorative xmlns:adec="http://schemas.microsoft.com/office/drawing/2017/decorative" val="1"/>
+              </a:ext>
+            </a:extLst>
+          </p:cNvPr>
+          <p:cNvSpPr>
+            <a:spLocks noGrp="1" noRot="1" noChangeAspect="1" noMove="1" noResize="1" noEditPoints="1" noAdjustHandles="1" noChangeArrowheads="1" noChangeShapeType="1" noTextEdit="1"/>
+          </p:cNvSpPr>
+          <p:nvPr>
+            <p:extLst>
+              <p:ext uri="{386F3935-93C4-4BCD-93E2-E3B085C9AB24}">
+                <p16:designElem xmlns:p16="http://schemas.microsoft.com/office/powerpoint/2015/main" val="1"/>
+              </p:ext>
+            </p:extLst>
+          </p:nvPr>
+        </p:nvSpPr>
+        <p:spPr>
+          <a:xfrm>
+            <a:off x="0" y="3102049"/>
+            <a:ext cx="128016" cy="653903"/>
+          </a:xfrm>
+          <a:prstGeom prst="rect">
+            <a:avLst/>
+          </a:prstGeom>
+          <a:solidFill>
+            <a:schemeClr val="accent1"/>
+          </a:solidFill>
+          <a:ln>
+            <a:noFill/>
+          </a:ln>
+        </p:spPr>
+        <p:style>
+          <a:lnRef idx="2">
+            <a:schemeClr val="accent1">
+              <a:shade val="50000"/>
+            </a:schemeClr>
+          </a:lnRef>
+          <a:fillRef idx="1">
+            <a:schemeClr val="accent1"/>
+          </a:fillRef>
+          <a:effectRef idx="0">
+            <a:schemeClr val="accent1"/>
+          </a:effectRef>
+          <a:fontRef idx="minor">
+            <a:schemeClr val="lt1"/>
+          </a:fontRef>
+        </p:style>
+        <p:txBody>
+          <a:bodyPr rtlCol="0" anchor="ctr"/>
+          <a:lstStyle/>
+          <a:p>
+            <a:pPr marL="0" marR="0" lvl="0" indent="0" algn="ctr" defTabSz="914400" rtl="0" eaLnBrk="1" fontAlgn="auto" latinLnBrk="0" hangingPunct="1">
+              <a:lnSpc>
+                <a:spcPct val="100000"/>
+              </a:lnSpc>
+              <a:spcBef>
+                <a:spcPts val="0"/>
+              </a:spcBef>
+              <a:spcAft>
+                <a:spcPts val="0"/>
+              </a:spcAft>
+              <a:buClrTx/>
+              <a:buSzTx/>
+              <a:buFontTx/>
+              <a:buNone/>
+              <a:tabLst/>
+              <a:defRPr/>
+            </a:pPr>
+            <a:endParaRPr kumimoji="0" lang="en-US" sz="1800" b="0" i="0" u="none" strike="noStrike" kern="1200" cap="none" spc="0" normalizeH="0" baseline="0" noProof="0">
+              <a:ln>
+                <a:noFill/>
+              </a:ln>
+              <a:solidFill>
+                <a:prstClr val="white"/>
+              </a:solidFill>
+              <a:effectLst/>
+              <a:uLnTx/>
+              <a:uFillTx/>
+              <a:latin typeface="Calibri" panose="020F0502020204030204"/>
+              <a:ea typeface="+mn-ea"/>
+              <a:cs typeface="+mn-cs"/>
+            </a:endParaRPr>
+          </a:p>
+        </p:txBody>
+      </p:sp>
+      <p:sp>
+        <p:nvSpPr>
+          <p:cNvPr id="15" name="Content Placeholder 2">
+            <a:extLst>
+              <a:ext uri="{FF2B5EF4-FFF2-40B4-BE49-F238E27FC236}">
+                <a16:creationId xmlns:a16="http://schemas.microsoft.com/office/drawing/2014/main" id="{555CBAA4-4081-530B-5EC3-1B1E376760EE}"/>
+              </a:ext>
+            </a:extLst>
+          </p:cNvPr>
+          <p:cNvSpPr>
+            <a:spLocks noGrp="1"/>
+          </p:cNvSpPr>
+          <p:nvPr>
+            <p:ph idx="1"/>
+          </p:nvPr>
+        </p:nvSpPr>
+        <p:spPr>
+          <a:xfrm>
+            <a:off x="5434149" y="932688"/>
+            <a:ext cx="5916603" cy="4992624"/>
+          </a:xfrm>
+        </p:spPr>
+        <p:txBody>
+          <a:bodyPr anchor="ctr">
+            <a:normAutofit/>
+          </a:bodyPr>
+          <a:lstStyle/>
+          <a:p>
+            <a:r>
+              <a:rPr lang="en-US" sz="2000"/>
+              <a:t>The only way to know how well a model will generalize to new cases is to try it out on new cases.</a:t>
+            </a:r>
+          </a:p>
+          <a:p>
+            <a:r>
+              <a:rPr lang="en-US" sz="2000"/>
+              <a:t>One way to do that is to put your model in production and monitor how well it performs. </a:t>
+            </a:r>
+          </a:p>
+          <a:p>
+            <a:r>
+              <a:rPr lang="en-US" sz="2000"/>
+              <a:t>This works well, but if your model is horribly bad, your users will complain—not the best idea</a:t>
+            </a:r>
+          </a:p>
+        </p:txBody>
+      </p:sp>
+    </p:spTree>
+    <p:extLst>
+      <p:ext uri="{BB962C8B-B14F-4D97-AF65-F5344CB8AC3E}">
+        <p14:creationId xmlns:p14="http://schemas.microsoft.com/office/powerpoint/2010/main" val="2444461863"/>
+      </p:ext>
+    </p:extLst>
+  </p:cSld>
+  <p:clrMapOvr>
+    <a:masterClrMapping/>
+  </p:clrMapOvr>
+  <mc:AlternateContent xmlns:mc="http://schemas.openxmlformats.org/markup-compatibility/2006" xmlns:p14="http://schemas.microsoft.com/office/powerpoint/2010/main">
+    <mc:Choice Requires="p14">
+      <p:transition spd="med" p14:dur="700">
+        <p:fade/>
+      </p:transition>
+    </mc:Choice>
+    <mc:Fallback xmlns="">
+      <p:transition spd="med">
+        <p:fade/>
+      </p:transition>
+    </mc:Fallback>
+  </mc:AlternateContent>
+</p:sld>
+</file>
+
+<file path=ppt/slides/slide3.xml><?xml version="1.0" encoding="utf-8"?>
+<p:sld xmlns:a="http://schemas.openxmlformats.org/drawingml/2006/main" xmlns:r="http://schemas.openxmlformats.org/officeDocument/2006/relationships" xmlns:p="http://schemas.openxmlformats.org/presentationml/2006/main">
+  <p:cSld>
+    <p:bg>
+      <p:bgPr>
+        <a:solidFill>
+          <a:schemeClr val="bg1"/>
+        </a:solidFill>
+        <a:effectLst/>
+      </p:bgPr>
+    </p:bg>
+    <p:spTree>
+      <p:nvGrpSpPr>
+        <p:cNvPr id="1" name=""/>
+        <p:cNvGrpSpPr/>
+        <p:nvPr/>
+      </p:nvGrpSpPr>
+      <p:grpSpPr>
+        <a:xfrm>
+          <a:off x="0" y="0"/>
+          <a:ext cx="0" cy="0"/>
+          <a:chOff x="0" y="0"/>
+          <a:chExt cx="0" cy="0"/>
+        </a:xfrm>
+      </p:grpSpPr>
+      <p:sp>
+        <p:nvSpPr>
+          <p:cNvPr id="8" name="Rectangle 7">
+            <a:extLst>
+              <a:ext uri="{FF2B5EF4-FFF2-40B4-BE49-F238E27FC236}">
+                <a16:creationId xmlns:a16="http://schemas.microsoft.com/office/drawing/2014/main" id="{8D06CE56-3881-4ADA-8CEF-D18B02C242A3}"/>
+              </a:ext>
+              <a:ext uri="{C183D7F6-B498-43B3-948B-1728B52AA6E4}">
+                <adec:decorative xmlns:adec="http://schemas.microsoft.com/office/drawing/2017/decorative" val="1"/>
+              </a:ext>
+            </a:extLst>
+          </p:cNvPr>
+          <p:cNvSpPr>
+            <a:spLocks noGrp="1" noRot="1" noChangeAspect="1" noMove="1" noResize="1" noEditPoints="1" noAdjustHandles="1" noChangeArrowheads="1" noChangeShapeType="1" noTextEdit="1"/>
+          </p:cNvSpPr>
+          <p:nvPr>
+            <p:extLst>
+              <p:ext uri="{386F3935-93C4-4BCD-93E2-E3B085C9AB24}">
+                <p16:designElem xmlns:p16="http://schemas.microsoft.com/office/powerpoint/2015/main" val="1"/>
+              </p:ext>
+            </p:extLst>
+          </p:nvPr>
+        </p:nvSpPr>
+        <p:spPr>
+          <a:xfrm rot="5400000">
+            <a:off x="857544" y="346791"/>
+            <a:ext cx="146304" cy="704088"/>
+          </a:xfrm>
+          <a:prstGeom prst="rect">
+            <a:avLst/>
+          </a:prstGeom>
+          <a:solidFill>
+            <a:schemeClr val="accent1"/>
+          </a:solidFill>
+          <a:ln>
+            <a:noFill/>
+          </a:ln>
+        </p:spPr>
+        <p:style>
+          <a:lnRef idx="2">
+            <a:schemeClr val="accent1">
+              <a:shade val="50000"/>
+            </a:schemeClr>
+          </a:lnRef>
+          <a:fillRef idx="1">
+            <a:schemeClr val="accent1"/>
+          </a:fillRef>
+          <a:effectRef idx="0">
+            <a:schemeClr val="accent1"/>
+          </a:effectRef>
+          <a:fontRef idx="minor">
+            <a:schemeClr val="lt1"/>
+          </a:fontRef>
+        </p:style>
+        <p:txBody>
+          <a:bodyPr rtlCol="0" anchor="ctr"/>
+          <a:lstStyle/>
+          <a:p>
+            <a:pPr marL="0" marR="0" lvl="0" indent="0" algn="ctr" defTabSz="914400" rtl="0" eaLnBrk="1" fontAlgn="auto" latinLnBrk="0" hangingPunct="1">
+              <a:lnSpc>
+                <a:spcPct val="100000"/>
+              </a:lnSpc>
+              <a:spcBef>
+                <a:spcPts val="0"/>
+              </a:spcBef>
+              <a:spcAft>
+                <a:spcPts val="0"/>
+              </a:spcAft>
+              <a:buClrTx/>
+              <a:buSzTx/>
+              <a:buFontTx/>
+              <a:buNone/>
+              <a:tabLst/>
+              <a:defRPr/>
+            </a:pPr>
+            <a:endParaRPr kumimoji="0" lang="en-US" sz="1800" b="0" i="0" u="none" strike="noStrike" kern="1200" cap="none" spc="0" normalizeH="0" baseline="0" noProof="0">
+              <a:ln>
+                <a:noFill/>
+              </a:ln>
+              <a:solidFill>
+                <a:prstClr val="white"/>
+              </a:solidFill>
+              <a:effectLst/>
+              <a:uLnTx/>
+              <a:uFillTx/>
+              <a:latin typeface="Calibri" panose="020F0502020204030204"/>
+              <a:ea typeface="+mn-ea"/>
+              <a:cs typeface="+mn-cs"/>
+            </a:endParaRPr>
+          </a:p>
+        </p:txBody>
+      </p:sp>
+      <p:sp>
+        <p:nvSpPr>
+          <p:cNvPr id="10" name="Rectangle 9">
+            <a:extLst>
+              <a:ext uri="{FF2B5EF4-FFF2-40B4-BE49-F238E27FC236}">
+                <a16:creationId xmlns:a16="http://schemas.microsoft.com/office/drawing/2014/main" id="{79F3C543-62EC-4433-9C93-A2CD8764E9B4}"/>
+              </a:ext>
+              <a:ext uri="{C183D7F6-B498-43B3-948B-1728B52AA6E4}">
+                <adec:decorative xmlns:adec="http://schemas.microsoft.com/office/drawing/2017/decorative" val="1"/>
+              </a:ext>
+            </a:extLst>
+          </p:cNvPr>
+          <p:cNvSpPr>
+            <a:spLocks noGrp="1" noRot="1" noChangeAspect="1" noMove="1" noResize="1" noEditPoints="1" noAdjustHandles="1" noChangeArrowheads="1" noChangeShapeType="1" noTextEdit="1"/>
+          </p:cNvSpPr>
+          <p:nvPr>
+            <p:extLst>
+              <p:ext uri="{386F3935-93C4-4BCD-93E2-E3B085C9AB24}">
+                <p16:designElem xmlns:p16="http://schemas.microsoft.com/office/powerpoint/2015/main" val="1"/>
+              </p:ext>
+            </p:extLst>
+          </p:nvPr>
+        </p:nvSpPr>
+        <p:spPr>
+          <a:xfrm flipV="1">
+            <a:off x="578652" y="4501201"/>
+            <a:ext cx="11034696" cy="18288"/>
+          </a:xfrm>
+          <a:prstGeom prst="rect">
+            <a:avLst/>
+          </a:prstGeom>
+          <a:solidFill>
+            <a:schemeClr val="tx2">
+              <a:lumMod val="25000"/>
+              <a:lumOff val="75000"/>
+            </a:schemeClr>
+          </a:solidFill>
+          <a:ln w="3175">
+            <a:noFill/>
+          </a:ln>
+          <a:effectLst/>
+        </p:spPr>
+        <p:style>
+          <a:lnRef idx="2">
+            <a:schemeClr val="accent1">
+              <a:shade val="50000"/>
+            </a:schemeClr>
+          </a:lnRef>
+          <a:fillRef idx="1">
+            <a:schemeClr val="accent1"/>
+          </a:fillRef>
+          <a:effectRef idx="0">
+            <a:schemeClr val="accent1"/>
+          </a:effectRef>
+          <a:fontRef idx="minor">
+            <a:schemeClr val="lt1"/>
+          </a:fontRef>
+        </p:style>
+        <p:txBody>
+          <a:bodyPr rtlCol="0" anchor="ctr"/>
+          <a:lstStyle/>
+          <a:p>
+            <a:pPr marL="0" marR="0" lvl="0" indent="0" algn="ctr" defTabSz="914400" rtl="0" eaLnBrk="1" fontAlgn="auto" latinLnBrk="0" hangingPunct="1">
+              <a:lnSpc>
+                <a:spcPct val="100000"/>
+              </a:lnSpc>
+              <a:spcBef>
+                <a:spcPts val="0"/>
+              </a:spcBef>
+              <a:spcAft>
+                <a:spcPts val="0"/>
+              </a:spcAft>
+              <a:buClrTx/>
+              <a:buSzTx/>
+              <a:buFontTx/>
+              <a:buNone/>
+              <a:tabLst/>
+              <a:defRPr/>
+            </a:pPr>
+            <a:endParaRPr kumimoji="0" lang="en-US" sz="1800" b="0" i="0" u="none" strike="noStrike" kern="1200" cap="none" spc="0" normalizeH="0" baseline="0" noProof="0">
+              <a:ln>
+                <a:noFill/>
+              </a:ln>
+              <a:solidFill>
+                <a:prstClr val="white"/>
+              </a:solidFill>
+              <a:effectLst/>
+              <a:uLnTx/>
+              <a:uFillTx/>
+              <a:latin typeface="Calibri" panose="020F0502020204030204"/>
+              <a:ea typeface="+mn-ea"/>
+              <a:cs typeface="+mn-cs"/>
+            </a:endParaRPr>
+          </a:p>
+        </p:txBody>
+      </p:sp>
+      <p:sp useBgFill="1">
+        <p:nvSpPr>
+          <p:cNvPr id="12" name="Rectangle 11">
+            <a:extLst>
+              <a:ext uri="{FF2B5EF4-FFF2-40B4-BE49-F238E27FC236}">
+                <a16:creationId xmlns:a16="http://schemas.microsoft.com/office/drawing/2014/main" id="{526E0BFB-CDF1-4990-8C11-AC849311E0A8}"/>
+              </a:ext>
+              <a:ext uri="{C183D7F6-B498-43B3-948B-1728B52AA6E4}">
+                <adec:decorative xmlns:adec="http://schemas.microsoft.com/office/drawing/2017/decorative" val="1"/>
+              </a:ext>
+            </a:extLst>
+          </p:cNvPr>
+          <p:cNvSpPr>
+            <a:spLocks noGrp="1" noRot="1" noChangeAspect="1" noMove="1" noResize="1" noEditPoints="1" noAdjustHandles="1" noChangeArrowheads="1" noChangeShapeType="1" noTextEdit="1"/>
+          </p:cNvSpPr>
+          <p:nvPr>
+            <p:extLst>
+              <p:ext uri="{386F3935-93C4-4BCD-93E2-E3B085C9AB24}">
+                <p16:designElem xmlns:p16="http://schemas.microsoft.com/office/powerpoint/2015/main" val="1"/>
+              </p:ext>
+            </p:extLst>
+          </p:nvPr>
+        </p:nvSpPr>
+        <p:spPr>
+          <a:xfrm>
+            <a:off x="0" y="0"/>
+            <a:ext cx="12192000" cy="6858000"/>
+          </a:xfrm>
+          <a:prstGeom prst="rect">
+            <a:avLst/>
+          </a:prstGeom>
+          <a:ln>
+            <a:noFill/>
+          </a:ln>
+        </p:spPr>
+        <p:style>
+          <a:lnRef idx="2">
+            <a:schemeClr val="accent1">
+              <a:shade val="50000"/>
+            </a:schemeClr>
+          </a:lnRef>
+          <a:fillRef idx="1">
+            <a:schemeClr val="accent1"/>
+          </a:fillRef>
+          <a:effectRef idx="0">
+            <a:schemeClr val="accent1"/>
+          </a:effectRef>
+          <a:fontRef idx="minor">
+            <a:schemeClr val="lt1"/>
+          </a:fontRef>
+        </p:style>
+        <p:txBody>
+          <a:bodyPr rtlCol="0" anchor="ctr"/>
+          <a:lstStyle/>
+          <a:p>
+            <a:pPr algn="ctr"/>
+            <a:endParaRPr lang="en-US"/>
+          </a:p>
+        </p:txBody>
+      </p:sp>
+      <p:pic>
+        <p:nvPicPr>
+          <p:cNvPr id="4" name="Picture 3" descr="Complex maths formulae on a blackboard">
+            <a:extLst>
+              <a:ext uri="{FF2B5EF4-FFF2-40B4-BE49-F238E27FC236}">
+                <a16:creationId xmlns:a16="http://schemas.microsoft.com/office/drawing/2014/main" id="{BB484A05-D694-08FD-FDC1-39842F322BA3}"/>
+              </a:ext>
+            </a:extLst>
+          </p:cNvPr>
+          <p:cNvPicPr>
+            <a:picLocks noChangeAspect="1"/>
+          </p:cNvPicPr>
+          <p:nvPr/>
+        </p:nvPicPr>
+        <p:blipFill rotWithShape="1">
+          <a:blip r:embed="rId2"/>
+          <a:srcRect l="7728" r="-1" b="-1"/>
+          <a:stretch/>
+        </p:blipFill>
+        <p:spPr>
+          <a:xfrm>
+            <a:off x="-2" y="10"/>
+            <a:ext cx="8668512" cy="6857990"/>
+          </a:xfrm>
+          <a:prstGeom prst="rect">
+            <a:avLst/>
+          </a:prstGeom>
+        </p:spPr>
+      </p:pic>
+      <p:sp>
+        <p:nvSpPr>
+          <p:cNvPr id="14" name="Rectangle 13">
+            <a:extLst>
+              <a:ext uri="{FF2B5EF4-FFF2-40B4-BE49-F238E27FC236}">
+                <a16:creationId xmlns:a16="http://schemas.microsoft.com/office/drawing/2014/main" id="{6069A1F8-9BEB-4786-9694-FC48B2D75D21}"/>
+              </a:ext>
+              <a:ext uri="{C183D7F6-B498-43B3-948B-1728B52AA6E4}">
+                <adec:decorative xmlns:adec="http://schemas.microsoft.com/office/drawing/2017/decorative" val="1"/>
+              </a:ext>
+            </a:extLst>
+          </p:cNvPr>
+          <p:cNvSpPr>
+            <a:spLocks noGrp="1" noRot="1" noChangeAspect="1" noMove="1" noResize="1" noEditPoints="1" noAdjustHandles="1" noChangeArrowheads="1" noChangeShapeType="1" noTextEdit="1"/>
+          </p:cNvSpPr>
+          <p:nvPr>
+            <p:extLst>
+              <p:ext uri="{386F3935-93C4-4BCD-93E2-E3B085C9AB24}">
+                <p16:designElem xmlns:p16="http://schemas.microsoft.com/office/powerpoint/2015/main" val="1"/>
+              </p:ext>
+            </p:extLst>
+          </p:nvPr>
+        </p:nvSpPr>
+        <p:spPr>
+          <a:xfrm flipH="1">
+            <a:off x="2788244" y="0"/>
+            <a:ext cx="9403756" cy="6858000"/>
+          </a:xfrm>
+          <a:prstGeom prst="rect">
+            <a:avLst/>
+          </a:prstGeom>
+          <a:gradFill>
+            <a:gsLst>
+              <a:gs pos="58000">
+                <a:schemeClr val="bg1"/>
+              </a:gs>
+              <a:gs pos="30000">
+                <a:schemeClr val="bg1">
+                  <a:alpha val="64000"/>
+                </a:schemeClr>
+              </a:gs>
+              <a:gs pos="0">
+                <a:schemeClr val="bg1">
+                  <a:alpha val="0"/>
+                </a:schemeClr>
+              </a:gs>
+              <a:gs pos="100000">
+                <a:schemeClr val="bg1"/>
+              </a:gs>
+            </a:gsLst>
+            <a:lin ang="10800000" scaled="0"/>
+          </a:gradFill>
+          <a:ln>
+            <a:noFill/>
+          </a:ln>
+        </p:spPr>
+        <p:style>
+          <a:lnRef idx="2">
+            <a:schemeClr val="accent1">
+              <a:shade val="50000"/>
+            </a:schemeClr>
+          </a:lnRef>
+          <a:fillRef idx="1">
+            <a:schemeClr val="accent1"/>
+          </a:fillRef>
+          <a:effectRef idx="0">
+            <a:schemeClr val="accent1"/>
+          </a:effectRef>
+          <a:fontRef idx="minor">
+            <a:schemeClr val="lt1"/>
+          </a:fontRef>
+        </p:style>
+        <p:txBody>
+          <a:bodyPr rtlCol="0" anchor="ctr"/>
+          <a:lstStyle/>
+          <a:p>
+            <a:pPr algn="ctr"/>
+            <a:endParaRPr lang="en-US" dirty="0"/>
+          </a:p>
+        </p:txBody>
+      </p:sp>
+      <p:sp>
+        <p:nvSpPr>
+          <p:cNvPr id="2" name="Title 1">
+            <a:extLst>
+              <a:ext uri="{FF2B5EF4-FFF2-40B4-BE49-F238E27FC236}">
+                <a16:creationId xmlns:a16="http://schemas.microsoft.com/office/drawing/2014/main" id="{C9251F71-CCE1-E445-7F44-08FAACA80CA0}"/>
+              </a:ext>
+            </a:extLst>
+          </p:cNvPr>
+          <p:cNvSpPr>
+            <a:spLocks noGrp="1"/>
+          </p:cNvSpPr>
+          <p:nvPr>
+            <p:ph type="title"/>
+          </p:nvPr>
+        </p:nvSpPr>
+        <p:spPr>
+          <a:xfrm>
+            <a:off x="7848600" y="1122363"/>
+            <a:ext cx="4023360" cy="3204134"/>
+          </a:xfrm>
+        </p:spPr>
+        <p:txBody>
+          <a:bodyPr vert="horz" lIns="91440" tIns="45720" rIns="91440" bIns="45720" rtlCol="0" anchor="b">
+            <a:normAutofit/>
+          </a:bodyPr>
+          <a:lstStyle/>
+          <a:p>
+            <a:r>
+              <a:rPr lang="en-US" sz="4400"/>
+              <a:t>What is Machine Learning and Data Science?</a:t>
+            </a:r>
+          </a:p>
+        </p:txBody>
+      </p:sp>
+      <p:sp>
+        <p:nvSpPr>
+          <p:cNvPr id="16" name="Rectangle 15">
+            <a:extLst>
+              <a:ext uri="{FF2B5EF4-FFF2-40B4-BE49-F238E27FC236}">
+                <a16:creationId xmlns:a16="http://schemas.microsoft.com/office/drawing/2014/main" id="{AF2F604E-43BE-4DC3-B983-E071523364F8}"/>
+              </a:ext>
+              <a:ext uri="{C183D7F6-B498-43B3-948B-1728B52AA6E4}">
+                <adec:decorative xmlns:adec="http://schemas.microsoft.com/office/drawing/2017/decorative" val="1"/>
+              </a:ext>
+            </a:extLst>
+          </p:cNvPr>
+          <p:cNvSpPr>
+            <a:spLocks noGrp="1" noRot="1" noChangeAspect="1" noMove="1" noResize="1" noEditPoints="1" noAdjustHandles="1" noChangeArrowheads="1" noChangeShapeType="1" noTextEdit="1"/>
+          </p:cNvSpPr>
+          <p:nvPr>
+            <p:extLst>
+              <p:ext uri="{386F3935-93C4-4BCD-93E2-E3B085C9AB24}">
+                <p16:designElem xmlns:p16="http://schemas.microsoft.com/office/powerpoint/2015/main" val="1"/>
+              </p:ext>
+            </p:extLst>
+          </p:nvPr>
+        </p:nvSpPr>
+        <p:spPr>
+          <a:xfrm rot="5400000">
+            <a:off x="8130540" y="346791"/>
+            <a:ext cx="146304" cy="704088"/>
+          </a:xfrm>
+          <a:prstGeom prst="rect">
+            <a:avLst/>
+          </a:prstGeom>
+          <a:solidFill>
+            <a:schemeClr val="accent1"/>
+          </a:solidFill>
+          <a:ln>
+            <a:noFill/>
+          </a:ln>
+        </p:spPr>
+        <p:style>
+          <a:lnRef idx="2">
+            <a:schemeClr val="accent1">
+              <a:shade val="50000"/>
+            </a:schemeClr>
+          </a:lnRef>
+          <a:fillRef idx="1">
+            <a:schemeClr val="accent1"/>
+          </a:fillRef>
+          <a:effectRef idx="0">
+            <a:schemeClr val="accent1"/>
+          </a:effectRef>
+          <a:fontRef idx="minor">
+            <a:schemeClr val="lt1"/>
+          </a:fontRef>
+        </p:style>
+        <p:txBody>
+          <a:bodyPr rtlCol="0" anchor="ctr"/>
+          <a:lstStyle/>
+          <a:p>
+            <a:pPr marL="0" marR="0" lvl="0" indent="0" algn="ctr" defTabSz="914400" rtl="0" eaLnBrk="1" fontAlgn="auto" latinLnBrk="0" hangingPunct="1">
+              <a:lnSpc>
+                <a:spcPct val="100000"/>
+              </a:lnSpc>
+              <a:spcBef>
+                <a:spcPts val="0"/>
+              </a:spcBef>
+              <a:spcAft>
+                <a:spcPts val="0"/>
+              </a:spcAft>
+              <a:buClrTx/>
+              <a:buSzTx/>
+              <a:buFontTx/>
+              <a:buNone/>
+              <a:tabLst/>
+              <a:defRPr/>
+            </a:pPr>
+            <a:endParaRPr kumimoji="0" lang="en-US" sz="1800" b="0" i="0" u="none" strike="noStrike" kern="1200" cap="none" spc="0" normalizeH="0" baseline="0" noProof="0">
+              <a:ln>
+                <a:noFill/>
+              </a:ln>
+              <a:solidFill>
+                <a:prstClr val="white"/>
+              </a:solidFill>
+              <a:effectLst/>
+              <a:uLnTx/>
+              <a:uFillTx/>
+              <a:latin typeface="Calibri" panose="020F0502020204030204"/>
+              <a:ea typeface="+mn-ea"/>
+              <a:cs typeface="+mn-cs"/>
+            </a:endParaRPr>
+          </a:p>
+        </p:txBody>
+      </p:sp>
+      <p:sp>
+        <p:nvSpPr>
+          <p:cNvPr id="18" name="Rectangle 17">
+            <a:extLst>
+              <a:ext uri="{FF2B5EF4-FFF2-40B4-BE49-F238E27FC236}">
+                <a16:creationId xmlns:a16="http://schemas.microsoft.com/office/drawing/2014/main" id="{08C9B587-E65E-4B52-B37C-ABEBB6E87928}"/>
+              </a:ext>
+              <a:ext uri="{C183D7F6-B498-43B3-948B-1728B52AA6E4}">
+                <adec:decorative xmlns:adec="http://schemas.microsoft.com/office/drawing/2017/decorative" val="1"/>
+              </a:ext>
+            </a:extLst>
+          </p:cNvPr>
+          <p:cNvSpPr>
+            <a:spLocks noGrp="1" noRot="1" noChangeAspect="1" noMove="1" noResize="1" noEditPoints="1" noAdjustHandles="1" noChangeArrowheads="1" noChangeShapeType="1" noTextEdit="1"/>
+          </p:cNvSpPr>
+          <p:nvPr>
+            <p:extLst>
+              <p:ext uri="{386F3935-93C4-4BCD-93E2-E3B085C9AB24}">
+                <p16:designElem xmlns:p16="http://schemas.microsoft.com/office/powerpoint/2015/main" val="1"/>
+              </p:ext>
+            </p:extLst>
+          </p:nvPr>
+        </p:nvSpPr>
+        <p:spPr>
+          <a:xfrm>
+            <a:off x="7851648" y="4546920"/>
+            <a:ext cx="4023360" cy="18288"/>
+          </a:xfrm>
+          <a:prstGeom prst="rect">
+            <a:avLst/>
+          </a:prstGeom>
+          <a:solidFill>
+            <a:schemeClr val="tx1"/>
+          </a:solidFill>
+          <a:ln w="3175">
+            <a:noFill/>
+          </a:ln>
+          <a:effectLst/>
+        </p:spPr>
+        <p:style>
+          <a:lnRef idx="2">
+            <a:schemeClr val="accent1">
+              <a:shade val="50000"/>
+            </a:schemeClr>
+          </a:lnRef>
+          <a:fillRef idx="1">
+            <a:schemeClr val="accent1"/>
+          </a:fillRef>
+          <a:effectRef idx="0">
+            <a:schemeClr val="accent1"/>
+          </a:effectRef>
+          <a:fontRef idx="minor">
+            <a:schemeClr val="lt1"/>
+          </a:fontRef>
+        </p:style>
+        <p:txBody>
+          <a:bodyPr rtlCol="0" anchor="ctr"/>
+          <a:lstStyle/>
+          <a:p>
+            <a:pPr marL="0" marR="0" lvl="0" indent="0" algn="ctr" defTabSz="914400" rtl="0" eaLnBrk="1" fontAlgn="auto" latinLnBrk="0" hangingPunct="1">
+              <a:lnSpc>
+                <a:spcPct val="100000"/>
+              </a:lnSpc>
+              <a:spcBef>
+                <a:spcPts val="0"/>
+              </a:spcBef>
+              <a:spcAft>
+                <a:spcPts val="0"/>
+              </a:spcAft>
+              <a:buClrTx/>
+              <a:buSzTx/>
+              <a:buFontTx/>
+              <a:buNone/>
+              <a:tabLst/>
+              <a:defRPr/>
+            </a:pPr>
+            <a:endParaRPr kumimoji="0" lang="en-US" sz="1800" b="0" i="0" u="none" strike="noStrike" kern="1200" cap="none" spc="0" normalizeH="0" baseline="0" noProof="0">
+              <a:ln>
+                <a:noFill/>
+              </a:ln>
+              <a:solidFill>
+                <a:prstClr val="white"/>
+              </a:solidFill>
+              <a:effectLst/>
+              <a:uLnTx/>
+              <a:uFillTx/>
+              <a:latin typeface="Calibri" panose="020F0502020204030204"/>
+              <a:ea typeface="+mn-ea"/>
+              <a:cs typeface="+mn-cs"/>
+            </a:endParaRPr>
+          </a:p>
+        </p:txBody>
+      </p:sp>
+    </p:spTree>
+    <p:extLst>
+      <p:ext uri="{BB962C8B-B14F-4D97-AF65-F5344CB8AC3E}">
+        <p14:creationId xmlns:p14="http://schemas.microsoft.com/office/powerpoint/2010/main" val="3255763091"/>
+      </p:ext>
+    </p:extLst>
+  </p:cSld>
+  <p:clrMapOvr>
+    <a:overrideClrMapping bg1="dk1" tx1="lt1" bg2="dk2" tx2="lt2" accent1="accent1" accent2="accent2" accent3="accent3" accent4="accent4" accent5="accent5" accent6="accent6" hlink="hlink" folHlink="folHlink"/>
+  </p:clrMapOvr>
+  <mc:AlternateContent xmlns:mc="http://schemas.openxmlformats.org/markup-compatibility/2006" xmlns:p14="http://schemas.microsoft.com/office/powerpoint/2010/main">
+    <mc:Choice Requires="p14">
+      <p:transition spd="med" p14:dur="700">
+        <p:fade/>
+      </p:transition>
+    </mc:Choice>
+    <mc:Fallback xmlns="">
+      <p:transition spd="med">
+        <p:fade/>
+      </p:transition>
+    </mc:Fallback>
+  </mc:AlternateContent>
+</p:sld>
+</file>
+
+<file path=ppt/slides/slide30.xml><?xml version="1.0" encoding="utf-8"?>
+<p:sld xmlns:a="http://schemas.openxmlformats.org/drawingml/2006/main" xmlns:r="http://schemas.openxmlformats.org/officeDocument/2006/relationships" xmlns:p="http://schemas.openxmlformats.org/presentationml/2006/main">
+  <p:cSld>
+    <p:bg>
+      <p:bgPr>
+        <a:solidFill>
+          <a:schemeClr val="bg1"/>
+        </a:solidFill>
+        <a:effectLst/>
+      </p:bgPr>
+    </p:bg>
+    <p:spTree>
+      <p:nvGrpSpPr>
+        <p:cNvPr id="1" name=""/>
+        <p:cNvGrpSpPr/>
+        <p:nvPr/>
+      </p:nvGrpSpPr>
+      <p:grpSpPr>
+        <a:xfrm>
+          <a:off x="0" y="0"/>
+          <a:ext cx="0" cy="0"/>
+          <a:chOff x="0" y="0"/>
+          <a:chExt cx="0" cy="0"/>
+        </a:xfrm>
+      </p:grpSpPr>
+      <p:sp useBgFill="1">
+        <p:nvSpPr>
+          <p:cNvPr id="10" name="Rectangle 9">
+            <a:extLst>
+              <a:ext uri="{FF2B5EF4-FFF2-40B4-BE49-F238E27FC236}">
+                <a16:creationId xmlns:a16="http://schemas.microsoft.com/office/drawing/2014/main" id="{AFF8D2E5-2C4E-47B1-930B-6C82B7C31331}"/>
+              </a:ext>
+              <a:ext uri="{C183D7F6-B498-43B3-948B-1728B52AA6E4}">
+                <adec:decorative xmlns:adec="http://schemas.microsoft.com/office/drawing/2017/decorative" val="1"/>
+              </a:ext>
+            </a:extLst>
+          </p:cNvPr>
+          <p:cNvSpPr>
+            <a:spLocks noGrp="1" noRot="1" noChangeAspect="1" noMove="1" noResize="1" noEditPoints="1" noAdjustHandles="1" noChangeArrowheads="1" noChangeShapeType="1" noTextEdit="1"/>
+          </p:cNvSpPr>
+          <p:nvPr>
+            <p:extLst>
+              <p:ext uri="{386F3935-93C4-4BCD-93E2-E3B085C9AB24}">
+                <p16:designElem xmlns:p16="http://schemas.microsoft.com/office/powerpoint/2015/main" val="1"/>
+              </p:ext>
+            </p:extLst>
+          </p:nvPr>
+        </p:nvSpPr>
+        <p:spPr>
+          <a:xfrm>
+            <a:off x="0" y="0"/>
+            <a:ext cx="12192000" cy="6858000"/>
+          </a:xfrm>
+          <a:prstGeom prst="rect">
+            <a:avLst/>
+          </a:prstGeom>
+          <a:ln>
+            <a:noFill/>
+          </a:ln>
+        </p:spPr>
+        <p:style>
+          <a:lnRef idx="2">
+            <a:schemeClr val="accent1">
+              <a:shade val="50000"/>
+            </a:schemeClr>
+          </a:lnRef>
+          <a:fillRef idx="1">
+            <a:schemeClr val="accent1"/>
+          </a:fillRef>
+          <a:effectRef idx="0">
+            <a:schemeClr val="accent1"/>
+          </a:effectRef>
+          <a:fontRef idx="minor">
+            <a:schemeClr val="lt1"/>
+          </a:fontRef>
+        </p:style>
+        <p:txBody>
+          <a:bodyPr rtlCol="0" anchor="ctr"/>
+          <a:lstStyle/>
+          <a:p>
+            <a:pPr algn="ctr"/>
+            <a:endParaRPr lang="en-US"/>
+          </a:p>
+        </p:txBody>
+      </p:sp>
+      <p:sp>
+        <p:nvSpPr>
+          <p:cNvPr id="2" name="Title 1">
+            <a:extLst>
+              <a:ext uri="{FF2B5EF4-FFF2-40B4-BE49-F238E27FC236}">
+                <a16:creationId xmlns:a16="http://schemas.microsoft.com/office/drawing/2014/main" id="{C609FAB9-8999-79C8-EC6F-0713B6086ADE}"/>
+              </a:ext>
+            </a:extLst>
+          </p:cNvPr>
+          <p:cNvSpPr>
+            <a:spLocks noGrp="1"/>
+          </p:cNvSpPr>
+          <p:nvPr>
+            <p:ph type="title"/>
+          </p:nvPr>
+        </p:nvSpPr>
+        <p:spPr>
+          <a:xfrm>
+            <a:off x="841248" y="251312"/>
+            <a:ext cx="10506456" cy="1010264"/>
+          </a:xfrm>
+        </p:spPr>
+        <p:txBody>
+          <a:bodyPr anchor="ctr">
+            <a:normAutofit/>
+          </a:bodyPr>
+          <a:lstStyle/>
+          <a:p>
+            <a:r>
+              <a:rPr lang="en-US"/>
+              <a:t>Training and Test Sets</a:t>
+            </a:r>
+            <a:endParaRPr lang="en-US" dirty="0"/>
+          </a:p>
+        </p:txBody>
+      </p:sp>
+      <p:sp>
+        <p:nvSpPr>
+          <p:cNvPr id="12" name="Rectangle 11">
+            <a:extLst>
+              <a:ext uri="{FF2B5EF4-FFF2-40B4-BE49-F238E27FC236}">
+                <a16:creationId xmlns:a16="http://schemas.microsoft.com/office/drawing/2014/main" id="{801E4ADA-0EA9-4930-846E-3C11E8BED6DD}"/>
+              </a:ext>
+              <a:ext uri="{C183D7F6-B498-43B3-948B-1728B52AA6E4}">
+                <adec:decorative xmlns:adec="http://schemas.microsoft.com/office/drawing/2017/decorative" val="1"/>
+              </a:ext>
+            </a:extLst>
+          </p:cNvPr>
+          <p:cNvSpPr>
+            <a:spLocks noGrp="1" noRot="1" noChangeAspect="1" noMove="1" noResize="1" noEditPoints="1" noAdjustHandles="1" noChangeArrowheads="1" noChangeShapeType="1" noTextEdit="1"/>
+          </p:cNvSpPr>
+          <p:nvPr>
+            <p:extLst>
+              <p:ext uri="{386F3935-93C4-4BCD-93E2-E3B085C9AB24}">
+                <p16:designElem xmlns:p16="http://schemas.microsoft.com/office/powerpoint/2015/main" val="1"/>
+              </p:ext>
+            </p:extLst>
+          </p:nvPr>
+        </p:nvSpPr>
+        <p:spPr>
+          <a:xfrm>
+            <a:off x="0" y="417618"/>
+            <a:ext cx="128016" cy="631415"/>
+          </a:xfrm>
+          <a:prstGeom prst="rect">
+            <a:avLst/>
+          </a:prstGeom>
+          <a:solidFill>
+            <a:schemeClr val="accent1"/>
+          </a:solidFill>
+          <a:ln>
+            <a:noFill/>
+          </a:ln>
+        </p:spPr>
+        <p:style>
+          <a:lnRef idx="2">
+            <a:schemeClr val="accent1">
+              <a:shade val="50000"/>
+            </a:schemeClr>
+          </a:lnRef>
+          <a:fillRef idx="1">
+            <a:schemeClr val="accent1"/>
+          </a:fillRef>
+          <a:effectRef idx="0">
+            <a:schemeClr val="accent1"/>
+          </a:effectRef>
+          <a:fontRef idx="minor">
+            <a:schemeClr val="lt1"/>
+          </a:fontRef>
+        </p:style>
+        <p:txBody>
+          <a:bodyPr rtlCol="0" anchor="ctr"/>
+          <a:lstStyle/>
+          <a:p>
+            <a:pPr marL="0" marR="0" lvl="0" indent="0" algn="ctr" defTabSz="914400" rtl="0" eaLnBrk="1" fontAlgn="auto" latinLnBrk="0" hangingPunct="1">
+              <a:lnSpc>
+                <a:spcPct val="100000"/>
+              </a:lnSpc>
+              <a:spcBef>
+                <a:spcPts val="0"/>
+              </a:spcBef>
+              <a:spcAft>
+                <a:spcPts val="0"/>
+              </a:spcAft>
+              <a:buClrTx/>
+              <a:buSzTx/>
+              <a:buFontTx/>
+              <a:buNone/>
+              <a:tabLst/>
+              <a:defRPr/>
+            </a:pPr>
+            <a:endParaRPr kumimoji="0" lang="en-US" sz="1800" b="0" i="0" u="none" strike="noStrike" kern="1200" cap="none" spc="0" normalizeH="0" baseline="0" noProof="0">
+              <a:ln>
+                <a:noFill/>
+              </a:ln>
+              <a:solidFill>
+                <a:prstClr val="white"/>
+              </a:solidFill>
+              <a:effectLst/>
+              <a:uLnTx/>
+              <a:uFillTx/>
+              <a:latin typeface="Calibri" panose="020F0502020204030204"/>
+              <a:ea typeface="+mn-ea"/>
+              <a:cs typeface="+mn-cs"/>
+            </a:endParaRPr>
+          </a:p>
+        </p:txBody>
+      </p:sp>
+      <p:sp>
+        <p:nvSpPr>
+          <p:cNvPr id="14" name="Rectangle 13">
+            <a:extLst>
+              <a:ext uri="{FF2B5EF4-FFF2-40B4-BE49-F238E27FC236}">
+                <a16:creationId xmlns:a16="http://schemas.microsoft.com/office/drawing/2014/main" id="{FB92FFCE-0C90-454E-AA25-D4EE9A6C39C5}"/>
+              </a:ext>
+              <a:ext uri="{C183D7F6-B498-43B3-948B-1728B52AA6E4}">
+                <adec:decorative xmlns:adec="http://schemas.microsoft.com/office/drawing/2017/decorative" val="1"/>
+              </a:ext>
+            </a:extLst>
+          </p:cNvPr>
+          <p:cNvSpPr>
+            <a:spLocks noGrp="1" noRot="1" noChangeAspect="1" noMove="1" noResize="1" noEditPoints="1" noAdjustHandles="1" noChangeArrowheads="1" noChangeShapeType="1" noTextEdit="1"/>
+          </p:cNvSpPr>
+          <p:nvPr>
+            <p:extLst>
+              <p:ext uri="{386F3935-93C4-4BCD-93E2-E3B085C9AB24}">
+                <p16:designElem xmlns:p16="http://schemas.microsoft.com/office/powerpoint/2015/main" val="1"/>
+              </p:ext>
+            </p:extLst>
+          </p:nvPr>
+        </p:nvSpPr>
+        <p:spPr>
+          <a:xfrm>
+            <a:off x="841248" y="1380864"/>
+            <a:ext cx="10506456" cy="18288"/>
+          </a:xfrm>
+          <a:prstGeom prst="rect">
+            <a:avLst/>
+          </a:prstGeom>
+          <a:solidFill>
+            <a:schemeClr val="tx2">
+              <a:lumMod val="25000"/>
+              <a:lumOff val="75000"/>
+            </a:schemeClr>
+          </a:solidFill>
+          <a:ln w="3175">
+            <a:noFill/>
+          </a:ln>
+          <a:effectLst/>
+        </p:spPr>
+        <p:style>
+          <a:lnRef idx="2">
+            <a:schemeClr val="accent1">
+              <a:shade val="50000"/>
+            </a:schemeClr>
+          </a:lnRef>
+          <a:fillRef idx="1">
+            <a:schemeClr val="accent1"/>
+          </a:fillRef>
+          <a:effectRef idx="0">
+            <a:schemeClr val="accent1"/>
+          </a:effectRef>
+          <a:fontRef idx="minor">
+            <a:schemeClr val="lt1"/>
+          </a:fontRef>
+        </p:style>
+        <p:txBody>
+          <a:bodyPr rtlCol="0" anchor="ctr"/>
+          <a:lstStyle/>
+          <a:p>
+            <a:pPr marL="0" marR="0" lvl="0" indent="0" algn="ctr" defTabSz="914400" rtl="0" eaLnBrk="1" fontAlgn="auto" latinLnBrk="0" hangingPunct="1">
+              <a:lnSpc>
+                <a:spcPct val="100000"/>
+              </a:lnSpc>
+              <a:spcBef>
+                <a:spcPts val="0"/>
+              </a:spcBef>
+              <a:spcAft>
+                <a:spcPts val="0"/>
+              </a:spcAft>
+              <a:buClrTx/>
+              <a:buSzTx/>
+              <a:buFontTx/>
+              <a:buNone/>
+              <a:tabLst/>
+              <a:defRPr/>
+            </a:pPr>
+            <a:endParaRPr kumimoji="0" lang="en-US" sz="1800" b="0" i="0" u="none" strike="noStrike" kern="1200" cap="none" spc="0" normalizeH="0" baseline="0" noProof="0">
+              <a:ln>
+                <a:noFill/>
+              </a:ln>
+              <a:solidFill>
+                <a:prstClr val="white"/>
+              </a:solidFill>
+              <a:effectLst/>
+              <a:uLnTx/>
+              <a:uFillTx/>
+              <a:latin typeface="Calibri" panose="020F0502020204030204"/>
+              <a:ea typeface="+mn-ea"/>
+              <a:cs typeface="+mn-cs"/>
+            </a:endParaRPr>
+          </a:p>
+        </p:txBody>
+      </p:sp>
+      <p:graphicFrame>
+        <p:nvGraphicFramePr>
+          <p:cNvPr id="5" name="Content Placeholder 2">
+            <a:extLst>
+              <a:ext uri="{FF2B5EF4-FFF2-40B4-BE49-F238E27FC236}">
+                <a16:creationId xmlns:a16="http://schemas.microsoft.com/office/drawing/2014/main" id="{9EE688D7-A052-EA47-CEE4-C84413A25D78}"/>
+              </a:ext>
+            </a:extLst>
+          </p:cNvPr>
+          <p:cNvGraphicFramePr>
+            <a:graphicFrameLocks noGrp="1"/>
+          </p:cNvGraphicFramePr>
+          <p:nvPr>
+            <p:ph idx="1"/>
+            <p:extLst>
+              <p:ext uri="{D42A27DB-BD31-4B8C-83A1-F6EECF244321}">
+                <p14:modId xmlns:p14="http://schemas.microsoft.com/office/powerpoint/2010/main" val="3564009973"/>
+              </p:ext>
+            </p:extLst>
+          </p:nvPr>
+        </p:nvGraphicFramePr>
+        <p:xfrm>
+          <a:off x="838200" y="1650222"/>
+          <a:ext cx="10506456" cy="4584946"/>
+        </p:xfrm>
+        <a:graphic>
+          <a:graphicData uri="http://schemas.openxmlformats.org/drawingml/2006/diagram">
+            <dgm:relIds xmlns:dgm="http://schemas.openxmlformats.org/drawingml/2006/diagram" xmlns:r="http://schemas.openxmlformats.org/officeDocument/2006/relationships" r:dm="rId2" r:lo="rId3" r:qs="rId4" r:cs="rId5"/>
+          </a:graphicData>
+        </a:graphic>
+      </p:graphicFrame>
+    </p:spTree>
+    <p:extLst>
+      <p:ext uri="{BB962C8B-B14F-4D97-AF65-F5344CB8AC3E}">
+        <p14:creationId xmlns:p14="http://schemas.microsoft.com/office/powerpoint/2010/main" val="3916303869"/>
+      </p:ext>
+    </p:extLst>
+  </p:cSld>
+  <p:clrMapOvr>
+    <a:masterClrMapping/>
+  </p:clrMapOvr>
+  <mc:AlternateContent xmlns:mc="http://schemas.openxmlformats.org/markup-compatibility/2006" xmlns:p14="http://schemas.microsoft.com/office/powerpoint/2010/main">
+    <mc:Choice Requires="p14">
+      <p:transition spd="med" p14:dur="700">
+        <p:fade/>
+      </p:transition>
+    </mc:Choice>
+    <mc:Fallback xmlns="">
+      <p:transition spd="med">
+        <p:fade/>
+      </p:transition>
+    </mc:Fallback>
+  </mc:AlternateContent>
+</p:sld>
+</file>
+
+<file path=ppt/slides/slide31.xml><?xml version="1.0" encoding="utf-8"?>
 <p:sld xmlns:a="http://schemas.openxmlformats.org/drawingml/2006/main" xmlns:r="http://schemas.openxmlformats.org/officeDocument/2006/relationships" xmlns:p="http://schemas.openxmlformats.org/presentationml/2006/main">
   <p:cSld>
     <p:bg>
@@ -40823,36 +46763,42 @@
         </p:spPr>
         <p:txBody>
           <a:bodyPr>
-            <a:normAutofit/>
+            <a:normAutofit fontScale="92500" lnSpcReduction="10000"/>
           </a:bodyPr>
           <a:lstStyle/>
           <a:p>
             <a:r>
-              <a:rPr lang="en-US" sz="2200"/>
+              <a:rPr lang="en-US" sz="2200" dirty="0"/>
               <a:t>Machine Learning is about making machines get better at some task by learning from data, instead of having to explicitly code rules. </a:t>
             </a:r>
           </a:p>
           <a:p>
             <a:r>
-              <a:rPr lang="en-US" sz="2200"/>
+              <a:rPr lang="en-US" sz="2200" dirty="0"/>
               <a:t>There are different types of ML systems: Supervised and Unsupervised.</a:t>
             </a:r>
           </a:p>
           <a:p>
             <a:r>
-              <a:rPr lang="en-US" sz="2200"/>
+              <a:rPr lang="en-US" sz="2200" dirty="0"/>
               <a:t>The system will not perform well if your training set is too small, or if the data is not representative, is noisy, or is polluted with irrelevant features.</a:t>
             </a:r>
           </a:p>
           <a:p>
             <a:r>
-              <a:rPr lang="en-US" sz="2200"/>
+              <a:rPr lang="en-US" sz="2200" dirty="0"/>
               <a:t>Lastly, your model needs to be neither too simple (in which case it will underfit) nor too complex (in which case it will overfit). </a:t>
             </a:r>
           </a:p>
           <a:p>
             <a:r>
-              <a:rPr lang="en-US" sz="2200"/>
+              <a:rPr lang="en-US" sz="2200" dirty="0"/>
+              <a:t>We should split our data into two sets one to train the model and one to test it on.</a:t>
+            </a:r>
+          </a:p>
+          <a:p>
+            <a:r>
+              <a:rPr lang="en-US" sz="2200" dirty="0"/>
               <a:t>Tomorrow we will get our hands dirty and work with some actual code.</a:t>
             </a:r>
           </a:p>
@@ -40868,10 +46814,22 @@
   <p:clrMapOvr>
     <a:masterClrMapping/>
   </p:clrMapOvr>
+  <mc:AlternateContent xmlns:mc="http://schemas.openxmlformats.org/markup-compatibility/2006" xmlns:p14="http://schemas.microsoft.com/office/powerpoint/2010/main">
+    <mc:Choice Requires="p14">
+      <p:transition spd="med" p14:dur="700">
+        <p:fade/>
+      </p:transition>
+    </mc:Choice>
+    <mc:Fallback xmlns="">
+      <p:transition spd="med">
+        <p:fade/>
+      </p:transition>
+    </mc:Fallback>
+  </mc:AlternateContent>
 </p:sld>
 </file>
 
-<file path=ppt/slides/slide29.xml><?xml version="1.0" encoding="utf-8"?>
+<file path=ppt/slides/slide32.xml><?xml version="1.0" encoding="utf-8"?>
 <p:sld xmlns:a="http://schemas.openxmlformats.org/drawingml/2006/main" xmlns:r="http://schemas.openxmlformats.org/officeDocument/2006/relationships" xmlns:p="http://schemas.openxmlformats.org/presentationml/2006/main">
   <p:cSld>
     <p:spTree>
@@ -40927,622 +46885,18 @@
   <p:clrMapOvr>
     <a:masterClrMapping/>
   </p:clrMapOvr>
-</p:sld>
-</file>
-
-<file path=ppt/slides/slide3.xml><?xml version="1.0" encoding="utf-8"?>
-<p:sld xmlns:a="http://schemas.openxmlformats.org/drawingml/2006/main" xmlns:r="http://schemas.openxmlformats.org/officeDocument/2006/relationships" xmlns:p="http://schemas.openxmlformats.org/presentationml/2006/main">
-  <p:cSld>
-    <p:bg>
-      <p:bgPr>
-        <a:solidFill>
-          <a:schemeClr val="bg1"/>
-        </a:solidFill>
-        <a:effectLst/>
-      </p:bgPr>
-    </p:bg>
-    <p:spTree>
-      <p:nvGrpSpPr>
-        <p:cNvPr id="1" name=""/>
-        <p:cNvGrpSpPr/>
-        <p:nvPr/>
-      </p:nvGrpSpPr>
-      <p:grpSpPr>
-        <a:xfrm>
-          <a:off x="0" y="0"/>
-          <a:ext cx="0" cy="0"/>
-          <a:chOff x="0" y="0"/>
-          <a:chExt cx="0" cy="0"/>
-        </a:xfrm>
-      </p:grpSpPr>
-      <p:sp>
-        <p:nvSpPr>
-          <p:cNvPr id="8" name="Rectangle 7">
-            <a:extLst>
-              <a:ext uri="{FF2B5EF4-FFF2-40B4-BE49-F238E27FC236}">
-                <a16:creationId xmlns:a16="http://schemas.microsoft.com/office/drawing/2014/main" id="{8D06CE56-3881-4ADA-8CEF-D18B02C242A3}"/>
-              </a:ext>
-              <a:ext uri="{C183D7F6-B498-43B3-948B-1728B52AA6E4}">
-                <adec:decorative xmlns:adec="http://schemas.microsoft.com/office/drawing/2017/decorative" val="1"/>
-              </a:ext>
-            </a:extLst>
-          </p:cNvPr>
-          <p:cNvSpPr>
-            <a:spLocks noGrp="1" noRot="1" noChangeAspect="1" noMove="1" noResize="1" noEditPoints="1" noAdjustHandles="1" noChangeArrowheads="1" noChangeShapeType="1" noTextEdit="1"/>
-          </p:cNvSpPr>
-          <p:nvPr>
-            <p:extLst>
-              <p:ext uri="{386F3935-93C4-4BCD-93E2-E3B085C9AB24}">
-                <p16:designElem xmlns:p16="http://schemas.microsoft.com/office/powerpoint/2015/main" val="1"/>
-              </p:ext>
-            </p:extLst>
-          </p:nvPr>
-        </p:nvSpPr>
-        <p:spPr>
-          <a:xfrm rot="5400000">
-            <a:off x="857544" y="346791"/>
-            <a:ext cx="146304" cy="704088"/>
-          </a:xfrm>
-          <a:prstGeom prst="rect">
-            <a:avLst/>
-          </a:prstGeom>
-          <a:solidFill>
-            <a:schemeClr val="accent1"/>
-          </a:solidFill>
-          <a:ln>
-            <a:noFill/>
-          </a:ln>
-        </p:spPr>
-        <p:style>
-          <a:lnRef idx="2">
-            <a:schemeClr val="accent1">
-              <a:shade val="50000"/>
-            </a:schemeClr>
-          </a:lnRef>
-          <a:fillRef idx="1">
-            <a:schemeClr val="accent1"/>
-          </a:fillRef>
-          <a:effectRef idx="0">
-            <a:schemeClr val="accent1"/>
-          </a:effectRef>
-          <a:fontRef idx="minor">
-            <a:schemeClr val="lt1"/>
-          </a:fontRef>
-        </p:style>
-        <p:txBody>
-          <a:bodyPr rtlCol="0" anchor="ctr"/>
-          <a:lstStyle/>
-          <a:p>
-            <a:pPr marL="0" marR="0" lvl="0" indent="0" algn="ctr" defTabSz="914400" rtl="0" eaLnBrk="1" fontAlgn="auto" latinLnBrk="0" hangingPunct="1">
-              <a:lnSpc>
-                <a:spcPct val="100000"/>
-              </a:lnSpc>
-              <a:spcBef>
-                <a:spcPts val="0"/>
-              </a:spcBef>
-              <a:spcAft>
-                <a:spcPts val="0"/>
-              </a:spcAft>
-              <a:buClrTx/>
-              <a:buSzTx/>
-              <a:buFontTx/>
-              <a:buNone/>
-              <a:tabLst/>
-              <a:defRPr/>
-            </a:pPr>
-            <a:endParaRPr kumimoji="0" lang="en-US" sz="1800" b="0" i="0" u="none" strike="noStrike" kern="1200" cap="none" spc="0" normalizeH="0" baseline="0" noProof="0">
-              <a:ln>
-                <a:noFill/>
-              </a:ln>
-              <a:solidFill>
-                <a:prstClr val="white"/>
-              </a:solidFill>
-              <a:effectLst/>
-              <a:uLnTx/>
-              <a:uFillTx/>
-              <a:latin typeface="Calibri" panose="020F0502020204030204"/>
-              <a:ea typeface="+mn-ea"/>
-              <a:cs typeface="+mn-cs"/>
-            </a:endParaRPr>
-          </a:p>
-        </p:txBody>
-      </p:sp>
-      <p:sp>
-        <p:nvSpPr>
-          <p:cNvPr id="10" name="Rectangle 9">
-            <a:extLst>
-              <a:ext uri="{FF2B5EF4-FFF2-40B4-BE49-F238E27FC236}">
-                <a16:creationId xmlns:a16="http://schemas.microsoft.com/office/drawing/2014/main" id="{79F3C543-62EC-4433-9C93-A2CD8764E9B4}"/>
-              </a:ext>
-              <a:ext uri="{C183D7F6-B498-43B3-948B-1728B52AA6E4}">
-                <adec:decorative xmlns:adec="http://schemas.microsoft.com/office/drawing/2017/decorative" val="1"/>
-              </a:ext>
-            </a:extLst>
-          </p:cNvPr>
-          <p:cNvSpPr>
-            <a:spLocks noGrp="1" noRot="1" noChangeAspect="1" noMove="1" noResize="1" noEditPoints="1" noAdjustHandles="1" noChangeArrowheads="1" noChangeShapeType="1" noTextEdit="1"/>
-          </p:cNvSpPr>
-          <p:nvPr>
-            <p:extLst>
-              <p:ext uri="{386F3935-93C4-4BCD-93E2-E3B085C9AB24}">
-                <p16:designElem xmlns:p16="http://schemas.microsoft.com/office/powerpoint/2015/main" val="1"/>
-              </p:ext>
-            </p:extLst>
-          </p:nvPr>
-        </p:nvSpPr>
-        <p:spPr>
-          <a:xfrm flipV="1">
-            <a:off x="578652" y="4501201"/>
-            <a:ext cx="11034696" cy="18288"/>
-          </a:xfrm>
-          <a:prstGeom prst="rect">
-            <a:avLst/>
-          </a:prstGeom>
-          <a:solidFill>
-            <a:schemeClr val="tx2">
-              <a:lumMod val="25000"/>
-              <a:lumOff val="75000"/>
-            </a:schemeClr>
-          </a:solidFill>
-          <a:ln w="3175">
-            <a:noFill/>
-          </a:ln>
-          <a:effectLst/>
-        </p:spPr>
-        <p:style>
-          <a:lnRef idx="2">
-            <a:schemeClr val="accent1">
-              <a:shade val="50000"/>
-            </a:schemeClr>
-          </a:lnRef>
-          <a:fillRef idx="1">
-            <a:schemeClr val="accent1"/>
-          </a:fillRef>
-          <a:effectRef idx="0">
-            <a:schemeClr val="accent1"/>
-          </a:effectRef>
-          <a:fontRef idx="minor">
-            <a:schemeClr val="lt1"/>
-          </a:fontRef>
-        </p:style>
-        <p:txBody>
-          <a:bodyPr rtlCol="0" anchor="ctr"/>
-          <a:lstStyle/>
-          <a:p>
-            <a:pPr marL="0" marR="0" lvl="0" indent="0" algn="ctr" defTabSz="914400" rtl="0" eaLnBrk="1" fontAlgn="auto" latinLnBrk="0" hangingPunct="1">
-              <a:lnSpc>
-                <a:spcPct val="100000"/>
-              </a:lnSpc>
-              <a:spcBef>
-                <a:spcPts val="0"/>
-              </a:spcBef>
-              <a:spcAft>
-                <a:spcPts val="0"/>
-              </a:spcAft>
-              <a:buClrTx/>
-              <a:buSzTx/>
-              <a:buFontTx/>
-              <a:buNone/>
-              <a:tabLst/>
-              <a:defRPr/>
-            </a:pPr>
-            <a:endParaRPr kumimoji="0" lang="en-US" sz="1800" b="0" i="0" u="none" strike="noStrike" kern="1200" cap="none" spc="0" normalizeH="0" baseline="0" noProof="0">
-              <a:ln>
-                <a:noFill/>
-              </a:ln>
-              <a:solidFill>
-                <a:prstClr val="white"/>
-              </a:solidFill>
-              <a:effectLst/>
-              <a:uLnTx/>
-              <a:uFillTx/>
-              <a:latin typeface="Calibri" panose="020F0502020204030204"/>
-              <a:ea typeface="+mn-ea"/>
-              <a:cs typeface="+mn-cs"/>
-            </a:endParaRPr>
-          </a:p>
-        </p:txBody>
-      </p:sp>
-      <p:sp useBgFill="1">
-        <p:nvSpPr>
-          <p:cNvPr id="12" name="Rectangle 11">
-            <a:extLst>
-              <a:ext uri="{FF2B5EF4-FFF2-40B4-BE49-F238E27FC236}">
-                <a16:creationId xmlns:a16="http://schemas.microsoft.com/office/drawing/2014/main" id="{526E0BFB-CDF1-4990-8C11-AC849311E0A8}"/>
-              </a:ext>
-              <a:ext uri="{C183D7F6-B498-43B3-948B-1728B52AA6E4}">
-                <adec:decorative xmlns:adec="http://schemas.microsoft.com/office/drawing/2017/decorative" val="1"/>
-              </a:ext>
-            </a:extLst>
-          </p:cNvPr>
-          <p:cNvSpPr>
-            <a:spLocks noGrp="1" noRot="1" noChangeAspect="1" noMove="1" noResize="1" noEditPoints="1" noAdjustHandles="1" noChangeArrowheads="1" noChangeShapeType="1" noTextEdit="1"/>
-          </p:cNvSpPr>
-          <p:nvPr>
-            <p:extLst>
-              <p:ext uri="{386F3935-93C4-4BCD-93E2-E3B085C9AB24}">
-                <p16:designElem xmlns:p16="http://schemas.microsoft.com/office/powerpoint/2015/main" val="1"/>
-              </p:ext>
-            </p:extLst>
-          </p:nvPr>
-        </p:nvSpPr>
-        <p:spPr>
-          <a:xfrm>
-            <a:off x="0" y="0"/>
-            <a:ext cx="12192000" cy="6858000"/>
-          </a:xfrm>
-          <a:prstGeom prst="rect">
-            <a:avLst/>
-          </a:prstGeom>
-          <a:ln>
-            <a:noFill/>
-          </a:ln>
-        </p:spPr>
-        <p:style>
-          <a:lnRef idx="2">
-            <a:schemeClr val="accent1">
-              <a:shade val="50000"/>
-            </a:schemeClr>
-          </a:lnRef>
-          <a:fillRef idx="1">
-            <a:schemeClr val="accent1"/>
-          </a:fillRef>
-          <a:effectRef idx="0">
-            <a:schemeClr val="accent1"/>
-          </a:effectRef>
-          <a:fontRef idx="minor">
-            <a:schemeClr val="lt1"/>
-          </a:fontRef>
-        </p:style>
-        <p:txBody>
-          <a:bodyPr rtlCol="0" anchor="ctr"/>
-          <a:lstStyle/>
-          <a:p>
-            <a:pPr algn="ctr"/>
-            <a:endParaRPr lang="en-US"/>
-          </a:p>
-        </p:txBody>
-      </p:sp>
-      <p:pic>
-        <p:nvPicPr>
-          <p:cNvPr id="4" name="Picture 3" descr="Complex maths formulae on a blackboard">
-            <a:extLst>
-              <a:ext uri="{FF2B5EF4-FFF2-40B4-BE49-F238E27FC236}">
-                <a16:creationId xmlns:a16="http://schemas.microsoft.com/office/drawing/2014/main" id="{BB484A05-D694-08FD-FDC1-39842F322BA3}"/>
-              </a:ext>
-            </a:extLst>
-          </p:cNvPr>
-          <p:cNvPicPr>
-            <a:picLocks noChangeAspect="1"/>
-          </p:cNvPicPr>
-          <p:nvPr/>
-        </p:nvPicPr>
-        <p:blipFill rotWithShape="1">
-          <a:blip r:embed="rId2"/>
-          <a:srcRect l="7728" r="-1" b="-1"/>
-          <a:stretch/>
-        </p:blipFill>
-        <p:spPr>
-          <a:xfrm>
-            <a:off x="-2" y="10"/>
-            <a:ext cx="8668512" cy="6857990"/>
-          </a:xfrm>
-          <a:prstGeom prst="rect">
-            <a:avLst/>
-          </a:prstGeom>
-        </p:spPr>
-      </p:pic>
-      <p:sp>
-        <p:nvSpPr>
-          <p:cNvPr id="14" name="Rectangle 13">
-            <a:extLst>
-              <a:ext uri="{FF2B5EF4-FFF2-40B4-BE49-F238E27FC236}">
-                <a16:creationId xmlns:a16="http://schemas.microsoft.com/office/drawing/2014/main" id="{6069A1F8-9BEB-4786-9694-FC48B2D75D21}"/>
-              </a:ext>
-              <a:ext uri="{C183D7F6-B498-43B3-948B-1728B52AA6E4}">
-                <adec:decorative xmlns:adec="http://schemas.microsoft.com/office/drawing/2017/decorative" val="1"/>
-              </a:ext>
-            </a:extLst>
-          </p:cNvPr>
-          <p:cNvSpPr>
-            <a:spLocks noGrp="1" noRot="1" noChangeAspect="1" noMove="1" noResize="1" noEditPoints="1" noAdjustHandles="1" noChangeArrowheads="1" noChangeShapeType="1" noTextEdit="1"/>
-          </p:cNvSpPr>
-          <p:nvPr>
-            <p:extLst>
-              <p:ext uri="{386F3935-93C4-4BCD-93E2-E3B085C9AB24}">
-                <p16:designElem xmlns:p16="http://schemas.microsoft.com/office/powerpoint/2015/main" val="1"/>
-              </p:ext>
-            </p:extLst>
-          </p:nvPr>
-        </p:nvSpPr>
-        <p:spPr>
-          <a:xfrm flipH="1">
-            <a:off x="2788244" y="0"/>
-            <a:ext cx="9403756" cy="6858000"/>
-          </a:xfrm>
-          <a:prstGeom prst="rect">
-            <a:avLst/>
-          </a:prstGeom>
-          <a:gradFill>
-            <a:gsLst>
-              <a:gs pos="58000">
-                <a:schemeClr val="bg1"/>
-              </a:gs>
-              <a:gs pos="30000">
-                <a:schemeClr val="bg1">
-                  <a:alpha val="64000"/>
-                </a:schemeClr>
-              </a:gs>
-              <a:gs pos="0">
-                <a:schemeClr val="bg1">
-                  <a:alpha val="0"/>
-                </a:schemeClr>
-              </a:gs>
-              <a:gs pos="100000">
-                <a:schemeClr val="bg1"/>
-              </a:gs>
-            </a:gsLst>
-            <a:lin ang="10800000" scaled="0"/>
-          </a:gradFill>
-          <a:ln>
-            <a:noFill/>
-          </a:ln>
-        </p:spPr>
-        <p:style>
-          <a:lnRef idx="2">
-            <a:schemeClr val="accent1">
-              <a:shade val="50000"/>
-            </a:schemeClr>
-          </a:lnRef>
-          <a:fillRef idx="1">
-            <a:schemeClr val="accent1"/>
-          </a:fillRef>
-          <a:effectRef idx="0">
-            <a:schemeClr val="accent1"/>
-          </a:effectRef>
-          <a:fontRef idx="minor">
-            <a:schemeClr val="lt1"/>
-          </a:fontRef>
-        </p:style>
-        <p:txBody>
-          <a:bodyPr rtlCol="0" anchor="ctr"/>
-          <a:lstStyle/>
-          <a:p>
-            <a:pPr algn="ctr"/>
-            <a:endParaRPr lang="en-US" dirty="0"/>
-          </a:p>
-        </p:txBody>
-      </p:sp>
-      <p:sp>
-        <p:nvSpPr>
-          <p:cNvPr id="2" name="Title 1">
-            <a:extLst>
-              <a:ext uri="{FF2B5EF4-FFF2-40B4-BE49-F238E27FC236}">
-                <a16:creationId xmlns:a16="http://schemas.microsoft.com/office/drawing/2014/main" id="{C9251F71-CCE1-E445-7F44-08FAACA80CA0}"/>
-              </a:ext>
-            </a:extLst>
-          </p:cNvPr>
-          <p:cNvSpPr>
-            <a:spLocks noGrp="1"/>
-          </p:cNvSpPr>
-          <p:nvPr>
-            <p:ph type="title"/>
-          </p:nvPr>
-        </p:nvSpPr>
-        <p:spPr>
-          <a:xfrm>
-            <a:off x="7848600" y="1122363"/>
-            <a:ext cx="4023360" cy="3204134"/>
-          </a:xfrm>
-        </p:spPr>
-        <p:txBody>
-          <a:bodyPr vert="horz" lIns="91440" tIns="45720" rIns="91440" bIns="45720" rtlCol="0" anchor="b">
-            <a:normAutofit/>
-          </a:bodyPr>
-          <a:lstStyle/>
-          <a:p>
-            <a:r>
-              <a:rPr lang="en-US" sz="4400"/>
-              <a:t>What is Machine Learning and Data Science?</a:t>
-            </a:r>
-          </a:p>
-        </p:txBody>
-      </p:sp>
-      <p:sp>
-        <p:nvSpPr>
-          <p:cNvPr id="16" name="Rectangle 15">
-            <a:extLst>
-              <a:ext uri="{FF2B5EF4-FFF2-40B4-BE49-F238E27FC236}">
-                <a16:creationId xmlns:a16="http://schemas.microsoft.com/office/drawing/2014/main" id="{AF2F604E-43BE-4DC3-B983-E071523364F8}"/>
-              </a:ext>
-              <a:ext uri="{C183D7F6-B498-43B3-948B-1728B52AA6E4}">
-                <adec:decorative xmlns:adec="http://schemas.microsoft.com/office/drawing/2017/decorative" val="1"/>
-              </a:ext>
-            </a:extLst>
-          </p:cNvPr>
-          <p:cNvSpPr>
-            <a:spLocks noGrp="1" noRot="1" noChangeAspect="1" noMove="1" noResize="1" noEditPoints="1" noAdjustHandles="1" noChangeArrowheads="1" noChangeShapeType="1" noTextEdit="1"/>
-          </p:cNvSpPr>
-          <p:nvPr>
-            <p:extLst>
-              <p:ext uri="{386F3935-93C4-4BCD-93E2-E3B085C9AB24}">
-                <p16:designElem xmlns:p16="http://schemas.microsoft.com/office/powerpoint/2015/main" val="1"/>
-              </p:ext>
-            </p:extLst>
-          </p:nvPr>
-        </p:nvSpPr>
-        <p:spPr>
-          <a:xfrm rot="5400000">
-            <a:off x="8130540" y="346791"/>
-            <a:ext cx="146304" cy="704088"/>
-          </a:xfrm>
-          <a:prstGeom prst="rect">
-            <a:avLst/>
-          </a:prstGeom>
-          <a:solidFill>
-            <a:schemeClr val="accent1"/>
-          </a:solidFill>
-          <a:ln>
-            <a:noFill/>
-          </a:ln>
-        </p:spPr>
-        <p:style>
-          <a:lnRef idx="2">
-            <a:schemeClr val="accent1">
-              <a:shade val="50000"/>
-            </a:schemeClr>
-          </a:lnRef>
-          <a:fillRef idx="1">
-            <a:schemeClr val="accent1"/>
-          </a:fillRef>
-          <a:effectRef idx="0">
-            <a:schemeClr val="accent1"/>
-          </a:effectRef>
-          <a:fontRef idx="minor">
-            <a:schemeClr val="lt1"/>
-          </a:fontRef>
-        </p:style>
-        <p:txBody>
-          <a:bodyPr rtlCol="0" anchor="ctr"/>
-          <a:lstStyle/>
-          <a:p>
-            <a:pPr marL="0" marR="0" lvl="0" indent="0" algn="ctr" defTabSz="914400" rtl="0" eaLnBrk="1" fontAlgn="auto" latinLnBrk="0" hangingPunct="1">
-              <a:lnSpc>
-                <a:spcPct val="100000"/>
-              </a:lnSpc>
-              <a:spcBef>
-                <a:spcPts val="0"/>
-              </a:spcBef>
-              <a:spcAft>
-                <a:spcPts val="0"/>
-              </a:spcAft>
-              <a:buClrTx/>
-              <a:buSzTx/>
-              <a:buFontTx/>
-              <a:buNone/>
-              <a:tabLst/>
-              <a:defRPr/>
-            </a:pPr>
-            <a:endParaRPr kumimoji="0" lang="en-US" sz="1800" b="0" i="0" u="none" strike="noStrike" kern="1200" cap="none" spc="0" normalizeH="0" baseline="0" noProof="0">
-              <a:ln>
-                <a:noFill/>
-              </a:ln>
-              <a:solidFill>
-                <a:prstClr val="white"/>
-              </a:solidFill>
-              <a:effectLst/>
-              <a:uLnTx/>
-              <a:uFillTx/>
-              <a:latin typeface="Calibri" panose="020F0502020204030204"/>
-              <a:ea typeface="+mn-ea"/>
-              <a:cs typeface="+mn-cs"/>
-            </a:endParaRPr>
-          </a:p>
-        </p:txBody>
-      </p:sp>
-      <p:sp>
-        <p:nvSpPr>
-          <p:cNvPr id="18" name="Rectangle 17">
-            <a:extLst>
-              <a:ext uri="{FF2B5EF4-FFF2-40B4-BE49-F238E27FC236}">
-                <a16:creationId xmlns:a16="http://schemas.microsoft.com/office/drawing/2014/main" id="{08C9B587-E65E-4B52-B37C-ABEBB6E87928}"/>
-              </a:ext>
-              <a:ext uri="{C183D7F6-B498-43B3-948B-1728B52AA6E4}">
-                <adec:decorative xmlns:adec="http://schemas.microsoft.com/office/drawing/2017/decorative" val="1"/>
-              </a:ext>
-            </a:extLst>
-          </p:cNvPr>
-          <p:cNvSpPr>
-            <a:spLocks noGrp="1" noRot="1" noChangeAspect="1" noMove="1" noResize="1" noEditPoints="1" noAdjustHandles="1" noChangeArrowheads="1" noChangeShapeType="1" noTextEdit="1"/>
-          </p:cNvSpPr>
-          <p:nvPr>
-            <p:extLst>
-              <p:ext uri="{386F3935-93C4-4BCD-93E2-E3B085C9AB24}">
-                <p16:designElem xmlns:p16="http://schemas.microsoft.com/office/powerpoint/2015/main" val="1"/>
-              </p:ext>
-            </p:extLst>
-          </p:nvPr>
-        </p:nvSpPr>
-        <p:spPr>
-          <a:xfrm>
-            <a:off x="7851648" y="4546920"/>
-            <a:ext cx="4023360" cy="18288"/>
-          </a:xfrm>
-          <a:prstGeom prst="rect">
-            <a:avLst/>
-          </a:prstGeom>
-          <a:solidFill>
-            <a:schemeClr val="tx1"/>
-          </a:solidFill>
-          <a:ln w="3175">
-            <a:noFill/>
-          </a:ln>
-          <a:effectLst/>
-        </p:spPr>
-        <p:style>
-          <a:lnRef idx="2">
-            <a:schemeClr val="accent1">
-              <a:shade val="50000"/>
-            </a:schemeClr>
-          </a:lnRef>
-          <a:fillRef idx="1">
-            <a:schemeClr val="accent1"/>
-          </a:fillRef>
-          <a:effectRef idx="0">
-            <a:schemeClr val="accent1"/>
-          </a:effectRef>
-          <a:fontRef idx="minor">
-            <a:schemeClr val="lt1"/>
-          </a:fontRef>
-        </p:style>
-        <p:txBody>
-          <a:bodyPr rtlCol="0" anchor="ctr"/>
-          <a:lstStyle/>
-          <a:p>
-            <a:pPr marL="0" marR="0" lvl="0" indent="0" algn="ctr" defTabSz="914400" rtl="0" eaLnBrk="1" fontAlgn="auto" latinLnBrk="0" hangingPunct="1">
-              <a:lnSpc>
-                <a:spcPct val="100000"/>
-              </a:lnSpc>
-              <a:spcBef>
-                <a:spcPts val="0"/>
-              </a:spcBef>
-              <a:spcAft>
-                <a:spcPts val="0"/>
-              </a:spcAft>
-              <a:buClrTx/>
-              <a:buSzTx/>
-              <a:buFontTx/>
-              <a:buNone/>
-              <a:tabLst/>
-              <a:defRPr/>
-            </a:pPr>
-            <a:endParaRPr kumimoji="0" lang="en-US" sz="1800" b="0" i="0" u="none" strike="noStrike" kern="1200" cap="none" spc="0" normalizeH="0" baseline="0" noProof="0">
-              <a:ln>
-                <a:noFill/>
-              </a:ln>
-              <a:solidFill>
-                <a:prstClr val="white"/>
-              </a:solidFill>
-              <a:effectLst/>
-              <a:uLnTx/>
-              <a:uFillTx/>
-              <a:latin typeface="Calibri" panose="020F0502020204030204"/>
-              <a:ea typeface="+mn-ea"/>
-              <a:cs typeface="+mn-cs"/>
-            </a:endParaRPr>
-          </a:p>
-        </p:txBody>
-      </p:sp>
-    </p:spTree>
-    <p:extLst>
-      <p:ext uri="{BB962C8B-B14F-4D97-AF65-F5344CB8AC3E}">
-        <p14:creationId xmlns:p14="http://schemas.microsoft.com/office/powerpoint/2010/main" val="3255763091"/>
-      </p:ext>
-    </p:extLst>
-  </p:cSld>
-  <p:clrMapOvr>
-    <a:overrideClrMapping bg1="dk1" tx1="lt1" bg2="dk2" tx2="lt2" accent1="accent1" accent2="accent2" accent3="accent3" accent4="accent4" accent5="accent5" accent6="accent6" hlink="hlink" folHlink="folHlink"/>
-  </p:clrMapOvr>
+  <mc:AlternateContent xmlns:mc="http://schemas.openxmlformats.org/markup-compatibility/2006" xmlns:p14="http://schemas.microsoft.com/office/powerpoint/2010/main">
+    <mc:Choice Requires="p14">
+      <p:transition spd="med" p14:dur="700">
+        <p:fade/>
+      </p:transition>
+    </mc:Choice>
+    <mc:Fallback xmlns="">
+      <p:transition spd="med">
+        <p:fade/>
+      </p:transition>
+    </mc:Fallback>
+  </mc:AlternateContent>
 </p:sld>
 </file>
 
@@ -42137,6 +47491,18 @@
   <p:clrMapOvr>
     <a:masterClrMapping/>
   </p:clrMapOvr>
+  <mc:AlternateContent xmlns:mc="http://schemas.openxmlformats.org/markup-compatibility/2006" xmlns:p14="http://schemas.microsoft.com/office/powerpoint/2010/main">
+    <mc:Choice Requires="p14">
+      <p:transition spd="med" p14:dur="700">
+        <p:fade/>
+      </p:transition>
+    </mc:Choice>
+    <mc:Fallback xmlns="">
+      <p:transition spd="med">
+        <p:fade/>
+      </p:transition>
+    </mc:Fallback>
+  </mc:AlternateContent>
 </p:sld>
 </file>
 
@@ -42495,6 +47861,18 @@
   <p:clrMapOvr>
     <a:masterClrMapping/>
   </p:clrMapOvr>
+  <mc:AlternateContent xmlns:mc="http://schemas.openxmlformats.org/markup-compatibility/2006" xmlns:p14="http://schemas.microsoft.com/office/powerpoint/2010/main">
+    <mc:Choice Requires="p14">
+      <p:transition spd="med" p14:dur="700">
+        <p:fade/>
+      </p:transition>
+    </mc:Choice>
+    <mc:Fallback xmlns="">
+      <p:transition spd="med">
+        <p:fade/>
+      </p:transition>
+    </mc:Fallback>
+  </mc:AlternateContent>
 </p:sld>
 </file>
 
@@ -43061,6 +48439,18 @@
   <p:clrMapOvr>
     <a:masterClrMapping/>
   </p:clrMapOvr>
+  <mc:AlternateContent xmlns:mc="http://schemas.openxmlformats.org/markup-compatibility/2006" xmlns:p14="http://schemas.microsoft.com/office/powerpoint/2010/main">
+    <mc:Choice Requires="p14">
+      <p:transition spd="med" p14:dur="700">
+        <p:fade/>
+      </p:transition>
+    </mc:Choice>
+    <mc:Fallback xmlns="">
+      <p:transition spd="med">
+        <p:fade/>
+      </p:transition>
+    </mc:Fallback>
+  </mc:AlternateContent>
 </p:sld>
 </file>
 
@@ -43986,6 +49376,18 @@
   <p:clrMapOvr>
     <a:masterClrMapping/>
   </p:clrMapOvr>
+  <mc:AlternateContent xmlns:mc="http://schemas.openxmlformats.org/markup-compatibility/2006" xmlns:p14="http://schemas.microsoft.com/office/powerpoint/2010/main">
+    <mc:Choice Requires="p14">
+      <p:transition spd="med" p14:dur="700">
+        <p:fade/>
+      </p:transition>
+    </mc:Choice>
+    <mc:Fallback xmlns="">
+      <p:transition spd="med">
+        <p:fade/>
+      </p:transition>
+    </mc:Fallback>
+  </mc:AlternateContent>
 </p:sld>
 </file>
 
@@ -44879,6 +50281,18 @@
   <p:clrMapOvr>
     <a:masterClrMapping/>
   </p:clrMapOvr>
+  <mc:AlternateContent xmlns:mc="http://schemas.openxmlformats.org/markup-compatibility/2006" xmlns:p14="http://schemas.microsoft.com/office/powerpoint/2010/main">
+    <mc:Choice Requires="p14">
+      <p:transition spd="med" p14:dur="700">
+        <p:fade/>
+      </p:transition>
+    </mc:Choice>
+    <mc:Fallback xmlns="">
+      <p:transition spd="med">
+        <p:fade/>
+      </p:transition>
+    </mc:Fallback>
+  </mc:AlternateContent>
 </p:sld>
 </file>
 
@@ -45495,6 +50909,18 @@
   <p:clrMapOvr>
     <a:overrideClrMapping bg1="dk1" tx1="lt1" bg2="dk2" tx2="lt2" accent1="accent1" accent2="accent2" accent3="accent3" accent4="accent4" accent5="accent5" accent6="accent6" hlink="hlink" folHlink="folHlink"/>
   </p:clrMapOvr>
+  <mc:AlternateContent xmlns:mc="http://schemas.openxmlformats.org/markup-compatibility/2006" xmlns:p14="http://schemas.microsoft.com/office/powerpoint/2010/main">
+    <mc:Choice Requires="p14">
+      <p:transition spd="med" p14:dur="700">
+        <p:fade/>
+      </p:transition>
+    </mc:Choice>
+    <mc:Fallback xmlns="">
+      <p:transition spd="med">
+        <p:fade/>
+      </p:transition>
+    </mc:Fallback>
+  </mc:AlternateContent>
 </p:sld>
 </file>
 

--- a/Day 1/Introduction to Machine Learning.pptx
+++ b/Day 1/Introduction to Machine Learning.pptx
@@ -4,6 +4,9 @@
   <p:sldMasterIdLst>
     <p:sldMasterId id="2147483686" r:id="rId1"/>
   </p:sldMasterIdLst>
+  <p:notesMasterIdLst>
+    <p:notesMasterId r:id="rId34"/>
+  </p:notesMasterIdLst>
   <p:sldIdLst>
     <p:sldId id="256" r:id="rId2"/>
     <p:sldId id="257" r:id="rId3"/>
@@ -28678,6 +28681,450 @@
 </dgm:styleDef>
 </file>
 
+<file path=ppt/notesMasters/notesMaster1.xml><?xml version="1.0" encoding="utf-8"?>
+<p:notesMaster xmlns:a="http://schemas.openxmlformats.org/drawingml/2006/main" xmlns:r="http://schemas.openxmlformats.org/officeDocument/2006/relationships" xmlns:p="http://schemas.openxmlformats.org/presentationml/2006/main">
+  <p:cSld>
+    <p:bg>
+      <p:bgRef idx="1001">
+        <a:schemeClr val="bg1"/>
+      </p:bgRef>
+    </p:bg>
+    <p:spTree>
+      <p:nvGrpSpPr>
+        <p:cNvPr id="1" name=""/>
+        <p:cNvGrpSpPr/>
+        <p:nvPr/>
+      </p:nvGrpSpPr>
+      <p:grpSpPr>
+        <a:xfrm>
+          <a:off x="0" y="0"/>
+          <a:ext cx="0" cy="0"/>
+          <a:chOff x="0" y="0"/>
+          <a:chExt cx="0" cy="0"/>
+        </a:xfrm>
+      </p:grpSpPr>
+      <p:sp>
+        <p:nvSpPr>
+          <p:cNvPr id="2" name="Header Placeholder 1"/>
+          <p:cNvSpPr>
+            <a:spLocks noGrp="1"/>
+          </p:cNvSpPr>
+          <p:nvPr>
+            <p:ph type="hdr" sz="quarter"/>
+          </p:nvPr>
+        </p:nvSpPr>
+        <p:spPr>
+          <a:xfrm>
+            <a:off x="0" y="0"/>
+            <a:ext cx="2971800" cy="458788"/>
+          </a:xfrm>
+          <a:prstGeom prst="rect">
+            <a:avLst/>
+          </a:prstGeom>
+        </p:spPr>
+        <p:txBody>
+          <a:bodyPr vert="horz" lIns="91440" tIns="45720" rIns="91440" bIns="45720" rtlCol="0"/>
+          <a:lstStyle>
+            <a:lvl1pPr algn="l">
+              <a:defRPr sz="1200"/>
+            </a:lvl1pPr>
+          </a:lstStyle>
+          <a:p>
+            <a:endParaRPr lang="en-US"/>
+          </a:p>
+        </p:txBody>
+      </p:sp>
+      <p:sp>
+        <p:nvSpPr>
+          <p:cNvPr id="3" name="Date Placeholder 2"/>
+          <p:cNvSpPr>
+            <a:spLocks noGrp="1"/>
+          </p:cNvSpPr>
+          <p:nvPr>
+            <p:ph type="dt" idx="1"/>
+          </p:nvPr>
+        </p:nvSpPr>
+        <p:spPr>
+          <a:xfrm>
+            <a:off x="3884613" y="0"/>
+            <a:ext cx="2971800" cy="458788"/>
+          </a:xfrm>
+          <a:prstGeom prst="rect">
+            <a:avLst/>
+          </a:prstGeom>
+        </p:spPr>
+        <p:txBody>
+          <a:bodyPr vert="horz" lIns="91440" tIns="45720" rIns="91440" bIns="45720" rtlCol="0"/>
+          <a:lstStyle>
+            <a:lvl1pPr algn="r">
+              <a:defRPr sz="1200"/>
+            </a:lvl1pPr>
+          </a:lstStyle>
+          <a:p>
+            <a:fld id="{99491C11-C988-4E80-97BF-53B8FD276D46}" type="datetimeFigureOut">
+              <a:rPr lang="en-US" smtClean="0"/>
+              <a:t>8/29/2022</a:t>
+            </a:fld>
+            <a:endParaRPr lang="en-US"/>
+          </a:p>
+        </p:txBody>
+      </p:sp>
+      <p:sp>
+        <p:nvSpPr>
+          <p:cNvPr id="4" name="Slide Image Placeholder 3"/>
+          <p:cNvSpPr>
+            <a:spLocks noGrp="1" noRot="1" noChangeAspect="1"/>
+          </p:cNvSpPr>
+          <p:nvPr>
+            <p:ph type="sldImg" idx="2"/>
+          </p:nvPr>
+        </p:nvSpPr>
+        <p:spPr>
+          <a:xfrm>
+            <a:off x="685800" y="1143000"/>
+            <a:ext cx="5486400" cy="3086100"/>
+          </a:xfrm>
+          <a:prstGeom prst="rect">
+            <a:avLst/>
+          </a:prstGeom>
+          <a:noFill/>
+          <a:ln w="12700">
+            <a:solidFill>
+              <a:prstClr val="black"/>
+            </a:solidFill>
+          </a:ln>
+        </p:spPr>
+        <p:txBody>
+          <a:bodyPr vert="horz" lIns="91440" tIns="45720" rIns="91440" bIns="45720" rtlCol="0" anchor="ctr"/>
+          <a:lstStyle/>
+          <a:p>
+            <a:endParaRPr lang="en-US"/>
+          </a:p>
+        </p:txBody>
+      </p:sp>
+      <p:sp>
+        <p:nvSpPr>
+          <p:cNvPr id="5" name="Notes Placeholder 4"/>
+          <p:cNvSpPr>
+            <a:spLocks noGrp="1"/>
+          </p:cNvSpPr>
+          <p:nvPr>
+            <p:ph type="body" sz="quarter" idx="3"/>
+          </p:nvPr>
+        </p:nvSpPr>
+        <p:spPr>
+          <a:xfrm>
+            <a:off x="685800" y="4400550"/>
+            <a:ext cx="5486400" cy="3600450"/>
+          </a:xfrm>
+          <a:prstGeom prst="rect">
+            <a:avLst/>
+          </a:prstGeom>
+        </p:spPr>
+        <p:txBody>
+          <a:bodyPr vert="horz" lIns="91440" tIns="45720" rIns="91440" bIns="45720" rtlCol="0"/>
+          <a:lstStyle/>
+          <a:p>
+            <a:pPr lvl="0"/>
+            <a:r>
+              <a:rPr lang="en-US"/>
+              <a:t>Click to edit Master text styles</a:t>
+            </a:r>
+          </a:p>
+          <a:p>
+            <a:pPr lvl="1"/>
+            <a:r>
+              <a:rPr lang="en-US"/>
+              <a:t>Second level</a:t>
+            </a:r>
+          </a:p>
+          <a:p>
+            <a:pPr lvl="2"/>
+            <a:r>
+              <a:rPr lang="en-US"/>
+              <a:t>Third level</a:t>
+            </a:r>
+          </a:p>
+          <a:p>
+            <a:pPr lvl="3"/>
+            <a:r>
+              <a:rPr lang="en-US"/>
+              <a:t>Fourth level</a:t>
+            </a:r>
+          </a:p>
+          <a:p>
+            <a:pPr lvl="4"/>
+            <a:r>
+              <a:rPr lang="en-US"/>
+              <a:t>Fifth level</a:t>
+            </a:r>
+          </a:p>
+        </p:txBody>
+      </p:sp>
+      <p:sp>
+        <p:nvSpPr>
+          <p:cNvPr id="6" name="Footer Placeholder 5"/>
+          <p:cNvSpPr>
+            <a:spLocks noGrp="1"/>
+          </p:cNvSpPr>
+          <p:nvPr>
+            <p:ph type="ftr" sz="quarter" idx="4"/>
+          </p:nvPr>
+        </p:nvSpPr>
+        <p:spPr>
+          <a:xfrm>
+            <a:off x="0" y="8685213"/>
+            <a:ext cx="2971800" cy="458787"/>
+          </a:xfrm>
+          <a:prstGeom prst="rect">
+            <a:avLst/>
+          </a:prstGeom>
+        </p:spPr>
+        <p:txBody>
+          <a:bodyPr vert="horz" lIns="91440" tIns="45720" rIns="91440" bIns="45720" rtlCol="0" anchor="b"/>
+          <a:lstStyle>
+            <a:lvl1pPr algn="l">
+              <a:defRPr sz="1200"/>
+            </a:lvl1pPr>
+          </a:lstStyle>
+          <a:p>
+            <a:endParaRPr lang="en-US"/>
+          </a:p>
+        </p:txBody>
+      </p:sp>
+      <p:sp>
+        <p:nvSpPr>
+          <p:cNvPr id="7" name="Slide Number Placeholder 6"/>
+          <p:cNvSpPr>
+            <a:spLocks noGrp="1"/>
+          </p:cNvSpPr>
+          <p:nvPr>
+            <p:ph type="sldNum" sz="quarter" idx="5"/>
+          </p:nvPr>
+        </p:nvSpPr>
+        <p:spPr>
+          <a:xfrm>
+            <a:off x="3884613" y="8685213"/>
+            <a:ext cx="2971800" cy="458787"/>
+          </a:xfrm>
+          <a:prstGeom prst="rect">
+            <a:avLst/>
+          </a:prstGeom>
+        </p:spPr>
+        <p:txBody>
+          <a:bodyPr vert="horz" lIns="91440" tIns="45720" rIns="91440" bIns="45720" rtlCol="0" anchor="b"/>
+          <a:lstStyle>
+            <a:lvl1pPr algn="r">
+              <a:defRPr sz="1200"/>
+            </a:lvl1pPr>
+          </a:lstStyle>
+          <a:p>
+            <a:fld id="{3D188977-3BD5-4FC7-9F00-9ED34984F09E}" type="slidenum">
+              <a:rPr lang="en-US" smtClean="0"/>
+              <a:t>‹#›</a:t>
+            </a:fld>
+            <a:endParaRPr lang="en-US"/>
+          </a:p>
+        </p:txBody>
+      </p:sp>
+    </p:spTree>
+    <p:extLst>
+      <p:ext uri="{BB962C8B-B14F-4D97-AF65-F5344CB8AC3E}">
+        <p14:creationId xmlns:p14="http://schemas.microsoft.com/office/powerpoint/2010/main" val="1593834701"/>
+      </p:ext>
+    </p:extLst>
+  </p:cSld>
+  <p:clrMap bg1="lt1" tx1="dk1" bg2="lt2" tx2="dk2" accent1="accent1" accent2="accent2" accent3="accent3" accent4="accent4" accent5="accent5" accent6="accent6" hlink="hlink" folHlink="folHlink"/>
+  <p:notesStyle>
+    <a:lvl1pPr marL="0" algn="l" defTabSz="914400" rtl="0" eaLnBrk="1" latinLnBrk="0" hangingPunct="1">
+      <a:defRPr sz="1200" kern="1200">
+        <a:solidFill>
+          <a:schemeClr val="tx1"/>
+        </a:solidFill>
+        <a:latin typeface="+mn-lt"/>
+        <a:ea typeface="+mn-ea"/>
+        <a:cs typeface="+mn-cs"/>
+      </a:defRPr>
+    </a:lvl1pPr>
+    <a:lvl2pPr marL="457200" algn="l" defTabSz="914400" rtl="0" eaLnBrk="1" latinLnBrk="0" hangingPunct="1">
+      <a:defRPr sz="1200" kern="1200">
+        <a:solidFill>
+          <a:schemeClr val="tx1"/>
+        </a:solidFill>
+        <a:latin typeface="+mn-lt"/>
+        <a:ea typeface="+mn-ea"/>
+        <a:cs typeface="+mn-cs"/>
+      </a:defRPr>
+    </a:lvl2pPr>
+    <a:lvl3pPr marL="914400" algn="l" defTabSz="914400" rtl="0" eaLnBrk="1" latinLnBrk="0" hangingPunct="1">
+      <a:defRPr sz="1200" kern="1200">
+        <a:solidFill>
+          <a:schemeClr val="tx1"/>
+        </a:solidFill>
+        <a:latin typeface="+mn-lt"/>
+        <a:ea typeface="+mn-ea"/>
+        <a:cs typeface="+mn-cs"/>
+      </a:defRPr>
+    </a:lvl3pPr>
+    <a:lvl4pPr marL="1371600" algn="l" defTabSz="914400" rtl="0" eaLnBrk="1" latinLnBrk="0" hangingPunct="1">
+      <a:defRPr sz="1200" kern="1200">
+        <a:solidFill>
+          <a:schemeClr val="tx1"/>
+        </a:solidFill>
+        <a:latin typeface="+mn-lt"/>
+        <a:ea typeface="+mn-ea"/>
+        <a:cs typeface="+mn-cs"/>
+      </a:defRPr>
+    </a:lvl4pPr>
+    <a:lvl5pPr marL="1828800" algn="l" defTabSz="914400" rtl="0" eaLnBrk="1" latinLnBrk="0" hangingPunct="1">
+      <a:defRPr sz="1200" kern="1200">
+        <a:solidFill>
+          <a:schemeClr val="tx1"/>
+        </a:solidFill>
+        <a:latin typeface="+mn-lt"/>
+        <a:ea typeface="+mn-ea"/>
+        <a:cs typeface="+mn-cs"/>
+      </a:defRPr>
+    </a:lvl5pPr>
+    <a:lvl6pPr marL="2286000" algn="l" defTabSz="914400" rtl="0" eaLnBrk="1" latinLnBrk="0" hangingPunct="1">
+      <a:defRPr sz="1200" kern="1200">
+        <a:solidFill>
+          <a:schemeClr val="tx1"/>
+        </a:solidFill>
+        <a:latin typeface="+mn-lt"/>
+        <a:ea typeface="+mn-ea"/>
+        <a:cs typeface="+mn-cs"/>
+      </a:defRPr>
+    </a:lvl6pPr>
+    <a:lvl7pPr marL="2743200" algn="l" defTabSz="914400" rtl="0" eaLnBrk="1" latinLnBrk="0" hangingPunct="1">
+      <a:defRPr sz="1200" kern="1200">
+        <a:solidFill>
+          <a:schemeClr val="tx1"/>
+        </a:solidFill>
+        <a:latin typeface="+mn-lt"/>
+        <a:ea typeface="+mn-ea"/>
+        <a:cs typeface="+mn-cs"/>
+      </a:defRPr>
+    </a:lvl7pPr>
+    <a:lvl8pPr marL="3200400" algn="l" defTabSz="914400" rtl="0" eaLnBrk="1" latinLnBrk="0" hangingPunct="1">
+      <a:defRPr sz="1200" kern="1200">
+        <a:solidFill>
+          <a:schemeClr val="tx1"/>
+        </a:solidFill>
+        <a:latin typeface="+mn-lt"/>
+        <a:ea typeface="+mn-ea"/>
+        <a:cs typeface="+mn-cs"/>
+      </a:defRPr>
+    </a:lvl8pPr>
+    <a:lvl9pPr marL="3657600" algn="l" defTabSz="914400" rtl="0" eaLnBrk="1" latinLnBrk="0" hangingPunct="1">
+      <a:defRPr sz="1200" kern="1200">
+        <a:solidFill>
+          <a:schemeClr val="tx1"/>
+        </a:solidFill>
+        <a:latin typeface="+mn-lt"/>
+        <a:ea typeface="+mn-ea"/>
+        <a:cs typeface="+mn-cs"/>
+      </a:defRPr>
+    </a:lvl9pPr>
+  </p:notesStyle>
+</p:notesMaster>
+</file>
+
+<file path=ppt/notesSlides/notesSlide1.xml><?xml version="1.0" encoding="utf-8"?>
+<p:notes xmlns:a="http://schemas.openxmlformats.org/drawingml/2006/main" xmlns:r="http://schemas.openxmlformats.org/officeDocument/2006/relationships" xmlns:p="http://schemas.openxmlformats.org/presentationml/2006/main">
+  <p:cSld>
+    <p:spTree>
+      <p:nvGrpSpPr>
+        <p:cNvPr id="1" name=""/>
+        <p:cNvGrpSpPr/>
+        <p:nvPr/>
+      </p:nvGrpSpPr>
+      <p:grpSpPr>
+        <a:xfrm>
+          <a:off x="0" y="0"/>
+          <a:ext cx="0" cy="0"/>
+          <a:chOff x="0" y="0"/>
+          <a:chExt cx="0" cy="0"/>
+        </a:xfrm>
+      </p:grpSpPr>
+      <p:sp>
+        <p:nvSpPr>
+          <p:cNvPr id="2" name="Slide Image Placeholder 1"/>
+          <p:cNvSpPr>
+            <a:spLocks noGrp="1" noRot="1" noChangeAspect="1"/>
+          </p:cNvSpPr>
+          <p:nvPr>
+            <p:ph type="sldImg"/>
+          </p:nvPr>
+        </p:nvSpPr>
+        <p:spPr/>
+      </p:sp>
+      <p:sp>
+        <p:nvSpPr>
+          <p:cNvPr id="3" name="Notes Placeholder 2"/>
+          <p:cNvSpPr>
+            <a:spLocks noGrp="1"/>
+          </p:cNvSpPr>
+          <p:nvPr>
+            <p:ph type="body" idx="1"/>
+          </p:nvPr>
+        </p:nvSpPr>
+        <p:spPr/>
+        <p:txBody>
+          <a:bodyPr/>
+          <a:lstStyle/>
+          <a:p>
+            <a:r>
+              <a:rPr lang="en-US" dirty="0"/>
+              <a:t>* Talk about our online environment </a:t>
+            </a:r>
+            <a:r>
+              <a:rPr lang="en-US" dirty="0" err="1"/>
+              <a:t>Jupyter</a:t>
+            </a:r>
+            <a:r>
+              <a:rPr lang="en-US" dirty="0"/>
+              <a:t> Notebook.</a:t>
+            </a:r>
+          </a:p>
+        </p:txBody>
+      </p:sp>
+      <p:sp>
+        <p:nvSpPr>
+          <p:cNvPr id="4" name="Slide Number Placeholder 3"/>
+          <p:cNvSpPr>
+            <a:spLocks noGrp="1"/>
+          </p:cNvSpPr>
+          <p:nvPr>
+            <p:ph type="sldNum" sz="quarter" idx="5"/>
+          </p:nvPr>
+        </p:nvSpPr>
+        <p:spPr/>
+        <p:txBody>
+          <a:bodyPr/>
+          <a:lstStyle/>
+          <a:p>
+            <a:fld id="{3D188977-3BD5-4FC7-9F00-9ED34984F09E}" type="slidenum">
+              <a:rPr lang="en-US" smtClean="0"/>
+              <a:t>31</a:t>
+            </a:fld>
+            <a:endParaRPr lang="en-US"/>
+          </a:p>
+        </p:txBody>
+      </p:sp>
+    </p:spTree>
+    <p:extLst>
+      <p:ext uri="{BB962C8B-B14F-4D97-AF65-F5344CB8AC3E}">
+        <p14:creationId xmlns:p14="http://schemas.microsoft.com/office/powerpoint/2010/main" val="2118504683"/>
+      </p:ext>
+    </p:extLst>
+  </p:cSld>
+  <p:clrMapOvr>
+    <a:masterClrMapping/>
+  </p:clrMapOvr>
+</p:notes>
+</file>
+
 <file path=ppt/slideLayouts/slideLayout1.xml><?xml version="1.0" encoding="utf-8"?>
 <p:sldLayout xmlns:a="http://schemas.openxmlformats.org/drawingml/2006/main" xmlns:r="http://schemas.openxmlformats.org/officeDocument/2006/relationships" xmlns:p="http://schemas.openxmlformats.org/presentationml/2006/main" type="title" preserve="1">
   <p:cSld name="Title Slide">
@@ -28834,7 +29281,7 @@
           <a:p>
             <a:fld id="{02AC24A9-CCB6-4F8D-B8DB-C2F3692CFA5A}" type="datetimeFigureOut">
               <a:rPr lang="en-US" smtClean="0"/>
-              <a:t>8/28/2022</a:t>
+              <a:t>8/29/2022</a:t>
             </a:fld>
             <a:endParaRPr lang="en-US" dirty="0"/>
           </a:p>
@@ -29216,7 +29663,7 @@
           <a:p>
             <a:fld id="{02AC24A9-CCB6-4F8D-B8DB-C2F3692CFA5A}" type="datetimeFigureOut">
               <a:rPr lang="en-US" smtClean="0"/>
-              <a:t>8/28/2022</a:t>
+              <a:t>8/29/2022</a:t>
             </a:fld>
             <a:endParaRPr lang="en-US"/>
           </a:p>
@@ -29437,7 +29884,7 @@
           <a:p>
             <a:fld id="{02AC24A9-CCB6-4F8D-B8DB-C2F3692CFA5A}" type="datetimeFigureOut">
               <a:rPr lang="en-US" smtClean="0"/>
-              <a:t>8/28/2022</a:t>
+              <a:t>8/29/2022</a:t>
             </a:fld>
             <a:endParaRPr lang="en-US"/>
           </a:p>
@@ -29919,7 +30366,7 @@
           <a:p>
             <a:fld id="{02AC24A9-CCB6-4F8D-B8DB-C2F3692CFA5A}" type="datetimeFigureOut">
               <a:rPr lang="en-US" smtClean="0"/>
-              <a:t>8/28/2022</a:t>
+              <a:t>8/29/2022</a:t>
             </a:fld>
             <a:endParaRPr lang="en-US"/>
           </a:p>
@@ -30385,7 +30832,7 @@
           <a:p>
             <a:fld id="{02AC24A9-CCB6-4F8D-B8DB-C2F3692CFA5A}" type="datetimeFigureOut">
               <a:rPr lang="en-US" smtClean="0"/>
-              <a:t>8/28/2022</a:t>
+              <a:t>8/29/2022</a:t>
             </a:fld>
             <a:endParaRPr lang="en-US"/>
           </a:p>
@@ -30929,7 +31376,7 @@
           <a:p>
             <a:fld id="{02AC24A9-CCB6-4F8D-B8DB-C2F3692CFA5A}" type="datetimeFigureOut">
               <a:rPr lang="en-US" smtClean="0"/>
-              <a:t>8/28/2022</a:t>
+              <a:t>8/29/2022</a:t>
             </a:fld>
             <a:endParaRPr lang="en-US"/>
           </a:p>
@@ -31640,7 +32087,7 @@
           <a:p>
             <a:fld id="{02AC24A9-CCB6-4F8D-B8DB-C2F3692CFA5A}" type="datetimeFigureOut">
               <a:rPr lang="en-US" smtClean="0"/>
-              <a:t>8/28/2022</a:t>
+              <a:t>8/29/2022</a:t>
             </a:fld>
             <a:endParaRPr lang="en-US"/>
           </a:p>
@@ -31981,7 +32428,7 @@
           <a:p>
             <a:fld id="{02AC24A9-CCB6-4F8D-B8DB-C2F3692CFA5A}" type="datetimeFigureOut">
               <a:rPr lang="en-US" smtClean="0"/>
-              <a:t>8/28/2022</a:t>
+              <a:t>8/29/2022</a:t>
             </a:fld>
             <a:endParaRPr lang="en-US"/>
           </a:p>
@@ -32106,7 +32553,7 @@
           <a:p>
             <a:fld id="{02AC24A9-CCB6-4F8D-B8DB-C2F3692CFA5A}" type="datetimeFigureOut">
               <a:rPr lang="en-US" smtClean="0"/>
-              <a:t>8/28/2022</a:t>
+              <a:t>8/29/2022</a:t>
             </a:fld>
             <a:endParaRPr lang="en-US"/>
           </a:p>
@@ -32613,7 +33060,7 @@
           <a:p>
             <a:fld id="{02AC24A9-CCB6-4F8D-B8DB-C2F3692CFA5A}" type="datetimeFigureOut">
               <a:rPr lang="en-US" smtClean="0"/>
-              <a:t>8/28/2022</a:t>
+              <a:t>8/29/2022</a:t>
             </a:fld>
             <a:endParaRPr lang="en-US" dirty="0"/>
           </a:p>
@@ -33102,7 +33549,7 @@
           <a:p>
             <a:fld id="{02AC24A9-CCB6-4F8D-B8DB-C2F3692CFA5A}" type="datetimeFigureOut">
               <a:rPr lang="en-US" smtClean="0"/>
-              <a:t>8/28/2022</a:t>
+              <a:t>8/29/2022</a:t>
             </a:fld>
             <a:endParaRPr lang="en-US"/>
           </a:p>
@@ -33357,7 +33804,7 @@
           <a:p>
             <a:fld id="{02AC24A9-CCB6-4F8D-B8DB-C2F3692CFA5A}" type="datetimeFigureOut">
               <a:rPr lang="en-US" smtClean="0"/>
-              <a:t>8/28/2022</a:t>
+              <a:t>8/29/2022</a:t>
             </a:fld>
             <a:endParaRPr lang="en-US"/>
           </a:p>
@@ -51123,4 +51570,299 @@
     </a:ext>
   </a:extLst>
 </a:theme>
+</file>
+
+<file path=ppt/theme/theme2.xml><?xml version="1.0" encoding="utf-8"?>
+<a:theme xmlns:a="http://schemas.openxmlformats.org/drawingml/2006/main" name="Office Theme">
+  <a:themeElements>
+    <a:clrScheme name="Office">
+      <a:dk1>
+        <a:sysClr val="windowText" lastClr="000000"/>
+      </a:dk1>
+      <a:lt1>
+        <a:sysClr val="window" lastClr="FFFFFF"/>
+      </a:lt1>
+      <a:dk2>
+        <a:srgbClr val="44546A"/>
+      </a:dk2>
+      <a:lt2>
+        <a:srgbClr val="E7E6E6"/>
+      </a:lt2>
+      <a:accent1>
+        <a:srgbClr val="4472C4"/>
+      </a:accent1>
+      <a:accent2>
+        <a:srgbClr val="ED7D31"/>
+      </a:accent2>
+      <a:accent3>
+        <a:srgbClr val="A5A5A5"/>
+      </a:accent3>
+      <a:accent4>
+        <a:srgbClr val="FFC000"/>
+      </a:accent4>
+      <a:accent5>
+        <a:srgbClr val="5B9BD5"/>
+      </a:accent5>
+      <a:accent6>
+        <a:srgbClr val="70AD47"/>
+      </a:accent6>
+      <a:hlink>
+        <a:srgbClr val="0563C1"/>
+      </a:hlink>
+      <a:folHlink>
+        <a:srgbClr val="954F72"/>
+      </a:folHlink>
+    </a:clrScheme>
+    <a:fontScheme name="Office">
+      <a:majorFont>
+        <a:latin typeface="Calibri Light" panose="020F0302020204030204"/>
+        <a:ea typeface=""/>
+        <a:cs typeface=""/>
+        <a:font script="Jpan" typeface="游ゴシック Light"/>
+        <a:font script="Hang" typeface="맑은 고딕"/>
+        <a:font script="Hans" typeface="等线 Light"/>
+        <a:font script="Hant" typeface="新細明體"/>
+        <a:font script="Arab" typeface="Times New Roman"/>
+        <a:font script="Hebr" typeface="Times New Roman"/>
+        <a:font script="Thai" typeface="Angsana New"/>
+        <a:font script="Ethi" typeface="Nyala"/>
+        <a:font script="Beng" typeface="Vrinda"/>
+        <a:font script="Gujr" typeface="Shruti"/>
+        <a:font script="Khmr" typeface="MoolBoran"/>
+        <a:font script="Knda" typeface="Tunga"/>
+        <a:font script="Guru" typeface="Raavi"/>
+        <a:font script="Cans" typeface="Euphemia"/>
+        <a:font script="Cher" typeface="Plantagenet Cherokee"/>
+        <a:font script="Yiii" typeface="Microsoft Yi Baiti"/>
+        <a:font script="Tibt" typeface="Microsoft Himalaya"/>
+        <a:font script="Thaa" typeface="MV Boli"/>
+        <a:font script="Deva" typeface="Mangal"/>
+        <a:font script="Telu" typeface="Gautami"/>
+        <a:font script="Taml" typeface="Latha"/>
+        <a:font script="Syrc" typeface="Estrangelo Edessa"/>
+        <a:font script="Orya" typeface="Kalinga"/>
+        <a:font script="Mlym" typeface="Kartika"/>
+        <a:font script="Laoo" typeface="DokChampa"/>
+        <a:font script="Sinh" typeface="Iskoola Pota"/>
+        <a:font script="Mong" typeface="Mongolian Baiti"/>
+        <a:font script="Viet" typeface="Times New Roman"/>
+        <a:font script="Uigh" typeface="Microsoft Uighur"/>
+        <a:font script="Geor" typeface="Sylfaen"/>
+        <a:font script="Armn" typeface="Arial"/>
+        <a:font script="Bugi" typeface="Leelawadee UI"/>
+        <a:font script="Bopo" typeface="Microsoft JhengHei"/>
+        <a:font script="Java" typeface="Javanese Text"/>
+        <a:font script="Lisu" typeface="Segoe UI"/>
+        <a:font script="Mymr" typeface="Myanmar Text"/>
+        <a:font script="Nkoo" typeface="Ebrima"/>
+        <a:font script="Olck" typeface="Nirmala UI"/>
+        <a:font script="Osma" typeface="Ebrima"/>
+        <a:font script="Phag" typeface="Phagspa"/>
+        <a:font script="Syrn" typeface="Estrangelo Edessa"/>
+        <a:font script="Syrj" typeface="Estrangelo Edessa"/>
+        <a:font script="Syre" typeface="Estrangelo Edessa"/>
+        <a:font script="Sora" typeface="Nirmala UI"/>
+        <a:font script="Tale" typeface="Microsoft Tai Le"/>
+        <a:font script="Talu" typeface="Microsoft New Tai Lue"/>
+        <a:font script="Tfng" typeface="Ebrima"/>
+      </a:majorFont>
+      <a:minorFont>
+        <a:latin typeface="Calibri" panose="020F0502020204030204"/>
+        <a:ea typeface=""/>
+        <a:cs typeface=""/>
+        <a:font script="Jpan" typeface="游ゴシック"/>
+        <a:font script="Hang" typeface="맑은 고딕"/>
+        <a:font script="Hans" typeface="等线"/>
+        <a:font script="Hant" typeface="新細明體"/>
+        <a:font script="Arab" typeface="Arial"/>
+        <a:font script="Hebr" typeface="Arial"/>
+        <a:font script="Thai" typeface="Cordia New"/>
+        <a:font script="Ethi" typeface="Nyala"/>
+        <a:font script="Beng" typeface="Vrinda"/>
+        <a:font script="Gujr" typeface="Shruti"/>
+        <a:font script="Khmr" typeface="DaunPenh"/>
+        <a:font script="Knda" typeface="Tunga"/>
+        <a:font script="Guru" typeface="Raavi"/>
+        <a:font script="Cans" typeface="Euphemia"/>
+        <a:font script="Cher" typeface="Plantagenet Cherokee"/>
+        <a:font script="Yiii" typeface="Microsoft Yi Baiti"/>
+        <a:font script="Tibt" typeface="Microsoft Himalaya"/>
+        <a:font script="Thaa" typeface="MV Boli"/>
+        <a:font script="Deva" typeface="Mangal"/>
+        <a:font script="Telu" typeface="Gautami"/>
+        <a:font script="Taml" typeface="Latha"/>
+        <a:font script="Syrc" typeface="Estrangelo Edessa"/>
+        <a:font script="Orya" typeface="Kalinga"/>
+        <a:font script="Mlym" typeface="Kartika"/>
+        <a:font script="Laoo" typeface="DokChampa"/>
+        <a:font script="Sinh" typeface="Iskoola Pota"/>
+        <a:font script="Mong" typeface="Mongolian Baiti"/>
+        <a:font script="Viet" typeface="Arial"/>
+        <a:font script="Uigh" typeface="Microsoft Uighur"/>
+        <a:font script="Geor" typeface="Sylfaen"/>
+        <a:font script="Armn" typeface="Arial"/>
+        <a:font script="Bugi" typeface="Leelawadee UI"/>
+        <a:font script="Bopo" typeface="Microsoft JhengHei"/>
+        <a:font script="Java" typeface="Javanese Text"/>
+        <a:font script="Lisu" typeface="Segoe UI"/>
+        <a:font script="Mymr" typeface="Myanmar Text"/>
+        <a:font script="Nkoo" typeface="Ebrima"/>
+        <a:font script="Olck" typeface="Nirmala UI"/>
+        <a:font script="Osma" typeface="Ebrima"/>
+        <a:font script="Phag" typeface="Phagspa"/>
+        <a:font script="Syrn" typeface="Estrangelo Edessa"/>
+        <a:font script="Syrj" typeface="Estrangelo Edessa"/>
+        <a:font script="Syre" typeface="Estrangelo Edessa"/>
+        <a:font script="Sora" typeface="Nirmala UI"/>
+        <a:font script="Tale" typeface="Microsoft Tai Le"/>
+        <a:font script="Talu" typeface="Microsoft New Tai Lue"/>
+        <a:font script="Tfng" typeface="Ebrima"/>
+      </a:minorFont>
+    </a:fontScheme>
+    <a:fmtScheme name="Office">
+      <a:fillStyleLst>
+        <a:solidFill>
+          <a:schemeClr val="phClr"/>
+        </a:solidFill>
+        <a:gradFill rotWithShape="1">
+          <a:gsLst>
+            <a:gs pos="0">
+              <a:schemeClr val="phClr">
+                <a:lumMod val="110000"/>
+                <a:satMod val="105000"/>
+                <a:tint val="67000"/>
+              </a:schemeClr>
+            </a:gs>
+            <a:gs pos="50000">
+              <a:schemeClr val="phClr">
+                <a:lumMod val="105000"/>
+                <a:satMod val="103000"/>
+                <a:tint val="73000"/>
+              </a:schemeClr>
+            </a:gs>
+            <a:gs pos="100000">
+              <a:schemeClr val="phClr">
+                <a:lumMod val="105000"/>
+                <a:satMod val="109000"/>
+                <a:tint val="81000"/>
+              </a:schemeClr>
+            </a:gs>
+          </a:gsLst>
+          <a:lin ang="5400000" scaled="0"/>
+        </a:gradFill>
+        <a:gradFill rotWithShape="1">
+          <a:gsLst>
+            <a:gs pos="0">
+              <a:schemeClr val="phClr">
+                <a:satMod val="103000"/>
+                <a:lumMod val="102000"/>
+                <a:tint val="94000"/>
+              </a:schemeClr>
+            </a:gs>
+            <a:gs pos="50000">
+              <a:schemeClr val="phClr">
+                <a:satMod val="110000"/>
+                <a:lumMod val="100000"/>
+                <a:shade val="100000"/>
+              </a:schemeClr>
+            </a:gs>
+            <a:gs pos="100000">
+              <a:schemeClr val="phClr">
+                <a:lumMod val="99000"/>
+                <a:satMod val="120000"/>
+                <a:shade val="78000"/>
+              </a:schemeClr>
+            </a:gs>
+          </a:gsLst>
+          <a:lin ang="5400000" scaled="0"/>
+        </a:gradFill>
+      </a:fillStyleLst>
+      <a:lnStyleLst>
+        <a:ln w="6350" cap="flat" cmpd="sng" algn="ctr">
+          <a:solidFill>
+            <a:schemeClr val="phClr"/>
+          </a:solidFill>
+          <a:prstDash val="solid"/>
+          <a:miter lim="800000"/>
+        </a:ln>
+        <a:ln w="12700" cap="flat" cmpd="sng" algn="ctr">
+          <a:solidFill>
+            <a:schemeClr val="phClr"/>
+          </a:solidFill>
+          <a:prstDash val="solid"/>
+          <a:miter lim="800000"/>
+        </a:ln>
+        <a:ln w="19050" cap="flat" cmpd="sng" algn="ctr">
+          <a:solidFill>
+            <a:schemeClr val="phClr"/>
+          </a:solidFill>
+          <a:prstDash val="solid"/>
+          <a:miter lim="800000"/>
+        </a:ln>
+      </a:lnStyleLst>
+      <a:effectStyleLst>
+        <a:effectStyle>
+          <a:effectLst/>
+        </a:effectStyle>
+        <a:effectStyle>
+          <a:effectLst/>
+        </a:effectStyle>
+        <a:effectStyle>
+          <a:effectLst>
+            <a:outerShdw blurRad="57150" dist="19050" dir="5400000" algn="ctr" rotWithShape="0">
+              <a:srgbClr val="000000">
+                <a:alpha val="63000"/>
+              </a:srgbClr>
+            </a:outerShdw>
+          </a:effectLst>
+        </a:effectStyle>
+      </a:effectStyleLst>
+      <a:bgFillStyleLst>
+        <a:solidFill>
+          <a:schemeClr val="phClr"/>
+        </a:solidFill>
+        <a:solidFill>
+          <a:schemeClr val="phClr">
+            <a:tint val="95000"/>
+            <a:satMod val="170000"/>
+          </a:schemeClr>
+        </a:solidFill>
+        <a:gradFill rotWithShape="1">
+          <a:gsLst>
+            <a:gs pos="0">
+              <a:schemeClr val="phClr">
+                <a:tint val="93000"/>
+                <a:satMod val="150000"/>
+                <a:shade val="98000"/>
+                <a:lumMod val="102000"/>
+              </a:schemeClr>
+            </a:gs>
+            <a:gs pos="50000">
+              <a:schemeClr val="phClr">
+                <a:tint val="98000"/>
+                <a:satMod val="130000"/>
+                <a:shade val="90000"/>
+                <a:lumMod val="103000"/>
+              </a:schemeClr>
+            </a:gs>
+            <a:gs pos="100000">
+              <a:schemeClr val="phClr">
+                <a:shade val="63000"/>
+                <a:satMod val="120000"/>
+              </a:schemeClr>
+            </a:gs>
+          </a:gsLst>
+          <a:lin ang="5400000" scaled="0"/>
+        </a:gradFill>
+      </a:bgFillStyleLst>
+    </a:fmtScheme>
+  </a:themeElements>
+  <a:objectDefaults/>
+  <a:extraClrSchemeLst/>
+  <a:extLst>
+    <a:ext uri="{05A4C25C-085E-4340-85A3-A5531E510DB2}">
+      <thm15:themeFamily xmlns:thm15="http://schemas.microsoft.com/office/thememl/2012/main" name="Office Theme" id="{62F939B6-93AF-4DB8-9C6B-D6C7DFDC589F}" vid="{4A3C46E8-61CC-4603-A589-7422A47A8E4A}"/>
+    </a:ext>
+  </a:extLst>
+</a:theme>
 </file>